--- a/Complementi_basi_di_dati/Progetto/Davide De Rosa - Presentazione CBD.pptx
+++ b/Complementi_basi_di_dati/Progetto/Davide De Rosa - Presentazione CBD.pptx
@@ -54,14 +54,6 @@
     <p:sldId id="299" r:id="rId48"/>
     <p:sldId id="300" r:id="rId49"/>
     <p:sldId id="301" r:id="rId50"/>
-    <p:sldId id="302" r:id="rId51"/>
-    <p:sldId id="303" r:id="rId52"/>
-    <p:sldId id="304" r:id="rId53"/>
-    <p:sldId id="305" r:id="rId54"/>
-    <p:sldId id="306" r:id="rId55"/>
-    <p:sldId id="307" r:id="rId56"/>
-    <p:sldId id="308" r:id="rId57"/>
-    <p:sldId id="309" r:id="rId58"/>
   </p:sldIdLst>
   <p:sldSz cy="6858000" cx="9144000"/>
   <p:notesSz cx="6797675" cy="9926625"/>
@@ -4660,7 +4652,7 @@
       </p:grpSpPr>
       <p:sp>
         <p:nvSpPr>
-          <p:cNvPr id="297" name="Google Shape;297;g2d7838d52d4_0_211:notes"/>
+          <p:cNvPr id="297" name="Google Shape;297;g2d7838d52d4_0_217:notes"/>
           <p:cNvSpPr txBox="1"/>
           <p:nvPr>
             <p:ph idx="1" type="body"/>
@@ -4699,7 +4691,7 @@
       </p:sp>
       <p:sp>
         <p:nvSpPr>
-          <p:cNvPr id="298" name="Google Shape;298;g2d7838d52d4_0_211:notes"/>
+          <p:cNvPr id="298" name="Google Shape;298;g2d7838d52d4_0_217:notes"/>
           <p:cNvSpPr/>
           <p:nvPr>
             <p:ph idx="2" type="sldImg"/>
@@ -4858,7 +4850,7 @@
       </p:grpSpPr>
       <p:sp>
         <p:nvSpPr>
-          <p:cNvPr id="304" name="Google Shape;304;g2d7838d52d4_0_205:notes"/>
+          <p:cNvPr id="304" name="Google Shape;304;g2d7838d52d4_0_223:notes"/>
           <p:cNvSpPr txBox="1"/>
           <p:nvPr>
             <p:ph idx="1" type="body"/>
@@ -4897,7 +4889,7 @@
       </p:sp>
       <p:sp>
         <p:nvSpPr>
-          <p:cNvPr id="305" name="Google Shape;305;g2d7838d52d4_0_205:notes"/>
+          <p:cNvPr id="305" name="Google Shape;305;g2d7838d52d4_0_223:notes"/>
           <p:cNvSpPr/>
           <p:nvPr>
             <p:ph idx="2" type="sldImg"/>
@@ -4957,7 +4949,7 @@
       </p:grpSpPr>
       <p:sp>
         <p:nvSpPr>
-          <p:cNvPr id="310" name="Google Shape;310;g2d7838d52d4_0_217:notes"/>
+          <p:cNvPr id="310" name="Google Shape;310;g2d7838d52d4_0_229:notes"/>
           <p:cNvSpPr txBox="1"/>
           <p:nvPr>
             <p:ph idx="1" type="body"/>
@@ -4996,7 +4988,7 @@
       </p:sp>
       <p:sp>
         <p:nvSpPr>
-          <p:cNvPr id="311" name="Google Shape;311;g2d7838d52d4_0_217:notes"/>
+          <p:cNvPr id="311" name="Google Shape;311;g2d7838d52d4_0_229:notes"/>
           <p:cNvSpPr/>
           <p:nvPr>
             <p:ph idx="2" type="sldImg"/>
@@ -5056,7 +5048,7 @@
       </p:grpSpPr>
       <p:sp>
         <p:nvSpPr>
-          <p:cNvPr id="317" name="Google Shape;317;g2d7838d52d4_0_223:notes"/>
+          <p:cNvPr id="317" name="Google Shape;317;g2d7838d52d4_0_256:notes"/>
           <p:cNvSpPr txBox="1"/>
           <p:nvPr>
             <p:ph idx="1" type="body"/>
@@ -5095,7 +5087,7 @@
       </p:sp>
       <p:sp>
         <p:nvSpPr>
-          <p:cNvPr id="318" name="Google Shape;318;g2d7838d52d4_0_223:notes"/>
+          <p:cNvPr id="318" name="Google Shape;318;g2d7838d52d4_0_256:notes"/>
           <p:cNvSpPr/>
           <p:nvPr>
             <p:ph idx="2" type="sldImg"/>
@@ -5141,7 +5133,7 @@
   <p:cSld>
     <p:spTree>
       <p:nvGrpSpPr>
-        <p:cNvPr id="322" name="Shape 322"/>
+        <p:cNvPr id="323" name="Shape 323"/>
         <p:cNvGrpSpPr/>
         <p:nvPr/>
       </p:nvGrpSpPr>
@@ -5155,7 +5147,7 @@
       </p:grpSpPr>
       <p:sp>
         <p:nvSpPr>
-          <p:cNvPr id="323" name="Google Shape;323;g2d7838d52d4_0_229:notes"/>
+          <p:cNvPr id="324" name="Google Shape;324;g2d7838d52d4_0_68:notes"/>
           <p:cNvSpPr txBox="1"/>
           <p:nvPr>
             <p:ph idx="1" type="body"/>
@@ -5194,7 +5186,7 @@
       </p:sp>
       <p:sp>
         <p:nvSpPr>
-          <p:cNvPr id="324" name="Google Shape;324;g2d7838d52d4_0_229:notes"/>
+          <p:cNvPr id="325" name="Google Shape;325;g2d7838d52d4_0_68:notes"/>
           <p:cNvSpPr/>
           <p:nvPr>
             <p:ph idx="2" type="sldImg"/>
@@ -5254,7 +5246,7 @@
       </p:grpSpPr>
       <p:sp>
         <p:nvSpPr>
-          <p:cNvPr id="330" name="Google Shape;330;g2d7838d52d4_0_242:notes"/>
+          <p:cNvPr id="330" name="Google Shape;330;g2d7838d52d4_0_297:notes"/>
           <p:cNvSpPr txBox="1"/>
           <p:nvPr>
             <p:ph idx="1" type="body"/>
@@ -5293,7 +5285,7 @@
       </p:sp>
       <p:sp>
         <p:nvSpPr>
-          <p:cNvPr id="331" name="Google Shape;331;g2d7838d52d4_0_242:notes"/>
+          <p:cNvPr id="331" name="Google Shape;331;g2d7838d52d4_0_297:notes"/>
           <p:cNvSpPr/>
           <p:nvPr>
             <p:ph idx="2" type="sldImg"/>
@@ -5339,7 +5331,7 @@
   <p:cSld>
     <p:spTree>
       <p:nvGrpSpPr>
-        <p:cNvPr id="336" name="Shape 336"/>
+        <p:cNvPr id="335" name="Shape 335"/>
         <p:cNvGrpSpPr/>
         <p:nvPr/>
       </p:nvGrpSpPr>
@@ -5353,7 +5345,7 @@
       </p:grpSpPr>
       <p:sp>
         <p:nvSpPr>
-          <p:cNvPr id="337" name="Google Shape;337;g2d7838d52d4_0_249:notes"/>
+          <p:cNvPr id="336" name="Google Shape;336;g2d7838d52d4_0_302:notes"/>
           <p:cNvSpPr txBox="1"/>
           <p:nvPr>
             <p:ph idx="1" type="body"/>
@@ -5392,7 +5384,7 @@
       </p:sp>
       <p:sp>
         <p:nvSpPr>
-          <p:cNvPr id="338" name="Google Shape;338;g2d7838d52d4_0_249:notes"/>
+          <p:cNvPr id="337" name="Google Shape;337;g2d7838d52d4_0_302:notes"/>
           <p:cNvSpPr/>
           <p:nvPr>
             <p:ph idx="2" type="sldImg"/>
@@ -5438,7 +5430,7 @@
   <p:cSld>
     <p:spTree>
       <p:nvGrpSpPr>
-        <p:cNvPr id="343" name="Shape 343"/>
+        <p:cNvPr id="341" name="Shape 341"/>
         <p:cNvGrpSpPr/>
         <p:nvPr/>
       </p:nvGrpSpPr>
@@ -5452,7 +5444,7 @@
       </p:grpSpPr>
       <p:sp>
         <p:nvSpPr>
-          <p:cNvPr id="344" name="Google Shape;344;g2d7838d52d4_0_256:notes"/>
+          <p:cNvPr id="342" name="Google Shape;342;p8:notes"/>
           <p:cNvSpPr txBox="1"/>
           <p:nvPr>
             <p:ph idx="1" type="body"/>
@@ -5461,7 +5453,7 @@
         <p:spPr>
           <a:xfrm>
             <a:off x="681037" y="4714875"/>
-            <a:ext cx="5435700" cy="4467300"/>
+            <a:ext cx="5435600" cy="4467225"/>
           </a:xfrm>
           <a:prstGeom prst="rect">
             <a:avLst/>
@@ -5491,7 +5483,7 @@
       </p:sp>
       <p:sp>
         <p:nvSpPr>
-          <p:cNvPr id="345" name="Google Shape;345;g2d7838d52d4_0_256:notes"/>
+          <p:cNvPr id="343" name="Google Shape;343;p8:notes"/>
           <p:cNvSpPr/>
           <p:nvPr>
             <p:ph idx="2" type="sldImg"/>
@@ -5500,304 +5492,7 @@
         <p:spPr>
           <a:xfrm>
             <a:off x="917575" y="744537"/>
-            <a:ext cx="4964100" cy="3722700"/>
-          </a:xfrm>
-          <a:custGeom>
-            <a:rect b="b" l="l" r="r" t="t"/>
-            <a:pathLst>
-              <a:path extrusionOk="0" h="120000" w="120000">
-                <a:moveTo>
-                  <a:pt x="0" y="0"/>
-                </a:moveTo>
-                <a:lnTo>
-                  <a:pt x="120000" y="0"/>
-                </a:lnTo>
-                <a:lnTo>
-                  <a:pt x="120000" y="120000"/>
-                </a:lnTo>
-                <a:lnTo>
-                  <a:pt x="0" y="120000"/>
-                </a:lnTo>
-                <a:close/>
-              </a:path>
-            </a:pathLst>
-          </a:custGeom>
-        </p:spPr>
-      </p:sp>
-    </p:spTree>
-  </p:cSld>
-  <p:clrMapOvr>
-    <a:masterClrMapping/>
-  </p:clrMapOvr>
-</p:notes>
-</file>
-
-<file path=ppt/notesSlides/notesSlide47.xml><?xml version="1.0" encoding="utf-8"?>
-<p:notes xmlns:a="http://schemas.openxmlformats.org/drawingml/2006/main" xmlns:r="http://schemas.openxmlformats.org/officeDocument/2006/relationships" xmlns:mc="http://schemas.openxmlformats.org/markup-compatibility/2006" xmlns:mv="urn:schemas-microsoft-com:mac:vml" xmlns:p="http://schemas.openxmlformats.org/presentationml/2006/main" xmlns:c="http://schemas.openxmlformats.org/drawingml/2006/chart" xmlns:dgm="http://schemas.openxmlformats.org/drawingml/2006/diagram" xmlns:o="urn:schemas-microsoft-com:office:office" xmlns:v="urn:schemas-microsoft-com:vml" xmlns:pvml="urn:schemas-microsoft-com:office:powerpoint" xmlns:com="http://schemas.openxmlformats.org/drawingml/2006/compatibility" xmlns:p14="http://schemas.microsoft.com/office/powerpoint/2010/main" xmlns:p15="http://schemas.microsoft.com/office/powerpoint/2012/main" xmlns:ahyp="http://schemas.microsoft.com/office/drawing/2018/hyperlinkcolor" showMasterPhAnim="0" showMasterSp="0">
-  <p:cSld>
-    <p:spTree>
-      <p:nvGrpSpPr>
-        <p:cNvPr id="350" name="Shape 350"/>
-        <p:cNvGrpSpPr/>
-        <p:nvPr/>
-      </p:nvGrpSpPr>
-      <p:grpSpPr>
-        <a:xfrm>
-          <a:off x="0" y="0"/>
-          <a:ext cx="0" cy="0"/>
-          <a:chOff x="0" y="0"/>
-          <a:chExt cx="0" cy="0"/>
-        </a:xfrm>
-      </p:grpSpPr>
-      <p:sp>
-        <p:nvSpPr>
-          <p:cNvPr id="351" name="Google Shape;351;g2d7838d52d4_0_68:notes"/>
-          <p:cNvSpPr txBox="1"/>
-          <p:nvPr>
-            <p:ph idx="1" type="body"/>
-          </p:nvPr>
-        </p:nvSpPr>
-        <p:spPr>
-          <a:xfrm>
-            <a:off x="681037" y="4714875"/>
-            <a:ext cx="5435700" cy="4467300"/>
-          </a:xfrm>
-          <a:prstGeom prst="rect">
-            <a:avLst/>
-          </a:prstGeom>
-        </p:spPr>
-        <p:txBody>
-          <a:bodyPr anchorCtr="0" anchor="ctr" bIns="91425" lIns="91425" spcFirstLastPara="1" rIns="91425" wrap="square" tIns="91425">
-            <a:noAutofit/>
-          </a:bodyPr>
-          <a:lstStyle/>
-          <a:p>
-            <a:pPr indent="0" lvl="0" marL="0" rtl="0" algn="l">
-              <a:spcBef>
-                <a:spcPts val="0"/>
-              </a:spcBef>
-              <a:spcAft>
-                <a:spcPts val="0"/>
-              </a:spcAft>
-              <a:buNone/>
-            </a:pPr>
-            <a:r>
-              <a:t/>
-            </a:r>
-            <a:endParaRPr/>
-          </a:p>
-        </p:txBody>
-      </p:sp>
-      <p:sp>
-        <p:nvSpPr>
-          <p:cNvPr id="352" name="Google Shape;352;g2d7838d52d4_0_68:notes"/>
-          <p:cNvSpPr/>
-          <p:nvPr>
-            <p:ph idx="2" type="sldImg"/>
-          </p:nvPr>
-        </p:nvSpPr>
-        <p:spPr>
-          <a:xfrm>
-            <a:off x="917575" y="744537"/>
-            <a:ext cx="4964100" cy="3722700"/>
-          </a:xfrm>
-          <a:custGeom>
-            <a:rect b="b" l="l" r="r" t="t"/>
-            <a:pathLst>
-              <a:path extrusionOk="0" h="120000" w="120000">
-                <a:moveTo>
-                  <a:pt x="0" y="0"/>
-                </a:moveTo>
-                <a:lnTo>
-                  <a:pt x="120000" y="0"/>
-                </a:lnTo>
-                <a:lnTo>
-                  <a:pt x="120000" y="120000"/>
-                </a:lnTo>
-                <a:lnTo>
-                  <a:pt x="0" y="120000"/>
-                </a:lnTo>
-                <a:close/>
-              </a:path>
-            </a:pathLst>
-          </a:custGeom>
-        </p:spPr>
-      </p:sp>
-    </p:spTree>
-  </p:cSld>
-  <p:clrMapOvr>
-    <a:masterClrMapping/>
-  </p:clrMapOvr>
-</p:notes>
-</file>
-
-<file path=ppt/notesSlides/notesSlide48.xml><?xml version="1.0" encoding="utf-8"?>
-<p:notes xmlns:a="http://schemas.openxmlformats.org/drawingml/2006/main" xmlns:r="http://schemas.openxmlformats.org/officeDocument/2006/relationships" xmlns:mc="http://schemas.openxmlformats.org/markup-compatibility/2006" xmlns:mv="urn:schemas-microsoft-com:mac:vml" xmlns:p="http://schemas.openxmlformats.org/presentationml/2006/main" xmlns:c="http://schemas.openxmlformats.org/drawingml/2006/chart" xmlns:dgm="http://schemas.openxmlformats.org/drawingml/2006/diagram" xmlns:o="urn:schemas-microsoft-com:office:office" xmlns:v="urn:schemas-microsoft-com:vml" xmlns:pvml="urn:schemas-microsoft-com:office:powerpoint" xmlns:com="http://schemas.openxmlformats.org/drawingml/2006/compatibility" xmlns:p14="http://schemas.microsoft.com/office/powerpoint/2010/main" xmlns:p15="http://schemas.microsoft.com/office/powerpoint/2012/main" xmlns:ahyp="http://schemas.microsoft.com/office/drawing/2018/hyperlinkcolor" showMasterPhAnim="0" showMasterSp="0">
-  <p:cSld>
-    <p:spTree>
-      <p:nvGrpSpPr>
-        <p:cNvPr id="356" name="Shape 356"/>
-        <p:cNvGrpSpPr/>
-        <p:nvPr/>
-      </p:nvGrpSpPr>
-      <p:grpSpPr>
-        <a:xfrm>
-          <a:off x="0" y="0"/>
-          <a:ext cx="0" cy="0"/>
-          <a:chOff x="0" y="0"/>
-          <a:chExt cx="0" cy="0"/>
-        </a:xfrm>
-      </p:grpSpPr>
-      <p:sp>
-        <p:nvSpPr>
-          <p:cNvPr id="357" name="Google Shape;357;g2d7838d52d4_0_274:notes"/>
-          <p:cNvSpPr txBox="1"/>
-          <p:nvPr>
-            <p:ph idx="1" type="body"/>
-          </p:nvPr>
-        </p:nvSpPr>
-        <p:spPr>
-          <a:xfrm>
-            <a:off x="681037" y="4714875"/>
-            <a:ext cx="5435700" cy="4467300"/>
-          </a:xfrm>
-          <a:prstGeom prst="rect">
-            <a:avLst/>
-          </a:prstGeom>
-        </p:spPr>
-        <p:txBody>
-          <a:bodyPr anchorCtr="0" anchor="ctr" bIns="91425" lIns="91425" spcFirstLastPara="1" rIns="91425" wrap="square" tIns="91425">
-            <a:noAutofit/>
-          </a:bodyPr>
-          <a:lstStyle/>
-          <a:p>
-            <a:pPr indent="0" lvl="0" marL="0" rtl="0" algn="l">
-              <a:spcBef>
-                <a:spcPts val="0"/>
-              </a:spcBef>
-              <a:spcAft>
-                <a:spcPts val="0"/>
-              </a:spcAft>
-              <a:buNone/>
-            </a:pPr>
-            <a:r>
-              <a:t/>
-            </a:r>
-            <a:endParaRPr/>
-          </a:p>
-        </p:txBody>
-      </p:sp>
-      <p:sp>
-        <p:nvSpPr>
-          <p:cNvPr id="358" name="Google Shape;358;g2d7838d52d4_0_274:notes"/>
-          <p:cNvSpPr/>
-          <p:nvPr>
-            <p:ph idx="2" type="sldImg"/>
-          </p:nvPr>
-        </p:nvSpPr>
-        <p:spPr>
-          <a:xfrm>
-            <a:off x="917575" y="744537"/>
-            <a:ext cx="4964100" cy="3722700"/>
-          </a:xfrm>
-          <a:custGeom>
-            <a:rect b="b" l="l" r="r" t="t"/>
-            <a:pathLst>
-              <a:path extrusionOk="0" h="120000" w="120000">
-                <a:moveTo>
-                  <a:pt x="0" y="0"/>
-                </a:moveTo>
-                <a:lnTo>
-                  <a:pt x="120000" y="0"/>
-                </a:lnTo>
-                <a:lnTo>
-                  <a:pt x="120000" y="120000"/>
-                </a:lnTo>
-                <a:lnTo>
-                  <a:pt x="0" y="120000"/>
-                </a:lnTo>
-                <a:close/>
-              </a:path>
-            </a:pathLst>
-          </a:custGeom>
-        </p:spPr>
-      </p:sp>
-    </p:spTree>
-  </p:cSld>
-  <p:clrMapOvr>
-    <a:masterClrMapping/>
-  </p:clrMapOvr>
-</p:notes>
-</file>
-
-<file path=ppt/notesSlides/notesSlide49.xml><?xml version="1.0" encoding="utf-8"?>
-<p:notes xmlns:a="http://schemas.openxmlformats.org/drawingml/2006/main" xmlns:r="http://schemas.openxmlformats.org/officeDocument/2006/relationships" xmlns:mc="http://schemas.openxmlformats.org/markup-compatibility/2006" xmlns:mv="urn:schemas-microsoft-com:mac:vml" xmlns:p="http://schemas.openxmlformats.org/presentationml/2006/main" xmlns:c="http://schemas.openxmlformats.org/drawingml/2006/chart" xmlns:dgm="http://schemas.openxmlformats.org/drawingml/2006/diagram" xmlns:o="urn:schemas-microsoft-com:office:office" xmlns:v="urn:schemas-microsoft-com:vml" xmlns:pvml="urn:schemas-microsoft-com:office:powerpoint" xmlns:com="http://schemas.openxmlformats.org/drawingml/2006/compatibility" xmlns:p14="http://schemas.microsoft.com/office/powerpoint/2010/main" xmlns:p15="http://schemas.microsoft.com/office/powerpoint/2012/main" xmlns:ahyp="http://schemas.microsoft.com/office/drawing/2018/hyperlinkcolor" showMasterPhAnim="0" showMasterSp="0">
-  <p:cSld>
-    <p:spTree>
-      <p:nvGrpSpPr>
-        <p:cNvPr id="362" name="Shape 362"/>
-        <p:cNvGrpSpPr/>
-        <p:nvPr/>
-      </p:nvGrpSpPr>
-      <p:grpSpPr>
-        <a:xfrm>
-          <a:off x="0" y="0"/>
-          <a:ext cx="0" cy="0"/>
-          <a:chOff x="0" y="0"/>
-          <a:chExt cx="0" cy="0"/>
-        </a:xfrm>
-      </p:grpSpPr>
-      <p:sp>
-        <p:nvSpPr>
-          <p:cNvPr id="363" name="Google Shape;363;g2d7838d52d4_0_279:notes"/>
-          <p:cNvSpPr txBox="1"/>
-          <p:nvPr>
-            <p:ph idx="1" type="body"/>
-          </p:nvPr>
-        </p:nvSpPr>
-        <p:spPr>
-          <a:xfrm>
-            <a:off x="681037" y="4714875"/>
-            <a:ext cx="5435700" cy="4467300"/>
-          </a:xfrm>
-          <a:prstGeom prst="rect">
-            <a:avLst/>
-          </a:prstGeom>
-        </p:spPr>
-        <p:txBody>
-          <a:bodyPr anchorCtr="0" anchor="ctr" bIns="91425" lIns="91425" spcFirstLastPara="1" rIns="91425" wrap="square" tIns="91425">
-            <a:noAutofit/>
-          </a:bodyPr>
-          <a:lstStyle/>
-          <a:p>
-            <a:pPr indent="0" lvl="0" marL="0" rtl="0" algn="l">
-              <a:spcBef>
-                <a:spcPts val="0"/>
-              </a:spcBef>
-              <a:spcAft>
-                <a:spcPts val="0"/>
-              </a:spcAft>
-              <a:buNone/>
-            </a:pPr>
-            <a:r>
-              <a:t/>
-            </a:r>
-            <a:endParaRPr/>
-          </a:p>
-        </p:txBody>
-      </p:sp>
-      <p:sp>
-        <p:nvSpPr>
-          <p:cNvPr id="364" name="Google Shape;364;g2d7838d52d4_0_279:notes"/>
-          <p:cNvSpPr/>
-          <p:nvPr>
-            <p:ph idx="2" type="sldImg"/>
-          </p:nvPr>
-        </p:nvSpPr>
-        <p:spPr>
-          <a:xfrm>
-            <a:off x="917575" y="744537"/>
-            <a:ext cx="4964100" cy="3722700"/>
+            <a:ext cx="4964112" cy="3722687"/>
           </a:xfrm>
           <a:custGeom>
             <a:rect b="b" l="l" r="r" t="t"/>
@@ -5897,501 +5592,6 @@
           <a:xfrm>
             <a:off x="917575" y="744537"/>
             <a:ext cx="4964100" cy="3722700"/>
-          </a:xfrm>
-          <a:custGeom>
-            <a:rect b="b" l="l" r="r" t="t"/>
-            <a:pathLst>
-              <a:path extrusionOk="0" h="120000" w="120000">
-                <a:moveTo>
-                  <a:pt x="0" y="0"/>
-                </a:moveTo>
-                <a:lnTo>
-                  <a:pt x="120000" y="0"/>
-                </a:lnTo>
-                <a:lnTo>
-                  <a:pt x="120000" y="120000"/>
-                </a:lnTo>
-                <a:lnTo>
-                  <a:pt x="0" y="120000"/>
-                </a:lnTo>
-                <a:close/>
-              </a:path>
-            </a:pathLst>
-          </a:custGeom>
-        </p:spPr>
-      </p:sp>
-    </p:spTree>
-  </p:cSld>
-  <p:clrMapOvr>
-    <a:masterClrMapping/>
-  </p:clrMapOvr>
-</p:notes>
-</file>
-
-<file path=ppt/notesSlides/notesSlide50.xml><?xml version="1.0" encoding="utf-8"?>
-<p:notes xmlns:a="http://schemas.openxmlformats.org/drawingml/2006/main" xmlns:r="http://schemas.openxmlformats.org/officeDocument/2006/relationships" xmlns:mc="http://schemas.openxmlformats.org/markup-compatibility/2006" xmlns:mv="urn:schemas-microsoft-com:mac:vml" xmlns:p="http://schemas.openxmlformats.org/presentationml/2006/main" xmlns:c="http://schemas.openxmlformats.org/drawingml/2006/chart" xmlns:dgm="http://schemas.openxmlformats.org/drawingml/2006/diagram" xmlns:o="urn:schemas-microsoft-com:office:office" xmlns:v="urn:schemas-microsoft-com:vml" xmlns:pvml="urn:schemas-microsoft-com:office:powerpoint" xmlns:com="http://schemas.openxmlformats.org/drawingml/2006/compatibility" xmlns:p14="http://schemas.microsoft.com/office/powerpoint/2010/main" xmlns:p15="http://schemas.microsoft.com/office/powerpoint/2012/main" xmlns:ahyp="http://schemas.microsoft.com/office/drawing/2018/hyperlinkcolor" showMasterPhAnim="0" showMasterSp="0">
-  <p:cSld>
-    <p:spTree>
-      <p:nvGrpSpPr>
-        <p:cNvPr id="368" name="Shape 368"/>
-        <p:cNvGrpSpPr/>
-        <p:nvPr/>
-      </p:nvGrpSpPr>
-      <p:grpSpPr>
-        <a:xfrm>
-          <a:off x="0" y="0"/>
-          <a:ext cx="0" cy="0"/>
-          <a:chOff x="0" y="0"/>
-          <a:chExt cx="0" cy="0"/>
-        </a:xfrm>
-      </p:grpSpPr>
-      <p:sp>
-        <p:nvSpPr>
-          <p:cNvPr id="369" name="Google Shape;369;g2d7838d52d4_0_284:notes"/>
-          <p:cNvSpPr txBox="1"/>
-          <p:nvPr>
-            <p:ph idx="1" type="body"/>
-          </p:nvPr>
-        </p:nvSpPr>
-        <p:spPr>
-          <a:xfrm>
-            <a:off x="681037" y="4714875"/>
-            <a:ext cx="5435700" cy="4467300"/>
-          </a:xfrm>
-          <a:prstGeom prst="rect">
-            <a:avLst/>
-          </a:prstGeom>
-        </p:spPr>
-        <p:txBody>
-          <a:bodyPr anchorCtr="0" anchor="ctr" bIns="91425" lIns="91425" spcFirstLastPara="1" rIns="91425" wrap="square" tIns="91425">
-            <a:noAutofit/>
-          </a:bodyPr>
-          <a:lstStyle/>
-          <a:p>
-            <a:pPr indent="0" lvl="0" marL="0" rtl="0" algn="l">
-              <a:spcBef>
-                <a:spcPts val="0"/>
-              </a:spcBef>
-              <a:spcAft>
-                <a:spcPts val="0"/>
-              </a:spcAft>
-              <a:buNone/>
-            </a:pPr>
-            <a:r>
-              <a:t/>
-            </a:r>
-            <a:endParaRPr/>
-          </a:p>
-        </p:txBody>
-      </p:sp>
-      <p:sp>
-        <p:nvSpPr>
-          <p:cNvPr id="370" name="Google Shape;370;g2d7838d52d4_0_284:notes"/>
-          <p:cNvSpPr/>
-          <p:nvPr>
-            <p:ph idx="2" type="sldImg"/>
-          </p:nvPr>
-        </p:nvSpPr>
-        <p:spPr>
-          <a:xfrm>
-            <a:off x="917575" y="744537"/>
-            <a:ext cx="4964100" cy="3722700"/>
-          </a:xfrm>
-          <a:custGeom>
-            <a:rect b="b" l="l" r="r" t="t"/>
-            <a:pathLst>
-              <a:path extrusionOk="0" h="120000" w="120000">
-                <a:moveTo>
-                  <a:pt x="0" y="0"/>
-                </a:moveTo>
-                <a:lnTo>
-                  <a:pt x="120000" y="0"/>
-                </a:lnTo>
-                <a:lnTo>
-                  <a:pt x="120000" y="120000"/>
-                </a:lnTo>
-                <a:lnTo>
-                  <a:pt x="0" y="120000"/>
-                </a:lnTo>
-                <a:close/>
-              </a:path>
-            </a:pathLst>
-          </a:custGeom>
-        </p:spPr>
-      </p:sp>
-    </p:spTree>
-  </p:cSld>
-  <p:clrMapOvr>
-    <a:masterClrMapping/>
-  </p:clrMapOvr>
-</p:notes>
-</file>
-
-<file path=ppt/notesSlides/notesSlide51.xml><?xml version="1.0" encoding="utf-8"?>
-<p:notes xmlns:a="http://schemas.openxmlformats.org/drawingml/2006/main" xmlns:r="http://schemas.openxmlformats.org/officeDocument/2006/relationships" xmlns:mc="http://schemas.openxmlformats.org/markup-compatibility/2006" xmlns:mv="urn:schemas-microsoft-com:mac:vml" xmlns:p="http://schemas.openxmlformats.org/presentationml/2006/main" xmlns:c="http://schemas.openxmlformats.org/drawingml/2006/chart" xmlns:dgm="http://schemas.openxmlformats.org/drawingml/2006/diagram" xmlns:o="urn:schemas-microsoft-com:office:office" xmlns:v="urn:schemas-microsoft-com:vml" xmlns:pvml="urn:schemas-microsoft-com:office:powerpoint" xmlns:com="http://schemas.openxmlformats.org/drawingml/2006/compatibility" xmlns:p14="http://schemas.microsoft.com/office/powerpoint/2010/main" xmlns:p15="http://schemas.microsoft.com/office/powerpoint/2012/main" xmlns:ahyp="http://schemas.microsoft.com/office/drawing/2018/hyperlinkcolor" showMasterPhAnim="0" showMasterSp="0">
-  <p:cSld>
-    <p:spTree>
-      <p:nvGrpSpPr>
-        <p:cNvPr id="374" name="Shape 374"/>
-        <p:cNvGrpSpPr/>
-        <p:nvPr/>
-      </p:nvGrpSpPr>
-      <p:grpSpPr>
-        <a:xfrm>
-          <a:off x="0" y="0"/>
-          <a:ext cx="0" cy="0"/>
-          <a:chOff x="0" y="0"/>
-          <a:chExt cx="0" cy="0"/>
-        </a:xfrm>
-      </p:grpSpPr>
-      <p:sp>
-        <p:nvSpPr>
-          <p:cNvPr id="375" name="Google Shape;375;g2d7838d52d4_0_290:notes"/>
-          <p:cNvSpPr txBox="1"/>
-          <p:nvPr>
-            <p:ph idx="1" type="body"/>
-          </p:nvPr>
-        </p:nvSpPr>
-        <p:spPr>
-          <a:xfrm>
-            <a:off x="681037" y="4714875"/>
-            <a:ext cx="5435700" cy="4467300"/>
-          </a:xfrm>
-          <a:prstGeom prst="rect">
-            <a:avLst/>
-          </a:prstGeom>
-        </p:spPr>
-        <p:txBody>
-          <a:bodyPr anchorCtr="0" anchor="ctr" bIns="91425" lIns="91425" spcFirstLastPara="1" rIns="91425" wrap="square" tIns="91425">
-            <a:noAutofit/>
-          </a:bodyPr>
-          <a:lstStyle/>
-          <a:p>
-            <a:pPr indent="0" lvl="0" marL="0" rtl="0" algn="l">
-              <a:spcBef>
-                <a:spcPts val="0"/>
-              </a:spcBef>
-              <a:spcAft>
-                <a:spcPts val="0"/>
-              </a:spcAft>
-              <a:buNone/>
-            </a:pPr>
-            <a:r>
-              <a:t/>
-            </a:r>
-            <a:endParaRPr/>
-          </a:p>
-        </p:txBody>
-      </p:sp>
-      <p:sp>
-        <p:nvSpPr>
-          <p:cNvPr id="376" name="Google Shape;376;g2d7838d52d4_0_290:notes"/>
-          <p:cNvSpPr/>
-          <p:nvPr>
-            <p:ph idx="2" type="sldImg"/>
-          </p:nvPr>
-        </p:nvSpPr>
-        <p:spPr>
-          <a:xfrm>
-            <a:off x="917575" y="744537"/>
-            <a:ext cx="4964100" cy="3722700"/>
-          </a:xfrm>
-          <a:custGeom>
-            <a:rect b="b" l="l" r="r" t="t"/>
-            <a:pathLst>
-              <a:path extrusionOk="0" h="120000" w="120000">
-                <a:moveTo>
-                  <a:pt x="0" y="0"/>
-                </a:moveTo>
-                <a:lnTo>
-                  <a:pt x="120000" y="0"/>
-                </a:lnTo>
-                <a:lnTo>
-                  <a:pt x="120000" y="120000"/>
-                </a:lnTo>
-                <a:lnTo>
-                  <a:pt x="0" y="120000"/>
-                </a:lnTo>
-                <a:close/>
-              </a:path>
-            </a:pathLst>
-          </a:custGeom>
-        </p:spPr>
-      </p:sp>
-    </p:spTree>
-  </p:cSld>
-  <p:clrMapOvr>
-    <a:masterClrMapping/>
-  </p:clrMapOvr>
-</p:notes>
-</file>
-
-<file path=ppt/notesSlides/notesSlide52.xml><?xml version="1.0" encoding="utf-8"?>
-<p:notes xmlns:a="http://schemas.openxmlformats.org/drawingml/2006/main" xmlns:r="http://schemas.openxmlformats.org/officeDocument/2006/relationships" xmlns:mc="http://schemas.openxmlformats.org/markup-compatibility/2006" xmlns:mv="urn:schemas-microsoft-com:mac:vml" xmlns:p="http://schemas.openxmlformats.org/presentationml/2006/main" xmlns:c="http://schemas.openxmlformats.org/drawingml/2006/chart" xmlns:dgm="http://schemas.openxmlformats.org/drawingml/2006/diagram" xmlns:o="urn:schemas-microsoft-com:office:office" xmlns:v="urn:schemas-microsoft-com:vml" xmlns:pvml="urn:schemas-microsoft-com:office:powerpoint" xmlns:com="http://schemas.openxmlformats.org/drawingml/2006/compatibility" xmlns:p14="http://schemas.microsoft.com/office/powerpoint/2010/main" xmlns:p15="http://schemas.microsoft.com/office/powerpoint/2012/main" xmlns:ahyp="http://schemas.microsoft.com/office/drawing/2018/hyperlinkcolor" showMasterPhAnim="0" showMasterSp="0">
-  <p:cSld>
-    <p:spTree>
-      <p:nvGrpSpPr>
-        <p:cNvPr id="380" name="Shape 380"/>
-        <p:cNvGrpSpPr/>
-        <p:nvPr/>
-      </p:nvGrpSpPr>
-      <p:grpSpPr>
-        <a:xfrm>
-          <a:off x="0" y="0"/>
-          <a:ext cx="0" cy="0"/>
-          <a:chOff x="0" y="0"/>
-          <a:chExt cx="0" cy="0"/>
-        </a:xfrm>
-      </p:grpSpPr>
-      <p:sp>
-        <p:nvSpPr>
-          <p:cNvPr id="381" name="Google Shape;381;g2d7838d52d4_0_297:notes"/>
-          <p:cNvSpPr txBox="1"/>
-          <p:nvPr>
-            <p:ph idx="1" type="body"/>
-          </p:nvPr>
-        </p:nvSpPr>
-        <p:spPr>
-          <a:xfrm>
-            <a:off x="681037" y="4714875"/>
-            <a:ext cx="5435700" cy="4467300"/>
-          </a:xfrm>
-          <a:prstGeom prst="rect">
-            <a:avLst/>
-          </a:prstGeom>
-        </p:spPr>
-        <p:txBody>
-          <a:bodyPr anchorCtr="0" anchor="ctr" bIns="91425" lIns="91425" spcFirstLastPara="1" rIns="91425" wrap="square" tIns="91425">
-            <a:noAutofit/>
-          </a:bodyPr>
-          <a:lstStyle/>
-          <a:p>
-            <a:pPr indent="0" lvl="0" marL="0" rtl="0" algn="l">
-              <a:spcBef>
-                <a:spcPts val="0"/>
-              </a:spcBef>
-              <a:spcAft>
-                <a:spcPts val="0"/>
-              </a:spcAft>
-              <a:buNone/>
-            </a:pPr>
-            <a:r>
-              <a:t/>
-            </a:r>
-            <a:endParaRPr/>
-          </a:p>
-        </p:txBody>
-      </p:sp>
-      <p:sp>
-        <p:nvSpPr>
-          <p:cNvPr id="382" name="Google Shape;382;g2d7838d52d4_0_297:notes"/>
-          <p:cNvSpPr/>
-          <p:nvPr>
-            <p:ph idx="2" type="sldImg"/>
-          </p:nvPr>
-        </p:nvSpPr>
-        <p:spPr>
-          <a:xfrm>
-            <a:off x="917575" y="744537"/>
-            <a:ext cx="4964100" cy="3722700"/>
-          </a:xfrm>
-          <a:custGeom>
-            <a:rect b="b" l="l" r="r" t="t"/>
-            <a:pathLst>
-              <a:path extrusionOk="0" h="120000" w="120000">
-                <a:moveTo>
-                  <a:pt x="0" y="0"/>
-                </a:moveTo>
-                <a:lnTo>
-                  <a:pt x="120000" y="0"/>
-                </a:lnTo>
-                <a:lnTo>
-                  <a:pt x="120000" y="120000"/>
-                </a:lnTo>
-                <a:lnTo>
-                  <a:pt x="0" y="120000"/>
-                </a:lnTo>
-                <a:close/>
-              </a:path>
-            </a:pathLst>
-          </a:custGeom>
-        </p:spPr>
-      </p:sp>
-    </p:spTree>
-  </p:cSld>
-  <p:clrMapOvr>
-    <a:masterClrMapping/>
-  </p:clrMapOvr>
-</p:notes>
-</file>
-
-<file path=ppt/notesSlides/notesSlide53.xml><?xml version="1.0" encoding="utf-8"?>
-<p:notes xmlns:a="http://schemas.openxmlformats.org/drawingml/2006/main" xmlns:r="http://schemas.openxmlformats.org/officeDocument/2006/relationships" xmlns:mc="http://schemas.openxmlformats.org/markup-compatibility/2006" xmlns:mv="urn:schemas-microsoft-com:mac:vml" xmlns:p="http://schemas.openxmlformats.org/presentationml/2006/main" xmlns:c="http://schemas.openxmlformats.org/drawingml/2006/chart" xmlns:dgm="http://schemas.openxmlformats.org/drawingml/2006/diagram" xmlns:o="urn:schemas-microsoft-com:office:office" xmlns:v="urn:schemas-microsoft-com:vml" xmlns:pvml="urn:schemas-microsoft-com:office:powerpoint" xmlns:com="http://schemas.openxmlformats.org/drawingml/2006/compatibility" xmlns:p14="http://schemas.microsoft.com/office/powerpoint/2010/main" xmlns:p15="http://schemas.microsoft.com/office/powerpoint/2012/main" xmlns:ahyp="http://schemas.microsoft.com/office/drawing/2018/hyperlinkcolor" showMasterPhAnim="0" showMasterSp="0">
-  <p:cSld>
-    <p:spTree>
-      <p:nvGrpSpPr>
-        <p:cNvPr id="386" name="Shape 386"/>
-        <p:cNvGrpSpPr/>
-        <p:nvPr/>
-      </p:nvGrpSpPr>
-      <p:grpSpPr>
-        <a:xfrm>
-          <a:off x="0" y="0"/>
-          <a:ext cx="0" cy="0"/>
-          <a:chOff x="0" y="0"/>
-          <a:chExt cx="0" cy="0"/>
-        </a:xfrm>
-      </p:grpSpPr>
-      <p:sp>
-        <p:nvSpPr>
-          <p:cNvPr id="387" name="Google Shape;387;g2d7838d52d4_0_302:notes"/>
-          <p:cNvSpPr txBox="1"/>
-          <p:nvPr>
-            <p:ph idx="1" type="body"/>
-          </p:nvPr>
-        </p:nvSpPr>
-        <p:spPr>
-          <a:xfrm>
-            <a:off x="681037" y="4714875"/>
-            <a:ext cx="5435700" cy="4467300"/>
-          </a:xfrm>
-          <a:prstGeom prst="rect">
-            <a:avLst/>
-          </a:prstGeom>
-        </p:spPr>
-        <p:txBody>
-          <a:bodyPr anchorCtr="0" anchor="ctr" bIns="91425" lIns="91425" spcFirstLastPara="1" rIns="91425" wrap="square" tIns="91425">
-            <a:noAutofit/>
-          </a:bodyPr>
-          <a:lstStyle/>
-          <a:p>
-            <a:pPr indent="0" lvl="0" marL="0" rtl="0" algn="l">
-              <a:spcBef>
-                <a:spcPts val="0"/>
-              </a:spcBef>
-              <a:spcAft>
-                <a:spcPts val="0"/>
-              </a:spcAft>
-              <a:buNone/>
-            </a:pPr>
-            <a:r>
-              <a:t/>
-            </a:r>
-            <a:endParaRPr/>
-          </a:p>
-        </p:txBody>
-      </p:sp>
-      <p:sp>
-        <p:nvSpPr>
-          <p:cNvPr id="388" name="Google Shape;388;g2d7838d52d4_0_302:notes"/>
-          <p:cNvSpPr/>
-          <p:nvPr>
-            <p:ph idx="2" type="sldImg"/>
-          </p:nvPr>
-        </p:nvSpPr>
-        <p:spPr>
-          <a:xfrm>
-            <a:off x="917575" y="744537"/>
-            <a:ext cx="4964100" cy="3722700"/>
-          </a:xfrm>
-          <a:custGeom>
-            <a:rect b="b" l="l" r="r" t="t"/>
-            <a:pathLst>
-              <a:path extrusionOk="0" h="120000" w="120000">
-                <a:moveTo>
-                  <a:pt x="0" y="0"/>
-                </a:moveTo>
-                <a:lnTo>
-                  <a:pt x="120000" y="0"/>
-                </a:lnTo>
-                <a:lnTo>
-                  <a:pt x="120000" y="120000"/>
-                </a:lnTo>
-                <a:lnTo>
-                  <a:pt x="0" y="120000"/>
-                </a:lnTo>
-                <a:close/>
-              </a:path>
-            </a:pathLst>
-          </a:custGeom>
-        </p:spPr>
-      </p:sp>
-    </p:spTree>
-  </p:cSld>
-  <p:clrMapOvr>
-    <a:masterClrMapping/>
-  </p:clrMapOvr>
-</p:notes>
-</file>
-
-<file path=ppt/notesSlides/notesSlide54.xml><?xml version="1.0" encoding="utf-8"?>
-<p:notes xmlns:a="http://schemas.openxmlformats.org/drawingml/2006/main" xmlns:r="http://schemas.openxmlformats.org/officeDocument/2006/relationships" xmlns:mc="http://schemas.openxmlformats.org/markup-compatibility/2006" xmlns:mv="urn:schemas-microsoft-com:mac:vml" xmlns:p="http://schemas.openxmlformats.org/presentationml/2006/main" xmlns:c="http://schemas.openxmlformats.org/drawingml/2006/chart" xmlns:dgm="http://schemas.openxmlformats.org/drawingml/2006/diagram" xmlns:o="urn:schemas-microsoft-com:office:office" xmlns:v="urn:schemas-microsoft-com:vml" xmlns:pvml="urn:schemas-microsoft-com:office:powerpoint" xmlns:com="http://schemas.openxmlformats.org/drawingml/2006/compatibility" xmlns:p14="http://schemas.microsoft.com/office/powerpoint/2010/main" xmlns:p15="http://schemas.microsoft.com/office/powerpoint/2012/main" xmlns:ahyp="http://schemas.microsoft.com/office/drawing/2018/hyperlinkcolor" showMasterPhAnim="0" showMasterSp="0">
-  <p:cSld>
-    <p:spTree>
-      <p:nvGrpSpPr>
-        <p:cNvPr id="392" name="Shape 392"/>
-        <p:cNvGrpSpPr/>
-        <p:nvPr/>
-      </p:nvGrpSpPr>
-      <p:grpSpPr>
-        <a:xfrm>
-          <a:off x="0" y="0"/>
-          <a:ext cx="0" cy="0"/>
-          <a:chOff x="0" y="0"/>
-          <a:chExt cx="0" cy="0"/>
-        </a:xfrm>
-      </p:grpSpPr>
-      <p:sp>
-        <p:nvSpPr>
-          <p:cNvPr id="393" name="Google Shape;393;p8:notes"/>
-          <p:cNvSpPr txBox="1"/>
-          <p:nvPr>
-            <p:ph idx="1" type="body"/>
-          </p:nvPr>
-        </p:nvSpPr>
-        <p:spPr>
-          <a:xfrm>
-            <a:off x="681037" y="4714875"/>
-            <a:ext cx="5435600" cy="4467225"/>
-          </a:xfrm>
-          <a:prstGeom prst="rect">
-            <a:avLst/>
-          </a:prstGeom>
-        </p:spPr>
-        <p:txBody>
-          <a:bodyPr anchorCtr="0" anchor="ctr" bIns="91425" lIns="91425" spcFirstLastPara="1" rIns="91425" wrap="square" tIns="91425">
-            <a:noAutofit/>
-          </a:bodyPr>
-          <a:lstStyle/>
-          <a:p>
-            <a:pPr indent="0" lvl="0" marL="0" rtl="0" algn="l">
-              <a:spcBef>
-                <a:spcPts val="0"/>
-              </a:spcBef>
-              <a:spcAft>
-                <a:spcPts val="0"/>
-              </a:spcAft>
-              <a:buNone/>
-            </a:pPr>
-            <a:r>
-              <a:t/>
-            </a:r>
-            <a:endParaRPr/>
-          </a:p>
-        </p:txBody>
-      </p:sp>
-      <p:sp>
-        <p:nvSpPr>
-          <p:cNvPr id="394" name="Google Shape;394;p8:notes"/>
-          <p:cNvSpPr/>
-          <p:nvPr>
-            <p:ph idx="2" type="sldImg"/>
-          </p:nvPr>
-        </p:nvSpPr>
-        <p:spPr>
-          <a:xfrm>
-            <a:off x="917575" y="744537"/>
-            <a:ext cx="4964112" cy="3722687"/>
           </a:xfrm>
           <a:custGeom>
             <a:rect b="b" l="l" r="r" t="t"/>
@@ -10753,7 +9953,7 @@
                   <a:schemeClr val="dk1"/>
                 </a:solidFill>
               </a:rPr>
-              <a:t>: markets serve as mechanisms where buyers and sellers interact to set prices, which act as the balancing force that coordinates their actions. Prices also signal the conditions of exchange to market participants. The pricing mechanism is closely related to the efficient market hypothesis, which suggests that when supply and demand are balanced at an optimal price, the allocation of goods becomes Pareto-optimal, maximizing social welfare.</a:t>
+              <a:t>: markets serve as mechanisms where buyers and sellers interact to set prices, which act as the balancing force that coordinates their actions. Prices also signal the conditions of exchange to market participants.</a:t>
             </a:r>
             <a:endParaRPr sz="2300">
               <a:solidFill>
@@ -10994,7 +10194,7 @@
                   <a:schemeClr val="dk1"/>
                 </a:solidFill>
               </a:rPr>
-              <a:t>. ICT has also led to more flexible pricing and faster transactions, with automation of information processing significantly increasing information production.</a:t>
+              <a:t>. ICT has also led to more flexible pricing and faster transactions, with automation of information processing significantly increasing.</a:t>
             </a:r>
             <a:endParaRPr sz="2100">
               <a:solidFill>
@@ -11238,7 +10438,7 @@
               <a:buNone/>
             </a:pPr>
             <a:r>
-              <a:rPr b="1" lang="en-US" sz="2000">
+              <a:rPr b="1" lang="en-US" sz="2200">
                 <a:solidFill>
                   <a:schemeClr val="dk1"/>
                 </a:solidFill>
@@ -11246,14 +10446,14 @@
               <a:t>Electronic Markets</a:t>
             </a:r>
             <a:r>
-              <a:rPr lang="en-US" sz="2000">
+              <a:rPr lang="en-US" sz="2200">
                 <a:solidFill>
                   <a:schemeClr val="dk1"/>
                 </a:solidFill>
               </a:rPr>
               <a:t>: submarkets qualified by the electronic infrastructure they are based upon. </a:t>
             </a:r>
-            <a:endParaRPr sz="2000">
+            <a:endParaRPr sz="2200">
               <a:solidFill>
                 <a:schemeClr val="dk1"/>
               </a:solidFill>
@@ -11273,14 +10473,9 @@
               <a:buNone/>
             </a:pPr>
             <a:r>
-              <a:rPr lang="en-US" sz="2000">
-                <a:solidFill>
-                  <a:schemeClr val="dk1"/>
-                </a:solidFill>
-              </a:rPr>
-              <a:t>Analogously to the economic market definition, an electronic market is the abstract summary of all market-based allocation on the basis of electronic media.</a:t>
-            </a:r>
-            <a:endParaRPr sz="2000">
+              <a:t/>
+            </a:r>
+            <a:endParaRPr sz="2200">
               <a:solidFill>
                 <a:schemeClr val="dk1"/>
               </a:solidFill>
@@ -11300,16 +10495,37 @@
               <a:buNone/>
             </a:pPr>
             <a:r>
-              <a:t/>
-            </a:r>
-            <a:endParaRPr sz="2000">
+              <a:rPr lang="en-US" sz="2200">
+                <a:solidFill>
+                  <a:schemeClr val="dk1"/>
+                </a:solidFill>
+              </a:rPr>
+              <a:t>Electronic markets </a:t>
+            </a:r>
+            <a:r>
+              <a:rPr b="1" lang="en-US" sz="2200">
+                <a:solidFill>
+                  <a:schemeClr val="dk1"/>
+                </a:solidFill>
+              </a:rPr>
+              <a:t>differ</a:t>
+            </a:r>
+            <a:r>
+              <a:rPr lang="en-US" sz="2200">
+                <a:solidFill>
+                  <a:schemeClr val="dk1"/>
+                </a:solidFill>
+              </a:rPr>
+              <a:t> from traditional markets in two key ways: </a:t>
+            </a:r>
+            <a:endParaRPr sz="2200">
               <a:solidFill>
                 <a:schemeClr val="dk1"/>
               </a:solidFill>
             </a:endParaRPr>
           </a:p>
           <a:p>
-            <a:pPr indent="0" lvl="0" marL="0" marR="0" rtl="0" algn="l">
+            <a:pPr indent="-368300" lvl="0" marL="457200" marR="0" rtl="0" algn="l">
               <a:lnSpc>
                 <a:spcPct val="115000"/>
               </a:lnSpc>
@@ -11319,40 +10535,52 @@
               <a:spcAft>
                 <a:spcPts val="0"/>
               </a:spcAft>
-              <a:buNone/>
-            </a:pPr>
-            <a:r>
-              <a:rPr lang="en-US" sz="2000">
-                <a:solidFill>
-                  <a:schemeClr val="dk1"/>
-                </a:solidFill>
-              </a:rPr>
-              <a:t>Electronic markets </a:t>
-            </a:r>
-            <a:r>
-              <a:rPr b="1" lang="en-US" sz="2000">
-                <a:solidFill>
-                  <a:schemeClr val="dk1"/>
-                </a:solidFill>
-              </a:rPr>
-              <a:t>differ</a:t>
-            </a:r>
-            <a:r>
-              <a:rPr lang="en-US" sz="2000">
-                <a:solidFill>
-                  <a:schemeClr val="dk1"/>
-                </a:solidFill>
-              </a:rPr>
-              <a:t> from traditional markets in two key ways: </a:t>
-            </a:r>
-            <a:endParaRPr sz="2000">
+              <a:buClr>
+                <a:schemeClr val="dk1"/>
+              </a:buClr>
+              <a:buSzPts val="2200"/>
+              <a:buChar char="▪"/>
+            </a:pPr>
+            <a:r>
+              <a:rPr lang="en-US" sz="2200">
+                <a:solidFill>
+                  <a:schemeClr val="dk1"/>
+                </a:solidFill>
+              </a:rPr>
+              <a:t>The </a:t>
+            </a:r>
+            <a:r>
+              <a:rPr i="1" lang="en-US" sz="2200">
+                <a:solidFill>
+                  <a:schemeClr val="dk1"/>
+                </a:solidFill>
+              </a:rPr>
+              <a:t>Institutional function</a:t>
+            </a:r>
+            <a:r>
+              <a:rPr lang="en-US" sz="2200">
+                <a:solidFill>
+                  <a:schemeClr val="dk1"/>
+                </a:solidFill>
+              </a:rPr>
+              <a:t> is more complex </a:t>
+            </a:r>
+            <a:r>
+              <a:rPr lang="en-US" sz="2200">
+                <a:solidFill>
+                  <a:schemeClr val="dk1"/>
+                </a:solidFill>
+              </a:rPr>
+              <a:t>because the widespread nature of electronic markets makes it challenging to establish rules and common language. </a:t>
+            </a:r>
+            <a:endParaRPr sz="2200">
               <a:solidFill>
                 <a:schemeClr val="dk1"/>
               </a:solidFill>
             </a:endParaRPr>
           </a:p>
           <a:p>
-            <a:pPr indent="-355600" lvl="0" marL="457200" marR="0" rtl="0" algn="l">
+            <a:pPr indent="-368300" lvl="0" marL="457200" marR="0" rtl="0" algn="l">
               <a:lnSpc>
                 <a:spcPct val="115000"/>
               </a:lnSpc>
@@ -11365,58 +10593,11 @@
               <a:buClr>
                 <a:schemeClr val="dk1"/>
               </a:buClr>
-              <a:buSzPts val="2000"/>
+              <a:buSzPts val="2200"/>
               <a:buChar char="▪"/>
             </a:pPr>
             <a:r>
-              <a:rPr lang="en-US" sz="2000">
-                <a:solidFill>
-                  <a:schemeClr val="dk1"/>
-                </a:solidFill>
-              </a:rPr>
-              <a:t>The </a:t>
-            </a:r>
-            <a:r>
-              <a:rPr i="1" lang="en-US" sz="2000">
-                <a:solidFill>
-                  <a:schemeClr val="dk1"/>
-                </a:solidFill>
-              </a:rPr>
-              <a:t>Institutional function</a:t>
-            </a:r>
-            <a:r>
-              <a:rPr lang="en-US" sz="2000">
-                <a:solidFill>
-                  <a:schemeClr val="dk1"/>
-                </a:solidFill>
-              </a:rPr>
-              <a:t> is more complex because the widespread nature of electronic markets makes it challenging to establish rules and common language. </a:t>
-            </a:r>
-            <a:endParaRPr sz="2000">
-              <a:solidFill>
-                <a:schemeClr val="dk1"/>
-              </a:solidFill>
-            </a:endParaRPr>
-          </a:p>
-          <a:p>
-            <a:pPr indent="-355600" lvl="0" marL="457200" marR="0" rtl="0" algn="l">
-              <a:lnSpc>
-                <a:spcPct val="115000"/>
-              </a:lnSpc>
-              <a:spcBef>
-                <a:spcPts val="0"/>
-              </a:spcBef>
-              <a:spcAft>
-                <a:spcPts val="0"/>
-              </a:spcAft>
-              <a:buClr>
-                <a:schemeClr val="dk1"/>
-              </a:buClr>
-              <a:buSzPts val="2000"/>
-              <a:buChar char="▪"/>
-            </a:pPr>
-            <a:r>
-              <a:rPr i="1" lang="en-US" sz="2000">
+              <a:rPr i="1" lang="en-US" sz="2200">
                 <a:solidFill>
                   <a:schemeClr val="dk1"/>
                 </a:solidFill>
@@ -11424,14 +10605,22 @@
               <a:t>Pricing mechanisms</a:t>
             </a:r>
             <a:r>
-              <a:rPr lang="en-US" sz="2000">
-                <a:solidFill>
-                  <a:schemeClr val="dk1"/>
-                </a:solidFill>
-              </a:rPr>
-              <a:t> also differ. While price still serves as the main indicator of a good’s value and conditions, the composition of pricing, especially regarding transaction costs and the cost structure of virtual goods, can vary. The use of ICT typically reduces transaction costs significantly, leading to a notable decrease in the overall cost of goods.</a:t>
-            </a:r>
-            <a:endParaRPr sz="2000">
+              <a:rPr lang="en-US" sz="2200">
+                <a:solidFill>
+                  <a:schemeClr val="dk1"/>
+                </a:solidFill>
+              </a:rPr>
+              <a:t> also differ. While price still serves as the main indicator of a good’s value and conditions, the composition of pricing, especially regarding transaction costs and the cost structure of virtual goods, can vary.</a:t>
+            </a:r>
+            <a:r>
+              <a:rPr lang="en-US" sz="2200">
+                <a:solidFill>
+                  <a:schemeClr val="dk1"/>
+                </a:solidFill>
+              </a:rPr>
+              <a:t> </a:t>
+            </a:r>
+            <a:endParaRPr sz="2200">
               <a:solidFill>
                 <a:schemeClr val="dk1"/>
               </a:solidFill>
@@ -11741,7 +10930,7 @@
                   <a:schemeClr val="dk1"/>
                 </a:solidFill>
               </a:rPr>
-              <a:t> perspective defines an electronic marketplace as a concrete virtual platform where supply and demand meet, facilitating trade between providers and customers.</a:t>
+              <a:t> perspective defines an electronic marketplace as a concrete virtual platform where supply and demand meet.</a:t>
             </a:r>
             <a:endParaRPr sz="1900">
               <a:solidFill>
@@ -11924,7 +11113,39 @@
                   <a:schemeClr val="dk1"/>
                 </a:solidFill>
               </a:rPr>
-              <a:t>The evaluation of data marketplaces can be enriched by examining the relationship dynamics and the distinction between market-based and hierarchical systems. </a:t>
+              <a:t>The evaluation of data marketplaces can be enriched by examining the relationship dynamics and the distinction between </a:t>
+            </a:r>
+            <a:r>
+              <a:rPr i="1" lang="en-US" sz="2000">
+                <a:solidFill>
+                  <a:schemeClr val="dk1"/>
+                </a:solidFill>
+              </a:rPr>
+              <a:t>market-based</a:t>
+            </a:r>
+            <a:r>
+              <a:rPr lang="en-US" sz="2000">
+                <a:solidFill>
+                  <a:schemeClr val="dk1"/>
+                </a:solidFill>
+              </a:rPr>
+              <a:t> and </a:t>
+            </a:r>
+            <a:r>
+              <a:rPr i="1" lang="en-US" sz="2000">
+                <a:solidFill>
+                  <a:schemeClr val="dk1"/>
+                </a:solidFill>
+              </a:rPr>
+              <a:t>hierarchical</a:t>
+            </a:r>
+            <a:r>
+              <a:rPr lang="en-US" sz="2000">
+                <a:solidFill>
+                  <a:schemeClr val="dk1"/>
+                </a:solidFill>
+              </a:rPr>
+              <a:t> systems. </a:t>
             </a:r>
             <a:endParaRPr sz="2000">
               <a:solidFill>
@@ -13063,7 +12284,7 @@
                   <a:schemeClr val="dk1"/>
                 </a:solidFill>
               </a:rPr>
-              <a:t> relationships. Entry is theoretically possible but typically restricted to members of the consortium</a:t>
+              <a:t> relationships. Entry is theoretically possible but typically restricted to members of the consortium.</a:t>
             </a:r>
             <a:endParaRPr sz="1900">
               <a:solidFill>
@@ -13305,7 +12526,7 @@
               <a:buNone/>
             </a:pPr>
             <a:r>
-              <a:rPr lang="en-US" sz="1800">
+              <a:rPr lang="en-US" sz="1900">
                 <a:solidFill>
                   <a:schemeClr val="dk1"/>
                 </a:solidFill>
@@ -13313,7 +12534,7 @@
               <a:t>This ownership structure leads to </a:t>
             </a:r>
             <a:r>
-              <a:rPr b="1" lang="en-US" sz="1800">
+              <a:rPr b="1" lang="en-US" sz="1900">
                 <a:solidFill>
                   <a:schemeClr val="dk1"/>
                 </a:solidFill>
@@ -13321,21 +12542,21 @@
               <a:t>six</a:t>
             </a:r>
             <a:r>
-              <a:rPr lang="en-US" sz="1800">
+              <a:rPr lang="en-US" sz="1900">
                 <a:solidFill>
                   <a:schemeClr val="dk1"/>
                 </a:solidFill>
               </a:rPr>
               <a:t> business models:</a:t>
             </a:r>
-            <a:endParaRPr sz="1800">
+            <a:endParaRPr sz="1900">
               <a:solidFill>
                 <a:schemeClr val="dk1"/>
               </a:solidFill>
             </a:endParaRPr>
           </a:p>
           <a:p>
-            <a:pPr indent="-342900" lvl="0" marL="457200" marR="0" rtl="0" algn="l">
+            <a:pPr indent="-349250" lvl="0" marL="457200" marR="0" rtl="0" algn="l">
               <a:lnSpc>
                 <a:spcPct val="115000"/>
               </a:lnSpc>
@@ -13348,25 +12569,25 @@
               <a:buClr>
                 <a:schemeClr val="dk1"/>
               </a:buClr>
-              <a:buSzPts val="1800"/>
+              <a:buSzPts val="1900"/>
               <a:buChar char="▪"/>
             </a:pPr>
             <a:r>
-              <a:rPr b="1" lang="en-US" sz="1800">
+              <a:rPr b="1" lang="en-US" sz="1900">
                 <a:solidFill>
                   <a:schemeClr val="dk1"/>
                 </a:solidFill>
               </a:rPr>
               <a:t>Hierarchy level</a:t>
             </a:r>
-            <a:endParaRPr sz="1800">
+            <a:endParaRPr sz="1900">
               <a:solidFill>
                 <a:schemeClr val="dk1"/>
               </a:solidFill>
             </a:endParaRPr>
           </a:p>
           <a:p>
-            <a:pPr indent="-342900" lvl="0" marL="457200" rtl="0" algn="l">
+            <a:pPr indent="-349250" lvl="0" marL="457200" rtl="0" algn="l">
               <a:lnSpc>
                 <a:spcPct val="115000"/>
               </a:lnSpc>
@@ -13379,25 +12600,25 @@
               <a:buClr>
                 <a:schemeClr val="dk1"/>
               </a:buClr>
-              <a:buSzPts val="1800"/>
+              <a:buSzPts val="1900"/>
               <a:buChar char="▪"/>
             </a:pPr>
             <a:r>
-              <a:rPr b="1" lang="en-US" sz="1800">
+              <a:rPr b="1" lang="en-US" sz="1900">
                 <a:solidFill>
                   <a:schemeClr val="dk1"/>
                 </a:solidFill>
               </a:rPr>
               <a:t>Intermediate level</a:t>
             </a:r>
-            <a:endParaRPr sz="1800">
+            <a:endParaRPr sz="1900">
               <a:solidFill>
                 <a:schemeClr val="dk1"/>
               </a:solidFill>
             </a:endParaRPr>
           </a:p>
           <a:p>
-            <a:pPr indent="-342900" lvl="0" marL="457200" rtl="0" algn="l">
+            <a:pPr indent="-349250" lvl="0" marL="457200" rtl="0" algn="l">
               <a:lnSpc>
                 <a:spcPct val="115000"/>
               </a:lnSpc>
@@ -13410,11 +12631,11 @@
               <a:buClr>
                 <a:schemeClr val="dk1"/>
               </a:buClr>
-              <a:buSzPts val="1800"/>
+              <a:buSzPts val="1900"/>
               <a:buChar char="▪"/>
             </a:pPr>
             <a:r>
-              <a:rPr b="1" lang="en-US" sz="1800">
+              <a:rPr b="1" lang="en-US" sz="1900">
                 <a:solidFill>
                   <a:srgbClr val="FF0000"/>
                 </a:solidFill>
@@ -13422,7 +12643,7 @@
               <a:t>Market level</a:t>
             </a:r>
             <a:r>
-              <a:rPr lang="en-US" sz="1800">
+              <a:rPr lang="en-US" sz="1900">
                 <a:solidFill>
                   <a:schemeClr val="dk1"/>
                 </a:solidFill>
@@ -13430,7 +12651,7 @@
               <a:t>: </a:t>
             </a:r>
             <a:r>
-              <a:rPr i="1" lang="en-US" sz="1800">
+              <a:rPr i="1" lang="en-US" sz="1900">
                 <a:solidFill>
                   <a:schemeClr val="dk1"/>
                 </a:solidFill>
@@ -13438,7 +12659,7 @@
               <a:t>m</a:t>
             </a:r>
             <a:r>
-              <a:rPr i="1" lang="en-US" sz="1800">
+              <a:rPr i="1" lang="en-US" sz="1900">
                 <a:solidFill>
                   <a:schemeClr val="dk1"/>
                 </a:solidFill>
@@ -13446,14 +12667,14 @@
               <a:t>any-to-many</a:t>
             </a:r>
             <a:r>
-              <a:rPr lang="en-US" sz="1800">
-                <a:solidFill>
-                  <a:schemeClr val="dk1"/>
-                </a:solidFill>
-              </a:rPr>
-              <a:t> platforms are independent intermediaries with minimal entry restrictions. However, some many-to-many platforms, where operators also trade their goods, lack neutrality and resemble consortium platforms due to bias toward the operator’s interests.</a:t>
-            </a:r>
-            <a:endParaRPr sz="1800">
+              <a:rPr lang="en-US" sz="1900">
+                <a:solidFill>
+                  <a:schemeClr val="dk1"/>
+                </a:solidFill>
+              </a:rPr>
+              <a:t> platforms are independent intermediaries with minimal entry restrictions. </a:t>
+            </a:r>
+            <a:endParaRPr sz="1900">
               <a:solidFill>
                 <a:schemeClr val="dk1"/>
               </a:solidFill>
@@ -14212,7 +13433,7 @@
                   <a:schemeClr val="dk1"/>
                 </a:solidFill>
               </a:rPr>
-              <a:t> that enables users to upload, browse, download, buy, and sell machine-readable data (e.g., RDF, XML). The platform must </a:t>
+              <a:t> that enables users to upload, browse, download, buy, and sell machine-readable data. The platform must </a:t>
             </a:r>
             <a:r>
               <a:rPr b="1" lang="en-US" sz="2000">
@@ -14387,7 +13608,7 @@
               <a:buNone/>
             </a:pPr>
             <a:r>
-              <a:rPr lang="en-US" sz="2200">
+              <a:rPr lang="en-US" sz="2300">
                 <a:solidFill>
                   <a:schemeClr val="dk1"/>
                 </a:solidFill>
@@ -14395,7 +13616,7 @@
               <a:t>As already said before, there are </a:t>
             </a:r>
             <a:r>
-              <a:rPr b="1" lang="en-US" sz="2200">
+              <a:rPr b="1" lang="en-US" sz="2300">
                 <a:solidFill>
                   <a:schemeClr val="dk1"/>
                 </a:solidFill>
@@ -14403,7 +13624,7 @@
               <a:t>three different </a:t>
             </a:r>
             <a:r>
-              <a:rPr b="1" lang="en-US" sz="2200">
+              <a:rPr b="1" lang="en-US" sz="2300">
                 <a:solidFill>
                   <a:schemeClr val="dk1"/>
                 </a:solidFill>
@@ -14411,14 +13632,14 @@
               <a:t>surveys</a:t>
             </a:r>
             <a:r>
-              <a:rPr lang="en-US" sz="2200">
+              <a:rPr lang="en-US" sz="2300">
                 <a:solidFill>
                   <a:schemeClr val="dk1"/>
                 </a:solidFill>
               </a:rPr>
               <a:t>, all done consecutively. We are going to look at the first two initially, adding the results of the third later on.</a:t>
             </a:r>
-            <a:endParaRPr sz="2200">
+            <a:endParaRPr sz="2300">
               <a:solidFill>
                 <a:schemeClr val="dk1"/>
               </a:solidFill>
@@ -14440,7 +13661,7 @@
             <a:r>
               <a:t/>
             </a:r>
-            <a:endParaRPr sz="2200">
+            <a:endParaRPr sz="2300">
               <a:solidFill>
                 <a:schemeClr val="dk1"/>
               </a:solidFill>
@@ -14460,14 +13681,14 @@
               <a:buNone/>
             </a:pPr>
             <a:r>
-              <a:rPr lang="en-US" sz="2200">
+              <a:rPr lang="en-US" sz="2300">
                 <a:solidFill>
                   <a:schemeClr val="dk1"/>
                 </a:solidFill>
               </a:rPr>
               <a:t>The focus is on companies offering either a platform that</a:t>
             </a:r>
-            <a:endParaRPr sz="2200">
+            <a:endParaRPr sz="2300">
               <a:solidFill>
                 <a:schemeClr val="dk1"/>
               </a:solidFill>
@@ -14487,7 +13708,7 @@
               <a:buNone/>
             </a:pPr>
             <a:r>
-              <a:rPr lang="en-US" sz="2200">
+              <a:rPr lang="en-US" sz="2300">
                 <a:solidFill>
                   <a:schemeClr val="dk1"/>
                 </a:solidFill>
@@ -14495,7 +13716,7 @@
               <a:t>allows users to </a:t>
             </a:r>
             <a:r>
-              <a:rPr b="1" lang="en-US" sz="2200">
+              <a:rPr b="1" lang="en-US" sz="2300">
                 <a:solidFill>
                   <a:schemeClr val="dk1"/>
                 </a:solidFill>
@@ -14503,7 +13724,7 @@
               <a:t>buy and/or sell data</a:t>
             </a:r>
             <a:r>
-              <a:rPr lang="en-US" sz="2200">
+              <a:rPr lang="en-US" sz="2300">
                 <a:solidFill>
                   <a:schemeClr val="dk1"/>
                 </a:solidFill>
@@ -14511,7 +13732,7 @@
               <a:t>, providing </a:t>
             </a:r>
             <a:r>
-              <a:rPr b="1" lang="en-US" sz="2200">
+              <a:rPr b="1" lang="en-US" sz="2300">
                 <a:solidFill>
                   <a:schemeClr val="dk1"/>
                 </a:solidFill>
@@ -14519,7 +13740,7 @@
               <a:t>raw data</a:t>
             </a:r>
             <a:r>
-              <a:rPr lang="en-US" sz="2200">
+              <a:rPr lang="en-US" sz="2300">
                 <a:solidFill>
                   <a:schemeClr val="dk1"/>
                 </a:solidFill>
@@ -14527,7 +13748,7 @@
               <a:t> in </a:t>
             </a:r>
             <a:r>
-              <a:rPr b="1" lang="en-US" sz="2200">
+              <a:rPr b="1" lang="en-US" sz="2300">
                 <a:solidFill>
                   <a:schemeClr val="dk1"/>
                 </a:solidFill>
@@ -14535,7 +13756,7 @@
               <a:t>any form</a:t>
             </a:r>
             <a:r>
-              <a:rPr lang="en-US" sz="2200">
+              <a:rPr lang="en-US" sz="2300">
                 <a:solidFill>
                   <a:schemeClr val="dk1"/>
                 </a:solidFill>
@@ -14543,7 +13764,7 @@
               <a:t>, or on </a:t>
             </a:r>
             <a:r>
-              <a:rPr b="1" lang="en-US" sz="2200">
+              <a:rPr b="1" lang="en-US" sz="2300">
                 <a:solidFill>
                   <a:schemeClr val="dk1"/>
                 </a:solidFill>
@@ -14551,7 +13772,7 @@
               <a:t>companies</a:t>
             </a:r>
             <a:r>
-              <a:rPr lang="en-US" sz="2200">
+              <a:rPr lang="en-US" sz="2300">
                 <a:solidFill>
                   <a:schemeClr val="dk1"/>
                 </a:solidFill>
@@ -14559,7 +13780,7 @@
               <a:t> offering </a:t>
             </a:r>
             <a:r>
-              <a:rPr b="1" lang="en-US" sz="2200">
+              <a:rPr b="1" lang="en-US" sz="2300">
                 <a:solidFill>
                   <a:schemeClr val="dk1"/>
                 </a:solidFill>
@@ -14567,7 +13788,7 @@
               <a:t>data enrichment</a:t>
             </a:r>
             <a:r>
-              <a:rPr lang="en-US" sz="2200">
+              <a:rPr lang="en-US" sz="2300">
                 <a:solidFill>
                   <a:schemeClr val="dk1"/>
                 </a:solidFill>
@@ -14575,7 +13796,7 @@
               <a:t> </a:t>
             </a:r>
             <a:r>
-              <a:rPr b="1" lang="en-US" sz="2200">
+              <a:rPr b="1" lang="en-US" sz="2300">
                 <a:solidFill>
                   <a:schemeClr val="dk1"/>
                 </a:solidFill>
@@ -14583,14 +13804,14 @@
               <a:t>tools</a:t>
             </a:r>
             <a:r>
-              <a:rPr lang="en-US" sz="2200">
+              <a:rPr lang="en-US" sz="2300">
                 <a:solidFill>
                   <a:schemeClr val="dk1"/>
                 </a:solidFill>
               </a:rPr>
               <a:t>. </a:t>
             </a:r>
-            <a:endParaRPr sz="2200">
+            <a:endParaRPr sz="2300">
               <a:solidFill>
                 <a:schemeClr val="dk1"/>
               </a:solidFill>
@@ -14610,7 +13831,7 @@
               <a:buNone/>
             </a:pPr>
             <a:r>
-              <a:rPr lang="en-US" sz="2200">
+              <a:rPr lang="en-US" sz="2300">
                 <a:solidFill>
                   <a:schemeClr val="dk1"/>
                 </a:solidFill>
@@ -14618,7 +13839,7 @@
               <a:t>The platform, or service, has to be </a:t>
             </a:r>
             <a:r>
-              <a:rPr b="1" lang="en-US" sz="2200">
+              <a:rPr b="1" lang="en-US" sz="2300">
                 <a:solidFill>
                   <a:schemeClr val="dk1"/>
                 </a:solidFill>
@@ -14626,14 +13847,14 @@
               <a:t>online</a:t>
             </a:r>
             <a:r>
-              <a:rPr lang="en-US" sz="2200">
+              <a:rPr lang="en-US" sz="2300">
                 <a:solidFill>
                   <a:schemeClr val="dk1"/>
                 </a:solidFill>
               </a:rPr>
               <a:t>.</a:t>
             </a:r>
-            <a:endParaRPr sz="2200">
+            <a:endParaRPr sz="2300">
               <a:solidFill>
                 <a:schemeClr val="dk1"/>
               </a:solidFill>
@@ -14655,7 +13876,7 @@
             <a:r>
               <a:t/>
             </a:r>
-            <a:endParaRPr sz="2200">
+            <a:endParaRPr sz="2300">
               <a:solidFill>
                 <a:schemeClr val="dk1"/>
               </a:solidFill>
@@ -14675,7 +13896,7 @@
               <a:buNone/>
             </a:pPr>
             <a:r>
-              <a:rPr lang="en-US" sz="2200">
+              <a:rPr lang="en-US" sz="2300">
                 <a:solidFill>
                   <a:schemeClr val="dk1"/>
                 </a:solidFill>
@@ -14683,7 +13904,7 @@
               <a:t>The vendors are divided in </a:t>
             </a:r>
             <a:r>
-              <a:rPr b="1" lang="en-US" sz="2200">
+              <a:rPr b="1" lang="en-US" sz="2300">
                 <a:solidFill>
                   <a:schemeClr val="dk1"/>
                 </a:solidFill>
@@ -14691,7 +13912,7 @@
               <a:t>12</a:t>
             </a:r>
             <a:r>
-              <a:rPr lang="en-US" sz="2200">
+              <a:rPr lang="en-US" sz="2300">
                 <a:solidFill>
                   <a:schemeClr val="dk1"/>
                 </a:solidFill>
@@ -14699,7 +13920,7 @@
               <a:t> categories (</a:t>
             </a:r>
             <a:r>
-              <a:rPr b="1" lang="en-US" sz="2200">
+              <a:rPr b="1" lang="en-US" sz="2300">
                 <a:solidFill>
                   <a:schemeClr val="dk1"/>
                 </a:solidFill>
@@ -14707,14 +13928,14 @@
               <a:t>14</a:t>
             </a:r>
             <a:r>
-              <a:rPr lang="en-US" sz="2200">
+              <a:rPr lang="en-US" sz="2300">
                 <a:solidFill>
                   <a:schemeClr val="dk1"/>
                 </a:solidFill>
               </a:rPr>
               <a:t> in the 2nd survey).</a:t>
             </a:r>
-            <a:endParaRPr sz="2200">
+            <a:endParaRPr sz="2300">
               <a:solidFill>
                 <a:schemeClr val="dk1"/>
               </a:solidFill>
@@ -14734,30 +13955,9 @@
               <a:buNone/>
             </a:pPr>
             <a:r>
-              <a:rPr lang="en-US" sz="2200">
-                <a:solidFill>
-                  <a:schemeClr val="dk1"/>
-                </a:solidFill>
-              </a:rPr>
-              <a:t>The categories are </a:t>
-            </a:r>
-            <a:r>
-              <a:rPr b="1" lang="en-US" sz="2200">
-                <a:solidFill>
-                  <a:schemeClr val="dk1"/>
-                </a:solidFill>
-              </a:rPr>
-              <a:t>not mutually exclusive</a:t>
-            </a:r>
-            <a:r>
-              <a:rPr lang="en-US" sz="2200">
-                <a:solidFill>
-                  <a:schemeClr val="dk1"/>
-                </a:solidFill>
-              </a:rPr>
-              <a:t>.</a:t>
-            </a:r>
-            <a:endParaRPr sz="2200">
+              <a:t/>
+            </a:r>
+            <a:endParaRPr sz="2300">
               <a:solidFill>
                 <a:schemeClr val="dk1"/>
               </a:solidFill>
@@ -14777,9 +13977,30 @@
               <a:buNone/>
             </a:pPr>
             <a:r>
-              <a:t/>
-            </a:r>
-            <a:endParaRPr sz="2200">
+              <a:rPr lang="en-US" sz="2300">
+                <a:solidFill>
+                  <a:schemeClr val="dk1"/>
+                </a:solidFill>
+              </a:rPr>
+              <a:t>The categories are </a:t>
+            </a:r>
+            <a:r>
+              <a:rPr b="1" lang="en-US" sz="2300">
+                <a:solidFill>
+                  <a:schemeClr val="dk1"/>
+                </a:solidFill>
+              </a:rPr>
+              <a:t>not mutually exclusive</a:t>
+            </a:r>
+            <a:r>
+              <a:rPr lang="en-US" sz="2300">
+                <a:solidFill>
+                  <a:schemeClr val="dk1"/>
+                </a:solidFill>
+              </a:rPr>
+              <a:t>.</a:t>
+            </a:r>
+            <a:endParaRPr sz="2300">
               <a:solidFill>
                 <a:schemeClr val="dk1"/>
               </a:solidFill>
@@ -14799,58 +14020,9 @@
               <a:buNone/>
             </a:pPr>
             <a:r>
-              <a:rPr lang="en-US" sz="2200">
-                <a:solidFill>
-                  <a:schemeClr val="dk1"/>
-                </a:solidFill>
-              </a:rPr>
-              <a:t>All the facts are gathered by means of a Web Search, through respective vendors Websites.</a:t>
-            </a:r>
-            <a:endParaRPr sz="2200">
-              <a:solidFill>
-                <a:schemeClr val="dk1"/>
-              </a:solidFill>
-            </a:endParaRPr>
-          </a:p>
-          <a:p>
-            <a:pPr indent="0" lvl="0" marL="0" marR="0" rtl="0" algn="l">
-              <a:lnSpc>
-                <a:spcPct val="115000"/>
-              </a:lnSpc>
-              <a:spcBef>
-                <a:spcPts val="0"/>
-              </a:spcBef>
-              <a:spcAft>
-                <a:spcPts val="0"/>
-              </a:spcAft>
-              <a:buNone/>
-            </a:pPr>
-            <a:r>
               <a:t/>
             </a:r>
-            <a:endParaRPr sz="2200">
-              <a:solidFill>
-                <a:schemeClr val="dk1"/>
-              </a:solidFill>
-            </a:endParaRPr>
-          </a:p>
-          <a:p>
-            <a:pPr indent="0" lvl="0" marL="0" marR="0" rtl="0" algn="l">
-              <a:lnSpc>
-                <a:spcPct val="115000"/>
-              </a:lnSpc>
-              <a:spcBef>
-                <a:spcPts val="0"/>
-              </a:spcBef>
-              <a:spcAft>
-                <a:spcPts val="0"/>
-              </a:spcAft>
-              <a:buNone/>
-            </a:pPr>
-            <a:r>
-              <a:t/>
-            </a:r>
-            <a:endParaRPr sz="2200">
+            <a:endParaRPr sz="2300">
               <a:solidFill>
                 <a:schemeClr val="dk1"/>
               </a:solidFill>
@@ -15381,7 +14553,7 @@
         </p:blipFill>
         <p:spPr>
           <a:xfrm>
-            <a:off x="3920425" y="1787850"/>
+            <a:off x="3910775" y="2009700"/>
             <a:ext cx="5030651" cy="4293449"/>
           </a:xfrm>
           <a:prstGeom prst="rect">
@@ -15449,7 +14621,7 @@
                   <a:schemeClr val="dk1"/>
                 </a:solidFill>
               </a:rPr>
-              <a:t>enhanced data</a:t>
+              <a:t>Enhanced Data</a:t>
             </a:r>
             <a:r>
               <a:rPr lang="en-US" sz="2000">
@@ -15465,7 +14637,7 @@
                   <a:schemeClr val="dk1"/>
                 </a:solidFill>
               </a:rPr>
-              <a:t>raw or unprocessed data</a:t>
+              <a:t>Raw or Unprocessed Data</a:t>
             </a:r>
             <a:r>
               <a:rPr lang="en-US" sz="2000">
@@ -15473,7 +14645,39 @@
                   <a:schemeClr val="dk1"/>
                 </a:solidFill>
               </a:rPr>
-              <a:t> have slightly declined. </a:t>
+              <a:t> have slightly declined.</a:t>
+            </a:r>
+            <a:endParaRPr sz="2000">
+              <a:solidFill>
+                <a:schemeClr val="dk1"/>
+              </a:solidFill>
+            </a:endParaRPr>
+          </a:p>
+          <a:p>
+            <a:pPr indent="0" lvl="0" marL="0" rtl="0" algn="l">
+              <a:lnSpc>
+                <a:spcPct val="115000"/>
+              </a:lnSpc>
+              <a:spcBef>
+                <a:spcPts val="0"/>
+              </a:spcBef>
+              <a:spcAft>
+                <a:spcPts val="0"/>
+              </a:spcAft>
+              <a:buClr>
+                <a:schemeClr val="dk1"/>
+              </a:buClr>
+              <a:buSzPts val="1100"/>
+              <a:buFont typeface="Arial"/>
+              <a:buNone/>
+            </a:pPr>
+            <a:r>
+              <a:rPr lang="en-US" sz="2000">
+                <a:solidFill>
+                  <a:schemeClr val="dk1"/>
+                </a:solidFill>
+              </a:rPr>
+              <a:t> </a:t>
             </a:r>
             <a:endParaRPr sz="2000">
               <a:solidFill>
@@ -16278,7 +15482,31 @@
                   <a:schemeClr val="dk1"/>
                 </a:solidFill>
               </a:rPr>
-              <a:t>Other domains are not mutually exclusive, allowing vendors to serve multiple areas. The results are consistent with the first study, with </a:t>
+              <a:t>Other domains are not mutually exclusive, allowing vendors to serve multiple areas. </a:t>
+            </a:r>
+            <a:endParaRPr sz="2000">
+              <a:solidFill>
+                <a:schemeClr val="dk1"/>
+              </a:solidFill>
+            </a:endParaRPr>
+          </a:p>
+          <a:p>
+            <a:pPr indent="0" lvl="0" marL="0" rtl="0" algn="l">
+              <a:spcBef>
+                <a:spcPts val="0"/>
+              </a:spcBef>
+              <a:spcAft>
+                <a:spcPts val="0"/>
+              </a:spcAft>
+              <a:buNone/>
+            </a:pPr>
+            <a:r>
+              <a:rPr lang="en-US" sz="2000">
+                <a:solidFill>
+                  <a:schemeClr val="dk1"/>
+                </a:solidFill>
+              </a:rPr>
+              <a:t>The results are consistent with the first study, with </a:t>
             </a:r>
             <a:r>
               <a:rPr b="1" lang="en-US" sz="2000">
@@ -16525,7 +15753,7 @@
         </p:nvSpPr>
         <p:spPr>
           <a:xfrm>
-            <a:off x="501575" y="1635450"/>
+            <a:off x="501575" y="1787850"/>
             <a:ext cx="3221700" cy="4591200"/>
           </a:xfrm>
           <a:prstGeom prst="rect">
@@ -16552,7 +15780,7 @@
               <a:buNone/>
             </a:pPr>
             <a:r>
-              <a:rPr lang="en-US" sz="1800">
+              <a:rPr lang="en-US" sz="1700">
                 <a:solidFill>
                   <a:schemeClr val="dk1"/>
                 </a:solidFill>
@@ -16560,7 +15788,7 @@
               <a:t>In the second survey, the most common sources remained </a:t>
             </a:r>
             <a:r>
-              <a:rPr b="1" lang="en-US" sz="1800">
+              <a:rPr b="1" lang="en-US" sz="1700">
                 <a:solidFill>
                   <a:schemeClr val="dk1"/>
                 </a:solidFill>
@@ -16568,7 +15796,7 @@
               <a:t>Internet</a:t>
             </a:r>
             <a:r>
-              <a:rPr lang="en-US" sz="1800">
+              <a:rPr lang="en-US" sz="1700">
                 <a:solidFill>
                   <a:schemeClr val="dk1"/>
                 </a:solidFill>
@@ -16576,7 +15804,7 @@
               <a:t> and </a:t>
             </a:r>
             <a:r>
-              <a:rPr b="1" lang="en-US" sz="1800">
+              <a:rPr b="1" lang="en-US" sz="1700">
                 <a:solidFill>
                   <a:schemeClr val="dk1"/>
                 </a:solidFill>
@@ -16584,14 +15812,62 @@
               <a:t>Authority</a:t>
             </a:r>
             <a:r>
-              <a:rPr lang="en-US" sz="1800">
-                <a:solidFill>
-                  <a:schemeClr val="dk1"/>
-                </a:solidFill>
-              </a:rPr>
-              <a:t>, valued for their high accuracy, completeness, and credibility. </a:t>
-            </a:r>
-            <a:endParaRPr sz="1800">
+              <a:rPr lang="en-US" sz="1700">
+                <a:solidFill>
+                  <a:schemeClr val="dk1"/>
+                </a:solidFill>
+              </a:rPr>
+              <a:t>, valued for their </a:t>
+            </a:r>
+            <a:r>
+              <a:rPr b="1" lang="en-US" sz="1700">
+                <a:solidFill>
+                  <a:schemeClr val="dk1"/>
+                </a:solidFill>
+              </a:rPr>
+              <a:t>high accuracy</a:t>
+            </a:r>
+            <a:r>
+              <a:rPr lang="en-US" sz="1700">
+                <a:solidFill>
+                  <a:schemeClr val="dk1"/>
+                </a:solidFill>
+              </a:rPr>
+              <a:t>, </a:t>
+            </a:r>
+            <a:r>
+              <a:rPr b="1" lang="en-US" sz="1700">
+                <a:solidFill>
+                  <a:schemeClr val="dk1"/>
+                </a:solidFill>
+              </a:rPr>
+              <a:t>completeness</a:t>
+            </a:r>
+            <a:r>
+              <a:rPr lang="en-US" sz="1700">
+                <a:solidFill>
+                  <a:schemeClr val="dk1"/>
+                </a:solidFill>
+              </a:rPr>
+              <a:t>, and </a:t>
+            </a:r>
+            <a:r>
+              <a:rPr b="1" lang="en-US" sz="1700">
+                <a:solidFill>
+                  <a:schemeClr val="dk1"/>
+                </a:solidFill>
+              </a:rPr>
+              <a:t>credibility</a:t>
+            </a:r>
+            <a:r>
+              <a:rPr lang="en-US" sz="1700">
+                <a:solidFill>
+                  <a:schemeClr val="dk1"/>
+                </a:solidFill>
+              </a:rPr>
+              <a:t>. </a:t>
+            </a:r>
+            <a:endParaRPr sz="1700">
               <a:solidFill>
                 <a:schemeClr val="dk1"/>
               </a:solidFill>
@@ -16610,7 +15886,7 @@
             <a:r>
               <a:t/>
             </a:r>
-            <a:endParaRPr sz="1800">
+            <a:endParaRPr sz="1700">
               <a:solidFill>
                 <a:schemeClr val="dk1"/>
               </a:solidFill>
@@ -16627,7 +15903,7 @@
               <a:buNone/>
             </a:pPr>
             <a:r>
-              <a:rPr lang="en-US" sz="1800">
+              <a:rPr lang="en-US" sz="1700">
                 <a:solidFill>
                   <a:schemeClr val="dk1"/>
                 </a:solidFill>
@@ -16635,7 +15911,7 @@
               <a:t>However, there was an </a:t>
             </a:r>
             <a:r>
-              <a:rPr b="1" lang="en-US" sz="1800">
+              <a:rPr b="1" lang="en-US" sz="1700">
                 <a:solidFill>
                   <a:schemeClr val="dk1"/>
                 </a:solidFill>
@@ -16643,14 +15919,14 @@
               <a:t>80% increase</a:t>
             </a:r>
             <a:r>
-              <a:rPr lang="en-US" sz="1800">
+              <a:rPr lang="en-US" sz="1700">
                 <a:solidFill>
                   <a:schemeClr val="dk1"/>
                 </a:solidFill>
               </a:rPr>
               <a:t> among returners in data sourced from self-generated, user, and community origins. </a:t>
             </a:r>
-            <a:endParaRPr sz="1800">
+            <a:endParaRPr sz="1700">
               <a:solidFill>
                 <a:schemeClr val="dk1"/>
               </a:solidFill>
@@ -16667,14 +15943,14 @@
               <a:buNone/>
             </a:pPr>
             <a:r>
-              <a:rPr lang="en-US" sz="1800">
+              <a:rPr lang="en-US" sz="1700">
                 <a:solidFill>
                   <a:schemeClr val="dk1"/>
                 </a:solidFill>
               </a:rPr>
               <a:t>The rise in user data, often linked to enhancement services, indicates a growing demand for adding value to existing data. </a:t>
             </a:r>
-            <a:endParaRPr sz="1800"/>
+            <a:endParaRPr sz="1700"/>
           </a:p>
         </p:txBody>
       </p:sp>
@@ -16903,7 +16179,7 @@
         </p:nvSpPr>
         <p:spPr>
           <a:xfrm>
-            <a:off x="501575" y="1635450"/>
+            <a:off x="501575" y="1864050"/>
             <a:ext cx="3501300" cy="4591200"/>
           </a:xfrm>
           <a:prstGeom prst="rect">
@@ -16919,49 +16195,6 @@
             <a:noAutofit/>
           </a:bodyPr>
           <a:lstStyle/>
-          <a:p>
-            <a:pPr indent="0" lvl="0" marL="0" rtl="0" algn="l">
-              <a:spcBef>
-                <a:spcPts val="0"/>
-              </a:spcBef>
-              <a:spcAft>
-                <a:spcPts val="0"/>
-              </a:spcAft>
-              <a:buNone/>
-            </a:pPr>
-            <a:r>
-              <a:rPr lang="en-US" sz="1900">
-                <a:solidFill>
-                  <a:schemeClr val="dk1"/>
-                </a:solidFill>
-              </a:rPr>
-              <a:t>The four pricing models identified previously remain the most common. </a:t>
-            </a:r>
-            <a:endParaRPr sz="1900">
-              <a:solidFill>
-                <a:schemeClr val="dk1"/>
-              </a:solidFill>
-            </a:endParaRPr>
-          </a:p>
-          <a:p>
-            <a:pPr indent="0" lvl="0" marL="0" rtl="0" algn="l">
-              <a:spcBef>
-                <a:spcPts val="0"/>
-              </a:spcBef>
-              <a:spcAft>
-                <a:spcPts val="0"/>
-              </a:spcAft>
-              <a:buNone/>
-            </a:pPr>
-            <a:r>
-              <a:t/>
-            </a:r>
-            <a:endParaRPr sz="1900">
-              <a:solidFill>
-                <a:schemeClr val="dk1"/>
-              </a:solidFill>
-            </a:endParaRPr>
-          </a:p>
           <a:p>
             <a:pPr indent="0" lvl="0" marL="0" rtl="0" algn="l">
               <a:spcBef>
@@ -17332,7 +16565,7 @@
         </p:nvSpPr>
         <p:spPr>
           <a:xfrm>
-            <a:off x="501575" y="1711650"/>
+            <a:off x="501575" y="2016450"/>
             <a:ext cx="3414600" cy="4591200"/>
           </a:xfrm>
           <a:prstGeom prst="rect">
@@ -17431,7 +16664,7 @@
                   <a:schemeClr val="dk1"/>
                 </a:solidFill>
               </a:rPr>
-              <a:t>Proprietary access via specialized software saw the largest increase, though it remains the least common. This rise may reflect efforts to differentiate offerings through features like visualization or value-added services. </a:t>
+              <a:t>Proprietary access via specialized software saw the largest increase, though it remains the least common.</a:t>
             </a:r>
             <a:endParaRPr sz="1800">
               <a:solidFill>
@@ -17756,12 +16989,36 @@
               <a:buNone/>
             </a:pPr>
             <a:r>
+              <a:rPr b="1" lang="en-US" sz="1900">
+                <a:solidFill>
+                  <a:schemeClr val="dk1"/>
+                </a:solidFill>
+              </a:rPr>
+              <a:t>XML</a:t>
+            </a:r>
+            <a:r>
               <a:rPr lang="en-US" sz="1900">
                 <a:solidFill>
                   <a:schemeClr val="dk1"/>
                 </a:solidFill>
               </a:rPr>
-              <a:t>XML has surpassed CSV/XLS as the most popular data format, and with the rise of JSON, it appears that web standards are replacing traditional formats. </a:t>
+              <a:t> has surpassed CSV/XLS as the most popular data format, and with the rise of </a:t>
+            </a:r>
+            <a:r>
+              <a:rPr b="1" lang="en-US" sz="1900">
+                <a:solidFill>
+                  <a:schemeClr val="dk1"/>
+                </a:solidFill>
+              </a:rPr>
+              <a:t>JSON</a:t>
+            </a:r>
+            <a:r>
+              <a:rPr lang="en-US" sz="1900">
+                <a:solidFill>
+                  <a:schemeClr val="dk1"/>
+                </a:solidFill>
+              </a:rPr>
+              <a:t>, it appears that web standards are replacing traditional formats. </a:t>
             </a:r>
             <a:endParaRPr sz="1900">
               <a:solidFill>
@@ -18854,7 +18111,23 @@
                   <a:schemeClr val="dk1"/>
                 </a:solidFill>
               </a:rPr>
-              <a:t>However, more than twice as many offerings focus on B2B customers than on consumers. </a:t>
+              <a:t>However, more than twice as many offerings </a:t>
+            </a:r>
+            <a:r>
+              <a:rPr b="1" lang="en-US" sz="1900">
+                <a:solidFill>
+                  <a:schemeClr val="dk1"/>
+                </a:solidFill>
+              </a:rPr>
+              <a:t>focus on B2B</a:t>
+            </a:r>
+            <a:r>
+              <a:rPr lang="en-US" sz="1900">
+                <a:solidFill>
+                  <a:schemeClr val="dk1"/>
+                </a:solidFill>
+              </a:rPr>
+              <a:t> customers than on consumers. </a:t>
             </a:r>
             <a:endParaRPr sz="1900">
               <a:solidFill>
@@ -19454,7 +18727,7 @@
         </p:nvSpPr>
         <p:spPr>
           <a:xfrm>
-            <a:off x="457200" y="2112900"/>
+            <a:off x="457200" y="2265300"/>
             <a:ext cx="3902700" cy="4591200"/>
           </a:xfrm>
           <a:prstGeom prst="rect">
@@ -19481,14 +18754,14 @@
               <a:buNone/>
             </a:pPr>
             <a:r>
-              <a:rPr lang="en-US" sz="1900">
+              <a:rPr lang="en-US" sz="2000">
                 <a:solidFill>
                   <a:schemeClr val="dk1"/>
                 </a:solidFill>
               </a:rPr>
               <a:t>Since the results are subjective and not quantifiable, they allow for multiple entries per vendor, as they may offer various services.</a:t>
             </a:r>
-            <a:endParaRPr sz="1900">
+            <a:endParaRPr sz="2000">
               <a:solidFill>
                 <a:schemeClr val="dk1"/>
               </a:solidFill>
@@ -19507,7 +18780,7 @@
             <a:r>
               <a:t/>
             </a:r>
-            <a:endParaRPr sz="1900">
+            <a:endParaRPr sz="2000">
               <a:solidFill>
                 <a:schemeClr val="dk1"/>
               </a:solidFill>
@@ -19524,7 +18797,7 @@
               <a:buNone/>
             </a:pPr>
             <a:r>
-              <a:rPr lang="en-US" sz="1900">
+              <a:rPr lang="en-US" sz="2000">
                 <a:solidFill>
                   <a:schemeClr val="dk1"/>
                 </a:solidFill>
@@ -19532,7 +18805,7 @@
               <a:t>The figure shows no clear trend, although there is an </a:t>
             </a:r>
             <a:r>
-              <a:rPr b="1" lang="en-US" sz="1900">
+              <a:rPr b="1" lang="en-US" sz="2000">
                 <a:solidFill>
                   <a:schemeClr val="dk1"/>
                 </a:solidFill>
@@ -19540,7 +18813,7 @@
               <a:t>increase</a:t>
             </a:r>
             <a:r>
-              <a:rPr lang="en-US" sz="1900">
+              <a:rPr lang="en-US" sz="2000">
                 <a:solidFill>
                   <a:schemeClr val="dk1"/>
                 </a:solidFill>
@@ -19548,7 +18821,7 @@
               <a:t> in both </a:t>
             </a:r>
             <a:r>
-              <a:rPr b="1" lang="en-US" sz="1900">
+              <a:rPr b="1" lang="en-US" sz="2000">
                 <a:solidFill>
                   <a:schemeClr val="dk1"/>
                 </a:solidFill>
@@ -19556,57 +18829,14 @@
               <a:t>low and high trustworthiness ratings</a:t>
             </a:r>
             <a:r>
-              <a:rPr lang="en-US" sz="1900">
+              <a:rPr lang="en-US" sz="2000">
                 <a:solidFill>
                   <a:schemeClr val="dk1"/>
                 </a:solidFill>
               </a:rPr>
               <a:t>. </a:t>
             </a:r>
-            <a:endParaRPr sz="1900">
-              <a:solidFill>
-                <a:schemeClr val="dk1"/>
-              </a:solidFill>
-            </a:endParaRPr>
-          </a:p>
-          <a:p>
-            <a:pPr indent="0" lvl="0" marL="0" rtl="0" algn="l">
-              <a:spcBef>
-                <a:spcPts val="0"/>
-              </a:spcBef>
-              <a:spcAft>
-                <a:spcPts val="0"/>
-              </a:spcAft>
-              <a:buNone/>
-            </a:pPr>
-            <a:r>
-              <a:t/>
-            </a:r>
-            <a:endParaRPr sz="1900">
-              <a:solidFill>
-                <a:schemeClr val="dk1"/>
-              </a:solidFill>
-            </a:endParaRPr>
-          </a:p>
-          <a:p>
-            <a:pPr indent="0" lvl="0" marL="0" rtl="0" algn="l">
-              <a:spcBef>
-                <a:spcPts val="0"/>
-              </a:spcBef>
-              <a:spcAft>
-                <a:spcPts val="0"/>
-              </a:spcAft>
-              <a:buNone/>
-            </a:pPr>
-            <a:r>
-              <a:rPr lang="en-US" sz="1900">
-                <a:solidFill>
-                  <a:schemeClr val="dk1"/>
-                </a:solidFill>
-              </a:rPr>
-              <a:t>Any interpretation of this pattern would be speculative at this point.</a:t>
-            </a:r>
-            <a:endParaRPr sz="1900">
+            <a:endParaRPr sz="2000">
               <a:solidFill>
                 <a:schemeClr val="dk1"/>
               </a:solidFill>
@@ -19835,7 +19065,7 @@
         </p:nvSpPr>
         <p:spPr>
           <a:xfrm>
-            <a:off x="457200" y="1884300"/>
+            <a:off x="457200" y="2265300"/>
             <a:ext cx="3902700" cy="4591200"/>
           </a:xfrm>
           <a:prstGeom prst="rect">
@@ -19867,7 +19097,7 @@
                   <a:schemeClr val="dk1"/>
                 </a:solidFill>
               </a:rPr>
-              <a:t>The figure shows that the distribution remains </a:t>
+              <a:t>In the second survey, the overall results show a </a:t>
             </a:r>
             <a:r>
               <a:rPr b="1" lang="en-US" sz="1800">
@@ -19875,15 +19105,7 @@
                   <a:schemeClr val="dk1"/>
                 </a:solidFill>
               </a:rPr>
-              <a:t>similar to the first </a:t>
-            </a:r>
-            <a:r>
-              <a:rPr b="1" lang="en-US" sz="1800">
-                <a:solidFill>
-                  <a:schemeClr val="dk1"/>
-                </a:solidFill>
-              </a:rPr>
-              <a:t>survey</a:t>
+              <a:t>stronger presence of large companies</a:t>
             </a:r>
             <a:r>
               <a:rPr lang="en-US" sz="1800">
@@ -19891,7 +19113,7 @@
                   <a:schemeClr val="dk1"/>
                 </a:solidFill>
               </a:rPr>
-              <a:t>, but within the returners group, there is an increase in vendor size. </a:t>
+              <a:t> compared to medium-sized ones, while the number of startups and global players remains stable. </a:t>
             </a:r>
             <a:endParaRPr sz="1800">
               <a:solidFill>
@@ -19934,7 +19156,7 @@
                   <a:schemeClr val="dk1"/>
                 </a:solidFill>
               </a:rPr>
-              <a:t>In the second survey, the overall results show a </a:t>
+              <a:t>This suggests that the </a:t>
             </a:r>
             <a:r>
               <a:rPr b="1" lang="en-US" sz="1800">
@@ -19942,7 +19164,7 @@
                   <a:schemeClr val="dk1"/>
                 </a:solidFill>
               </a:rPr>
-              <a:t>stronger presence of large companies</a:t>
+              <a:t>market is growing</a:t>
             </a:r>
             <a:r>
               <a:rPr lang="en-US" sz="1800">
@@ -19950,50 +19172,7 @@
                   <a:schemeClr val="dk1"/>
                 </a:solidFill>
               </a:rPr>
-              <a:t> compared to medium-sized ones, while the number of startups and global players remains stable. </a:t>
-            </a:r>
-            <a:endParaRPr sz="1800">
-              <a:solidFill>
-                <a:schemeClr val="dk1"/>
-              </a:solidFill>
-            </a:endParaRPr>
-          </a:p>
-          <a:p>
-            <a:pPr indent="0" lvl="0" marL="0" rtl="0" algn="l">
-              <a:spcBef>
-                <a:spcPts val="0"/>
-              </a:spcBef>
-              <a:spcAft>
-                <a:spcPts val="0"/>
-              </a:spcAft>
-              <a:buNone/>
-            </a:pPr>
-            <a:r>
-              <a:t/>
-            </a:r>
-            <a:endParaRPr sz="1800">
-              <a:solidFill>
-                <a:schemeClr val="dk1"/>
-              </a:solidFill>
-            </a:endParaRPr>
-          </a:p>
-          <a:p>
-            <a:pPr indent="0" lvl="0" marL="0" rtl="0" algn="l">
-              <a:spcBef>
-                <a:spcPts val="0"/>
-              </a:spcBef>
-              <a:spcAft>
-                <a:spcPts val="0"/>
-              </a:spcAft>
-              <a:buNone/>
-            </a:pPr>
-            <a:r>
-              <a:rPr lang="en-US" sz="1800">
-                <a:solidFill>
-                  <a:schemeClr val="dk1"/>
-                </a:solidFill>
-              </a:rPr>
-              <a:t>This suggests that the market is growing and companies are evolving.</a:t>
+              <a:t> and companies are evolving.</a:t>
             </a:r>
             <a:endParaRPr sz="1800">
               <a:solidFill>
@@ -20208,7 +19387,7 @@
         </p:nvSpPr>
         <p:spPr>
           <a:xfrm>
-            <a:off x="457200" y="1884300"/>
+            <a:off x="457200" y="2189100"/>
             <a:ext cx="3902700" cy="4591200"/>
           </a:xfrm>
           <a:prstGeom prst="rect">
@@ -20240,7 +19419,7 @@
                   <a:schemeClr val="dk1"/>
                 </a:solidFill>
               </a:rPr>
-              <a:t>Similar to vendor size, Maturity has </a:t>
+              <a:t>There is a </a:t>
             </a:r>
             <a:r>
               <a:rPr b="1" lang="en-US" sz="1800">
@@ -20248,7 +19427,7 @@
                   <a:schemeClr val="dk1"/>
                 </a:solidFill>
               </a:rPr>
-              <a:t>not changed significantly</a:t>
+              <a:t>slight increase</a:t>
             </a:r>
             <a:r>
               <a:rPr lang="en-US" sz="1800">
@@ -20256,7 +19435,23 @@
                   <a:schemeClr val="dk1"/>
                 </a:solidFill>
               </a:rPr>
-              <a:t> since the first survey. </a:t>
+              <a:t> in </a:t>
+            </a:r>
+            <a:r>
+              <a:rPr b="1" lang="en-US" sz="1800">
+                <a:solidFill>
+                  <a:schemeClr val="dk1"/>
+                </a:solidFill>
+              </a:rPr>
+              <a:t>medium and high</a:t>
+            </a:r>
+            <a:r>
+              <a:rPr lang="en-US" sz="1800">
+                <a:solidFill>
+                  <a:schemeClr val="dk1"/>
+                </a:solidFill>
+              </a:rPr>
+              <a:t> maturity levels in the overall set, with returners also showing similar trends. </a:t>
             </a:r>
             <a:endParaRPr sz="1800">
               <a:solidFill>
@@ -20299,7 +19494,7 @@
                   <a:schemeClr val="dk1"/>
                 </a:solidFill>
               </a:rPr>
-              <a:t>However, there is a </a:t>
+              <a:t>The figure illustrates this, reinforcing the idea that the </a:t>
             </a:r>
             <a:r>
               <a:rPr b="1" lang="en-US" sz="1800">
@@ -20307,7 +19502,7 @@
                   <a:schemeClr val="dk1"/>
                 </a:solidFill>
               </a:rPr>
-              <a:t>slight increase</a:t>
+              <a:t>market and companies</a:t>
             </a:r>
             <a:r>
               <a:rPr lang="en-US" sz="1800">
@@ -20315,7 +19510,7 @@
                   <a:schemeClr val="dk1"/>
                 </a:solidFill>
               </a:rPr>
-              <a:t> in </a:t>
+              <a:t> are </a:t>
             </a:r>
             <a:r>
               <a:rPr b="1" lang="en-US" sz="1800">
@@ -20323,7 +19518,7 @@
                   <a:schemeClr val="dk1"/>
                 </a:solidFill>
               </a:rPr>
-              <a:t>medium and high</a:t>
+              <a:t>growing</a:t>
             </a:r>
             <a:r>
               <a:rPr lang="en-US" sz="1800">
@@ -20331,50 +19526,39 @@
                   <a:schemeClr val="dk1"/>
                 </a:solidFill>
               </a:rPr>
-              <a:t> maturity levels in the overall set, with returners also showing similar trends. </a:t>
-            </a:r>
-            <a:endParaRPr sz="1800">
-              <a:solidFill>
-                <a:schemeClr val="dk1"/>
-              </a:solidFill>
-            </a:endParaRPr>
-          </a:p>
-          <a:p>
-            <a:pPr indent="0" lvl="0" marL="0" rtl="0" algn="l">
-              <a:spcBef>
-                <a:spcPts val="0"/>
-              </a:spcBef>
-              <a:spcAft>
-                <a:spcPts val="0"/>
-              </a:spcAft>
-              <a:buNone/>
-            </a:pPr>
-            <a:r>
-              <a:t/>
-            </a:r>
-            <a:endParaRPr sz="1800">
-              <a:solidFill>
-                <a:schemeClr val="dk1"/>
-              </a:solidFill>
-            </a:endParaRPr>
-          </a:p>
-          <a:p>
-            <a:pPr indent="0" lvl="0" marL="0" rtl="0" algn="l">
-              <a:spcBef>
-                <a:spcPts val="0"/>
-              </a:spcBef>
-              <a:spcAft>
-                <a:spcPts val="0"/>
-              </a:spcAft>
-              <a:buNone/>
-            </a:pPr>
+              <a:t> and </a:t>
+            </a:r>
+            <a:r>
+              <a:rPr b="1" lang="en-US" sz="1800">
+                <a:solidFill>
+                  <a:schemeClr val="dk1"/>
+                </a:solidFill>
+              </a:rPr>
+              <a:t>maturing</a:t>
+            </a:r>
             <a:r>
               <a:rPr lang="en-US" sz="1800">
                 <a:solidFill>
                   <a:schemeClr val="dk1"/>
                 </a:solidFill>
               </a:rPr>
-              <a:t>The figure illustrates this, reinforcing the idea that the market and companies are growing and maturing, though at a relatively slow pace.</a:t>
+              <a:t>, though at a relatively </a:t>
+            </a:r>
+            <a:r>
+              <a:rPr b="1" lang="en-US" sz="1800">
+                <a:solidFill>
+                  <a:schemeClr val="dk1"/>
+                </a:solidFill>
+              </a:rPr>
+              <a:t>slow pace</a:t>
+            </a:r>
+            <a:r>
+              <a:rPr lang="en-US" sz="1800">
+                <a:solidFill>
+                  <a:schemeClr val="dk1"/>
+                </a:solidFill>
+              </a:rPr>
+              <a:t>.</a:t>
             </a:r>
             <a:endParaRPr sz="1800">
               <a:solidFill>
@@ -21430,23 +20614,7 @@
                   <a:schemeClr val="dk1"/>
                 </a:solidFill>
               </a:rPr>
-              <a:t>The survey utilizes categorical variables with binary responses (positive or negative). Since some dimensions allow multiple responses, methods for multiple response categorical variables (</a:t>
-            </a:r>
-            <a:r>
-              <a:rPr b="1" lang="en-US" sz="2400">
-                <a:solidFill>
-                  <a:schemeClr val="dk1"/>
-                </a:solidFill>
-              </a:rPr>
-              <a:t>MRCVs</a:t>
-            </a:r>
-            <a:r>
-              <a:rPr lang="en-US" sz="2400">
-                <a:solidFill>
-                  <a:schemeClr val="dk1"/>
-                </a:solidFill>
-              </a:rPr>
-              <a:t>) are used for analysis. </a:t>
+              <a:t>The survey utilizes categorical variables with binary responses (positive or negative). Since some dimensions allow multiple responses, methods for multiple response categorical variables are used for analysis. </a:t>
             </a:r>
             <a:endParaRPr sz="2400">
               <a:solidFill>
@@ -21511,7 +20679,7 @@
                   <a:schemeClr val="dk1"/>
                 </a:solidFill>
               </a:rPr>
-              <a:t>, such as understanding provider behavior or assessing data commoditization. </a:t>
+              <a:t>, such as understanding provider behavior. </a:t>
             </a:r>
             <a:endParaRPr sz="2400">
               <a:solidFill>
@@ -21561,6 +20729,55 @@
                 </a:solidFill>
               </a:rPr>
               <a:t>Not all combinations yield meaningful results, with some being inherently correlated or unrelated.</a:t>
+            </a:r>
+            <a:endParaRPr sz="2400">
+              <a:solidFill>
+                <a:schemeClr val="dk1"/>
+              </a:solidFill>
+            </a:endParaRPr>
+          </a:p>
+          <a:p>
+            <a:pPr indent="0" lvl="0" marL="0" marR="0" rtl="0" algn="l">
+              <a:lnSpc>
+                <a:spcPct val="115000"/>
+              </a:lnSpc>
+              <a:spcBef>
+                <a:spcPts val="0"/>
+              </a:spcBef>
+              <a:spcAft>
+                <a:spcPts val="0"/>
+              </a:spcAft>
+              <a:buNone/>
+            </a:pPr>
+            <a:r>
+              <a:t/>
+            </a:r>
+            <a:endParaRPr sz="2400">
+              <a:solidFill>
+                <a:schemeClr val="dk1"/>
+              </a:solidFill>
+            </a:endParaRPr>
+          </a:p>
+          <a:p>
+            <a:pPr indent="0" lvl="0" marL="0" marR="0" rtl="0" algn="l">
+              <a:lnSpc>
+                <a:spcPct val="115000"/>
+              </a:lnSpc>
+              <a:spcBef>
+                <a:spcPts val="0"/>
+              </a:spcBef>
+              <a:spcAft>
+                <a:spcPts val="0"/>
+              </a:spcAft>
+              <a:buNone/>
+            </a:pPr>
+            <a:r>
+              <a:rPr lang="en-US" sz="2400">
+                <a:solidFill>
+                  <a:schemeClr val="dk1"/>
+                </a:solidFill>
+              </a:rPr>
+              <a:t>Some dimensions combinations are shown next.</a:t>
             </a:r>
             <a:endParaRPr sz="2400">
               <a:solidFill>
@@ -21641,7 +20858,15 @@
                   <a:schemeClr val="dk1"/>
                 </a:solidFill>
               </a:rPr>
-              <a:t>Type / Domain (1)</a:t>
+              <a:t>Type / Origin </a:t>
+            </a:r>
+            <a:r>
+              <a:rPr lang="en-US">
+                <a:solidFill>
+                  <a:schemeClr val="dk1"/>
+                </a:solidFill>
+              </a:rPr>
+              <a:t>(1)</a:t>
             </a:r>
             <a:endParaRPr/>
           </a:p>
@@ -21692,7 +20917,7 @@
                   <a:schemeClr val="dk1"/>
                 </a:solidFill>
               </a:rPr>
-              <a:t>Examines whether certain business models are more likely to </a:t>
+              <a:t>Investigates whether certain business models </a:t>
             </a:r>
             <a:r>
               <a:rPr b="1" lang="en-US" sz="2000">
@@ -21700,7 +20925,7 @@
                   <a:schemeClr val="dk1"/>
                 </a:solidFill>
               </a:rPr>
-              <a:t>offer specific types of data</a:t>
+              <a:t>obtain data from specific sources</a:t>
             </a:r>
             <a:r>
               <a:rPr lang="en-US" sz="2000">
@@ -21734,8 +20959,8 @@
         </p:blipFill>
         <p:spPr>
           <a:xfrm>
-            <a:off x="199163" y="2640100"/>
-            <a:ext cx="8745675" cy="3262025"/>
+            <a:off x="199175" y="2719700"/>
+            <a:ext cx="8665100" cy="3123025"/>
           </a:xfrm>
           <a:prstGeom prst="rect">
             <a:avLst/>
@@ -22138,7 +21363,7 @@
                   <a:schemeClr val="dk1"/>
                 </a:solidFill>
               </a:rPr>
-              <a:t>Type / Domain </a:t>
+              <a:t>Type / Origin </a:t>
             </a:r>
             <a:r>
               <a:rPr lang="en-US">
@@ -22192,12 +21417,20 @@
               <a:buNone/>
             </a:pPr>
             <a:r>
+              <a:rPr b="1" lang="en-US" sz="2200">
+                <a:solidFill>
+                  <a:schemeClr val="dk1"/>
+                </a:solidFill>
+              </a:rPr>
+              <a:t>Enrichment services</a:t>
+            </a:r>
+            <a:r>
               <a:rPr lang="en-US" sz="2200">
                 <a:solidFill>
                   <a:schemeClr val="dk1"/>
                 </a:solidFill>
               </a:rPr>
-              <a:t>The most common combinations are </a:t>
+              <a:t> and </a:t>
             </a:r>
             <a:r>
               <a:rPr b="1" lang="en-US" sz="2200">
@@ -22205,7 +21438,7 @@
                   <a:schemeClr val="dk1"/>
                 </a:solidFill>
               </a:rPr>
-              <a:t>Raw Data Vendor/Economic</a:t>
+              <a:t>crawlers</a:t>
             </a:r>
             <a:r>
               <a:rPr lang="en-US" sz="2200">
@@ -22213,7 +21446,7 @@
                   <a:schemeClr val="dk1"/>
                 </a:solidFill>
               </a:rPr>
-              <a:t> Data and </a:t>
+              <a:t> rely primarily on the </a:t>
             </a:r>
             <a:r>
               <a:rPr b="1" lang="en-US" sz="2200">
@@ -22221,7 +21454,7 @@
                   <a:schemeClr val="dk1"/>
                 </a:solidFill>
               </a:rPr>
-              <a:t>Raw Data Vendor/Address</a:t>
+              <a:t>Internet</a:t>
             </a:r>
             <a:r>
               <a:rPr lang="en-US" sz="2200">
@@ -22229,7 +21462,7 @@
                   <a:schemeClr val="dk1"/>
                 </a:solidFill>
               </a:rPr>
-              <a:t> Data.</a:t>
+              <a:t> for data collection.</a:t>
             </a:r>
             <a:endParaRPr sz="2200">
               <a:solidFill>
@@ -22273,12 +21506,20 @@
               <a:buNone/>
             </a:pPr>
             <a:r>
+              <a:rPr b="1" lang="en-US" sz="2200">
+                <a:solidFill>
+                  <a:schemeClr val="dk1"/>
+                </a:solidFill>
+              </a:rPr>
+              <a:t>Marketplaces</a:t>
+            </a:r>
+            <a:r>
               <a:rPr lang="en-US" sz="2200">
                 <a:solidFill>
                   <a:schemeClr val="dk1"/>
                 </a:solidFill>
               </a:rPr>
-              <a:t>These findings align with the prevalence of Raw Data Vendor and Economic Data as </a:t>
+              <a:t> focus on </a:t>
             </a:r>
             <a:r>
               <a:rPr b="1" lang="en-US" sz="2200">
@@ -22286,7 +21527,7 @@
                   <a:schemeClr val="dk1"/>
                 </a:solidFill>
               </a:rPr>
-              <a:t>frequently observed categories</a:t>
+              <a:t>community-curated</a:t>
             </a:r>
             <a:r>
               <a:rPr lang="en-US" sz="2200">
@@ -22294,7 +21535,7 @@
                   <a:schemeClr val="dk1"/>
                 </a:solidFill>
               </a:rPr>
-              <a:t>. </a:t>
+              <a:t> data.</a:t>
             </a:r>
             <a:endParaRPr sz="2200">
               <a:solidFill>
@@ -22343,7 +21584,7 @@
                   <a:schemeClr val="dk1"/>
                 </a:solidFill>
               </a:rPr>
-              <a:t>While most data domains are distributed across various business models, Scientific Data stands out due to its limited distribution. </a:t>
+              <a:t>While it initially seems that most Raw Data Vendors generate their data in-house, only six providers rely solely on self-generated data. </a:t>
             </a:r>
             <a:endParaRPr sz="2200">
               <a:solidFill>
@@ -22365,28 +21606,34 @@
               <a:buNone/>
             </a:pPr>
             <a:r>
+              <a:t/>
+            </a:r>
+            <a:endParaRPr sz="2200">
+              <a:solidFill>
+                <a:schemeClr val="dk1"/>
+              </a:solidFill>
+            </a:endParaRPr>
+          </a:p>
+          <a:p>
+            <a:pPr indent="0" lvl="0" marL="0" marR="0" rtl="0" algn="l">
+              <a:lnSpc>
+                <a:spcPct val="115000"/>
+              </a:lnSpc>
+              <a:spcBef>
+                <a:spcPts val="0"/>
+              </a:spcBef>
+              <a:spcAft>
+                <a:spcPts val="0"/>
+              </a:spcAft>
+              <a:buNone/>
+            </a:pPr>
+            <a:r>
               <a:rPr lang="en-US" sz="2200">
                 <a:solidFill>
                   <a:schemeClr val="dk1"/>
                 </a:solidFill>
               </a:rPr>
-              <a:t>It is sold through only two specific channels, highlighting its rarity as a standalone product and its constrained variety of providers, even when it may be indirectly included in broader categories like “</a:t>
-            </a:r>
-            <a:r>
-              <a:rPr i="1" lang="en-US" sz="2200">
-                <a:solidFill>
-                  <a:schemeClr val="dk1"/>
-                </a:solidFill>
-              </a:rPr>
-              <a:t>any</a:t>
-            </a:r>
-            <a:r>
-              <a:rPr lang="en-US" sz="2200">
-                <a:solidFill>
-                  <a:schemeClr val="dk1"/>
-                </a:solidFill>
-              </a:rPr>
-              <a:t>”.</a:t>
+              <a:t>The majority aggregates data from online, federal, and institutional sources, reflecting a demand for aggregated and cleaned data rather than purely proprietary datasets.</a:t>
             </a:r>
             <a:endParaRPr sz="2200">
               <a:solidFill>
@@ -22467,7 +21714,7 @@
                   <a:schemeClr val="dk1"/>
                 </a:solidFill>
               </a:rPr>
-              <a:t>Type / Origin </a:t>
+              <a:t>Pricing</a:t>
             </a:r>
             <a:r>
               <a:rPr lang="en-US">
@@ -22475,7 +21722,7 @@
                   <a:schemeClr val="dk1"/>
                 </a:solidFill>
               </a:rPr>
-              <a:t>(1)</a:t>
+              <a:t> / Domain</a:t>
             </a:r>
             <a:endParaRPr/>
           </a:p>
@@ -22491,7 +21738,7 @@
         </p:nvSpPr>
         <p:spPr>
           <a:xfrm>
-            <a:off x="457200" y="1133475"/>
+            <a:off x="457200" y="981075"/>
             <a:ext cx="8229600" cy="5145000"/>
           </a:xfrm>
           <a:prstGeom prst="rect">
@@ -22521,30 +21768,247 @@
               <a:buNone/>
             </a:pPr>
             <a:r>
-              <a:rPr lang="en-US" sz="2000">
-                <a:solidFill>
-                  <a:schemeClr val="dk1"/>
-                </a:solidFill>
-              </a:rPr>
-              <a:t>Investigates whether certain business models </a:t>
-            </a:r>
-            <a:r>
-              <a:rPr b="1" lang="en-US" sz="2000">
-                <a:solidFill>
-                  <a:schemeClr val="dk1"/>
-                </a:solidFill>
-              </a:rPr>
-              <a:t>obtain data from specific sources</a:t>
-            </a:r>
-            <a:r>
-              <a:rPr lang="en-US" sz="2000">
+              <a:rPr lang="en-US" sz="1900">
+                <a:solidFill>
+                  <a:schemeClr val="dk1"/>
+                </a:solidFill>
+              </a:rPr>
+              <a:t>Examines the </a:t>
+            </a:r>
+            <a:r>
+              <a:rPr b="1" lang="en-US" sz="1900">
+                <a:solidFill>
+                  <a:schemeClr val="dk1"/>
+                </a:solidFill>
+              </a:rPr>
+              <a:t>prices for a given domain</a:t>
+            </a:r>
+            <a:r>
+              <a:rPr lang="en-US" sz="1900">
                 <a:solidFill>
                   <a:schemeClr val="dk1"/>
                 </a:solidFill>
               </a:rPr>
               <a:t>.</a:t>
             </a:r>
-            <a:endParaRPr sz="2000">
+            <a:endParaRPr sz="1900">
+              <a:solidFill>
+                <a:schemeClr val="dk1"/>
+              </a:solidFill>
+            </a:endParaRPr>
+          </a:p>
+          <a:p>
+            <a:pPr indent="0" lvl="0" marL="0" marR="0" rtl="0" algn="l">
+              <a:lnSpc>
+                <a:spcPct val="115000"/>
+              </a:lnSpc>
+              <a:spcBef>
+                <a:spcPts val="0"/>
+              </a:spcBef>
+              <a:spcAft>
+                <a:spcPts val="0"/>
+              </a:spcAft>
+              <a:buNone/>
+            </a:pPr>
+            <a:r>
+              <a:t/>
+            </a:r>
+            <a:endParaRPr sz="1900">
+              <a:solidFill>
+                <a:schemeClr val="dk1"/>
+              </a:solidFill>
+            </a:endParaRPr>
+          </a:p>
+          <a:p>
+            <a:pPr indent="0" lvl="0" marL="0" marR="0" rtl="0" algn="l">
+              <a:lnSpc>
+                <a:spcPct val="115000"/>
+              </a:lnSpc>
+              <a:spcBef>
+                <a:spcPts val="0"/>
+              </a:spcBef>
+              <a:spcAft>
+                <a:spcPts val="0"/>
+              </a:spcAft>
+              <a:buNone/>
+            </a:pPr>
+            <a:r>
+              <a:rPr lang="en-US" sz="1900">
+                <a:solidFill>
+                  <a:schemeClr val="dk1"/>
+                </a:solidFill>
+              </a:rPr>
+              <a:t>Specialized domain data is rarely distributed for free, except for </a:t>
+            </a:r>
+            <a:r>
+              <a:rPr b="1" lang="en-US" sz="1900">
+                <a:solidFill>
+                  <a:schemeClr val="dk1"/>
+                </a:solidFill>
+              </a:rPr>
+              <a:t>Scientific Data</a:t>
+            </a:r>
+            <a:r>
+              <a:rPr lang="en-US" sz="1900">
+                <a:solidFill>
+                  <a:schemeClr val="dk1"/>
+                </a:solidFill>
+              </a:rPr>
+              <a:t>, where </a:t>
+            </a:r>
+            <a:r>
+              <a:rPr b="1" lang="en-US" sz="1900">
+                <a:solidFill>
+                  <a:schemeClr val="dk1"/>
+                </a:solidFill>
+              </a:rPr>
+              <a:t>80% is free</a:t>
+            </a:r>
+            <a:r>
+              <a:rPr lang="en-US" sz="1900">
+                <a:solidFill>
+                  <a:schemeClr val="dk1"/>
+                </a:solidFill>
+              </a:rPr>
+              <a:t>.</a:t>
+            </a:r>
+            <a:endParaRPr sz="1900">
+              <a:solidFill>
+                <a:schemeClr val="dk1"/>
+              </a:solidFill>
+            </a:endParaRPr>
+          </a:p>
+          <a:p>
+            <a:pPr indent="0" lvl="0" marL="0" marR="0" rtl="0" algn="l">
+              <a:lnSpc>
+                <a:spcPct val="115000"/>
+              </a:lnSpc>
+              <a:spcBef>
+                <a:spcPts val="0"/>
+              </a:spcBef>
+              <a:spcAft>
+                <a:spcPts val="0"/>
+              </a:spcAft>
+              <a:buNone/>
+            </a:pPr>
+            <a:r>
+              <a:t/>
+            </a:r>
+            <a:endParaRPr sz="1900">
+              <a:solidFill>
+                <a:schemeClr val="dk1"/>
+              </a:solidFill>
+            </a:endParaRPr>
+          </a:p>
+          <a:p>
+            <a:pPr indent="0" lvl="0" marL="0" marR="0" rtl="0" algn="l">
+              <a:lnSpc>
+                <a:spcPct val="115000"/>
+              </a:lnSpc>
+              <a:spcBef>
+                <a:spcPts val="0"/>
+              </a:spcBef>
+              <a:spcAft>
+                <a:spcPts val="0"/>
+              </a:spcAft>
+              <a:buNone/>
+            </a:pPr>
+            <a:r>
+              <a:rPr lang="en-US" sz="1900">
+                <a:solidFill>
+                  <a:schemeClr val="dk1"/>
+                </a:solidFill>
+              </a:rPr>
+              <a:t>Social Media and Economic Data are often priced with flat rates, aligning with their need for regular updates.</a:t>
+            </a:r>
+            <a:endParaRPr sz="1900">
+              <a:solidFill>
+                <a:schemeClr val="dk1"/>
+              </a:solidFill>
+            </a:endParaRPr>
+          </a:p>
+          <a:p>
+            <a:pPr indent="0" lvl="0" marL="0" marR="0" rtl="0" algn="l">
+              <a:lnSpc>
+                <a:spcPct val="115000"/>
+              </a:lnSpc>
+              <a:spcBef>
+                <a:spcPts val="0"/>
+              </a:spcBef>
+              <a:spcAft>
+                <a:spcPts val="0"/>
+              </a:spcAft>
+              <a:buNone/>
+            </a:pPr>
+            <a:r>
+              <a:t/>
+            </a:r>
+            <a:endParaRPr sz="1900">
+              <a:solidFill>
+                <a:schemeClr val="dk1"/>
+              </a:solidFill>
+            </a:endParaRPr>
+          </a:p>
+          <a:p>
+            <a:pPr indent="0" lvl="0" marL="0" marR="0" rtl="0" algn="l">
+              <a:lnSpc>
+                <a:spcPct val="115000"/>
+              </a:lnSpc>
+              <a:spcBef>
+                <a:spcPts val="0"/>
+              </a:spcBef>
+              <a:spcAft>
+                <a:spcPts val="0"/>
+              </a:spcAft>
+              <a:buNone/>
+            </a:pPr>
+            <a:r>
+              <a:rPr lang="en-US" sz="1900">
+                <a:solidFill>
+                  <a:schemeClr val="dk1"/>
+                </a:solidFill>
+              </a:rPr>
+              <a:t>No clear trend emerges for the </a:t>
+            </a:r>
+            <a:r>
+              <a:rPr i="1" lang="en-US" sz="1900">
+                <a:solidFill>
+                  <a:schemeClr val="dk1"/>
+                </a:solidFill>
+              </a:rPr>
+              <a:t>any</a:t>
+            </a:r>
+            <a:r>
+              <a:rPr lang="en-US" sz="1900">
+                <a:solidFill>
+                  <a:schemeClr val="dk1"/>
+                </a:solidFill>
+              </a:rPr>
+              <a:t> category, which shows an even distribution across pricing models.</a:t>
+            </a:r>
+            <a:endParaRPr sz="1900">
+              <a:solidFill>
+                <a:schemeClr val="dk1"/>
+              </a:solidFill>
+            </a:endParaRPr>
+          </a:p>
+          <a:p>
+            <a:pPr indent="0" lvl="0" marL="0" marR="0" rtl="0" algn="l">
+              <a:lnSpc>
+                <a:spcPct val="115000"/>
+              </a:lnSpc>
+              <a:spcBef>
+                <a:spcPts val="0"/>
+              </a:spcBef>
+              <a:spcAft>
+                <a:spcPts val="0"/>
+              </a:spcAft>
+              <a:buNone/>
+            </a:pPr>
+            <a:r>
+              <a:t/>
+            </a:r>
+            <a:endParaRPr sz="1900">
               <a:solidFill>
                 <a:schemeClr val="dk1"/>
               </a:solidFill>
@@ -22568,8 +22032,8 @@
         </p:blipFill>
         <p:spPr>
           <a:xfrm>
-            <a:off x="199175" y="2719700"/>
-            <a:ext cx="8665100" cy="3123025"/>
+            <a:off x="263563" y="4475550"/>
+            <a:ext cx="8616876" cy="1967125"/>
           </a:xfrm>
           <a:prstGeom prst="rect">
             <a:avLst/>
@@ -22651,15 +22115,7 @@
                   <a:schemeClr val="dk1"/>
                 </a:solidFill>
               </a:rPr>
-              <a:t>Type / Origin </a:t>
-            </a:r>
-            <a:r>
-              <a:rPr lang="en-US">
-                <a:solidFill>
-                  <a:schemeClr val="dk1"/>
-                </a:solidFill>
-              </a:rPr>
-              <a:t>(2)</a:t>
+              <a:t>Origin / Domain</a:t>
             </a:r>
             <a:endParaRPr/>
           </a:p>
@@ -22705,54 +22161,30 @@
               <a:buNone/>
             </a:pPr>
             <a:r>
-              <a:rPr b="1" lang="en-US" sz="2200">
-                <a:solidFill>
-                  <a:schemeClr val="dk1"/>
-                </a:solidFill>
-              </a:rPr>
-              <a:t>Enrichment services</a:t>
-            </a:r>
-            <a:r>
-              <a:rPr lang="en-US" sz="2200">
-                <a:solidFill>
-                  <a:schemeClr val="dk1"/>
-                </a:solidFill>
-              </a:rPr>
-              <a:t> and </a:t>
-            </a:r>
-            <a:r>
-              <a:rPr b="1" lang="en-US" sz="2200">
-                <a:solidFill>
-                  <a:schemeClr val="dk1"/>
-                </a:solidFill>
-              </a:rPr>
-              <a:t>crawlers</a:t>
-            </a:r>
-            <a:r>
-              <a:rPr lang="en-US" sz="2200">
-                <a:solidFill>
-                  <a:schemeClr val="dk1"/>
-                </a:solidFill>
-              </a:rPr>
-              <a:t> rely primarily on the </a:t>
-            </a:r>
-            <a:r>
-              <a:rPr b="1" lang="en-US" sz="2200">
-                <a:solidFill>
-                  <a:schemeClr val="dk1"/>
-                </a:solidFill>
-              </a:rPr>
-              <a:t>Internet</a:t>
-            </a:r>
-            <a:r>
-              <a:rPr lang="en-US" sz="2200">
-                <a:solidFill>
-                  <a:schemeClr val="dk1"/>
-                </a:solidFill>
-              </a:rPr>
-              <a:t> for data collection.</a:t>
-            </a:r>
-            <a:endParaRPr sz="2200">
+              <a:rPr lang="en-US" sz="1800">
+                <a:solidFill>
+                  <a:schemeClr val="dk1"/>
+                </a:solidFill>
+              </a:rPr>
+              <a:t>Examines where </a:t>
+            </a:r>
+            <a:r>
+              <a:rPr b="1" lang="en-US" sz="1800">
+                <a:solidFill>
+                  <a:schemeClr val="dk1"/>
+                </a:solidFill>
+              </a:rPr>
+              <a:t>domain draw data from</a:t>
+            </a:r>
+            <a:r>
+              <a:rPr lang="en-US" sz="1800">
+                <a:solidFill>
+                  <a:schemeClr val="dk1"/>
+                </a:solidFill>
+              </a:rPr>
+              <a:t>.</a:t>
+            </a:r>
+            <a:endParaRPr sz="1800">
               <a:solidFill>
                 <a:schemeClr val="dk1"/>
               </a:solidFill>
@@ -22774,7 +22206,7 @@
             <a:r>
               <a:t/>
             </a:r>
-            <a:endParaRPr sz="2200">
+            <a:endParaRPr sz="1800">
               <a:solidFill>
                 <a:schemeClr val="dk1"/>
               </a:solidFill>
@@ -22794,38 +22226,14 @@
               <a:buNone/>
             </a:pPr>
             <a:r>
-              <a:rPr b="1" lang="en-US" sz="2200">
-                <a:solidFill>
-                  <a:schemeClr val="dk1"/>
-                </a:solidFill>
-              </a:rPr>
-              <a:t>Marketplaces</a:t>
-            </a:r>
-            <a:r>
-              <a:rPr lang="en-US" sz="2200">
-                <a:solidFill>
-                  <a:schemeClr val="dk1"/>
-                </a:solidFill>
-              </a:rPr>
-              <a:t> focus on </a:t>
-            </a:r>
-            <a:r>
-              <a:rPr b="1" lang="en-US" sz="2200">
-                <a:solidFill>
-                  <a:schemeClr val="dk1"/>
-                </a:solidFill>
-              </a:rPr>
-              <a:t>community-curated</a:t>
-            </a:r>
-            <a:r>
-              <a:rPr lang="en-US" sz="2200">
-                <a:solidFill>
-                  <a:schemeClr val="dk1"/>
-                </a:solidFill>
-              </a:rPr>
-              <a:t> data.</a:t>
-            </a:r>
-            <a:endParaRPr sz="2200">
+              <a:rPr lang="en-US" sz="1800">
+                <a:solidFill>
+                  <a:schemeClr val="dk1"/>
+                </a:solidFill>
+              </a:rPr>
+              <a:t>Some domains rely on diverse sources, while others are confined to specific types.</a:t>
+            </a:r>
+            <a:endParaRPr sz="1800">
               <a:solidFill>
                 <a:schemeClr val="dk1"/>
               </a:solidFill>
@@ -22847,7 +22255,7 @@
             <a:r>
               <a:t/>
             </a:r>
-            <a:endParaRPr sz="2200">
+            <a:endParaRPr sz="1800">
               <a:solidFill>
                 <a:schemeClr val="dk1"/>
               </a:solidFill>
@@ -22867,14 +22275,14 @@
               <a:buNone/>
             </a:pPr>
             <a:r>
-              <a:rPr lang="en-US" sz="2200">
-                <a:solidFill>
-                  <a:schemeClr val="dk1"/>
-                </a:solidFill>
-              </a:rPr>
-              <a:t>While it initially seems that most Raw Data Vendors generate their data in-house, only six providers rely solely on self-generated data. </a:t>
-            </a:r>
-            <a:endParaRPr sz="2200">
+              <a:rPr lang="en-US" sz="1800">
+                <a:solidFill>
+                  <a:schemeClr val="dk1"/>
+                </a:solidFill>
+              </a:rPr>
+              <a:t>Address Data is most commonly paired with self-generated sources, reflecting limited transparency in the sourcing process.</a:t>
+            </a:r>
+            <a:endParaRPr sz="1800">
               <a:solidFill>
                 <a:schemeClr val="dk1"/>
               </a:solidFill>
@@ -22894,21 +22302,71 @@
               <a:buNone/>
             </a:pPr>
             <a:r>
-              <a:rPr lang="en-US" sz="2200">
-                <a:solidFill>
-                  <a:schemeClr val="dk1"/>
-                </a:solidFill>
-              </a:rPr>
-              <a:t>The majority aggregates data from online, federal, and institutional sources, reflecting a demand for aggregated and cleaned data rather than purely proprietary datasets.</a:t>
-            </a:r>
-            <a:endParaRPr sz="2200">
+              <a:t/>
+            </a:r>
+            <a:endParaRPr sz="1800">
               <a:solidFill>
                 <a:schemeClr val="dk1"/>
               </a:solidFill>
             </a:endParaRPr>
           </a:p>
+          <a:p>
+            <a:pPr indent="0" lvl="0" marL="0" marR="0" rtl="0" algn="l">
+              <a:lnSpc>
+                <a:spcPct val="115000"/>
+              </a:lnSpc>
+              <a:spcBef>
+                <a:spcPts val="0"/>
+              </a:spcBef>
+              <a:spcAft>
+                <a:spcPts val="0"/>
+              </a:spcAft>
+              <a:buNone/>
+            </a:pPr>
+            <a:r>
+              <a:rPr lang="en-US" sz="1800">
+                <a:solidFill>
+                  <a:schemeClr val="dk1"/>
+                </a:solidFill>
+              </a:rPr>
+              <a:t>Any data is predominantly obtained from communities, indicating minimal barriers to participation.</a:t>
+            </a:r>
+            <a:endParaRPr sz="1800">
+              <a:solidFill>
+                <a:schemeClr val="dk1"/>
+              </a:solidFill>
+            </a:endParaRPr>
+          </a:p>
         </p:txBody>
       </p:sp>
+      <p:pic>
+        <p:nvPicPr>
+          <p:cNvPr id="322" name="Google Shape;322;p49"/>
+          <p:cNvPicPr preferRelativeResize="0"/>
+          <p:nvPr/>
+        </p:nvPicPr>
+        <p:blipFill>
+          <a:blip r:embed="rId3">
+            <a:alphaModFix/>
+          </a:blip>
+          <a:stretch>
+            <a:fillRect/>
+          </a:stretch>
+        </p:blipFill>
+        <p:spPr>
+          <a:xfrm>
+            <a:off x="245975" y="4182450"/>
+            <a:ext cx="8652050" cy="2439925"/>
+          </a:xfrm>
+          <a:prstGeom prst="rect">
+            <a:avLst/>
+          </a:prstGeom>
+          <a:noFill/>
+          <a:ln>
+            <a:noFill/>
+          </a:ln>
+        </p:spPr>
+      </p:pic>
     </p:spTree>
   </p:cSld>
   <p:clrMapOvr>
@@ -22922,7 +22380,7 @@
   <p:cSld>
     <p:spTree>
       <p:nvGrpSpPr>
-        <p:cNvPr id="325" name="Shape 325"/>
+        <p:cNvPr id="326" name="Shape 326"/>
         <p:cNvGrpSpPr/>
         <p:nvPr/>
       </p:nvGrpSpPr>
@@ -22936,7 +22394,7 @@
       </p:grpSpPr>
       <p:sp>
         <p:nvSpPr>
-          <p:cNvPr id="326" name="Google Shape;326;p50"/>
+          <p:cNvPr id="327" name="Google Shape;327;p50"/>
           <p:cNvSpPr txBox="1"/>
           <p:nvPr>
             <p:ph type="title"/>
@@ -22980,15 +22438,7 @@
                   <a:schemeClr val="dk1"/>
                 </a:solidFill>
               </a:rPr>
-              <a:t>Pricing</a:t>
-            </a:r>
-            <a:r>
-              <a:rPr lang="en-US">
-                <a:solidFill>
-                  <a:schemeClr val="dk1"/>
-                </a:solidFill>
-              </a:rPr>
-              <a:t> / Domain</a:t>
+              <a:t>Trends</a:t>
             </a:r>
             <a:endParaRPr/>
           </a:p>
@@ -22996,7 +22446,7 @@
       </p:sp>
       <p:sp>
         <p:nvSpPr>
-          <p:cNvPr id="327" name="Google Shape;327;p50"/>
+          <p:cNvPr id="328" name="Google Shape;328;p50"/>
           <p:cNvSpPr txBox="1"/>
           <p:nvPr>
             <p:ph idx="1" type="body"/>
@@ -23039,7 +22489,7 @@
                   <a:schemeClr val="dk1"/>
                 </a:solidFill>
               </a:rPr>
-              <a:t>Examines the </a:t>
+              <a:t>When looking at the results of the surveys over the course of the last three years, </a:t>
             </a:r>
             <a:r>
               <a:rPr b="1" lang="en-US" sz="1900">
@@ -23047,7 +22497,7 @@
                   <a:schemeClr val="dk1"/>
                 </a:solidFill>
               </a:rPr>
-              <a:t>prices for a given domain</a:t>
+              <a:t>five global trends</a:t>
             </a:r>
             <a:r>
               <a:rPr lang="en-US" sz="1900">
@@ -23055,7 +22505,7 @@
                   <a:schemeClr val="dk1"/>
                 </a:solidFill>
               </a:rPr>
-              <a:t>.</a:t>
+              <a:t> can be identified:</a:t>
             </a:r>
             <a:endParaRPr sz="1900">
               <a:solidFill>
@@ -23086,7 +22536,7 @@
             </a:endParaRPr>
           </a:p>
           <a:p>
-            <a:pPr indent="0" lvl="0" marL="0" marR="0" rtl="0" algn="l">
+            <a:pPr indent="-349250" lvl="0" marL="457200" marR="0" rtl="0" algn="l">
               <a:lnSpc>
                 <a:spcPct val="115000"/>
               </a:lnSpc>
@@ -23096,7 +22546,11 @@
               <a:spcAft>
                 <a:spcPts val="0"/>
               </a:spcAft>
-              <a:buNone/>
+              <a:buClr>
+                <a:schemeClr val="dk1"/>
+              </a:buClr>
+              <a:buSzPts val="1900"/>
+              <a:buChar char="▪"/>
             </a:pPr>
             <a:r>
               <a:rPr lang="en-US" sz="1900">
@@ -23104,7 +22558,15 @@
                   <a:schemeClr val="dk1"/>
                 </a:solidFill>
               </a:rPr>
-              <a:t>Specialized domain data is rarely distributed for free, except for </a:t>
+              <a:t>P</a:t>
+            </a:r>
+            <a:r>
+              <a:rPr lang="en-US" sz="1900">
+                <a:solidFill>
+                  <a:schemeClr val="dk1"/>
+                </a:solidFill>
+              </a:rPr>
+              <a:t>roviders focus on only </a:t>
             </a:r>
             <a:r>
               <a:rPr b="1" lang="en-US" sz="1900">
@@ -23112,7 +22574,7 @@
                   <a:schemeClr val="dk1"/>
                 </a:solidFill>
               </a:rPr>
-              <a:t>Scientific Data</a:t>
+              <a:t>one category</a:t>
             </a:r>
             <a:r>
               <a:rPr lang="en-US" sz="1900">
@@ -23120,7 +22582,7 @@
                   <a:schemeClr val="dk1"/>
                 </a:solidFill>
               </a:rPr>
-              <a:t>, where </a:t>
+              <a:t> and limit themselves to only </a:t>
             </a:r>
             <a:r>
               <a:rPr b="1" lang="en-US" sz="1900">
@@ -23128,7 +22590,23 @@
                   <a:schemeClr val="dk1"/>
                 </a:solidFill>
               </a:rPr>
-              <a:t>80% is free</a:t>
+              <a:t>one domain</a:t>
+            </a:r>
+            <a:r>
+              <a:rPr lang="en-US" sz="1900">
+                <a:solidFill>
+                  <a:schemeClr val="dk1"/>
+                </a:solidFill>
+              </a:rPr>
+              <a:t> and </a:t>
+            </a:r>
+            <a:r>
+              <a:rPr b="1" lang="en-US" sz="1900">
+                <a:solidFill>
+                  <a:schemeClr val="dk1"/>
+                </a:solidFill>
+              </a:rPr>
+              <a:t>one data source</a:t>
             </a:r>
             <a:r>
               <a:rPr lang="en-US" sz="1900">
@@ -23145,7 +22623,7 @@
             </a:endParaRPr>
           </a:p>
           <a:p>
-            <a:pPr indent="0" lvl="0" marL="0" marR="0" rtl="0" algn="l">
+            <a:pPr indent="-349250" lvl="0" marL="457200" rtl="0" algn="l">
               <a:lnSpc>
                 <a:spcPct val="115000"/>
               </a:lnSpc>
@@ -23155,10 +22633,51 @@
               <a:spcAft>
                 <a:spcPts val="0"/>
               </a:spcAft>
-              <a:buNone/>
-            </a:pPr>
-            <a:r>
-              <a:t/>
+              <a:buClr>
+                <a:schemeClr val="dk1"/>
+              </a:buClr>
+              <a:buSzPts val="1900"/>
+              <a:buChar char="▪"/>
+            </a:pPr>
+            <a:r>
+              <a:rPr lang="en-US" sz="1900">
+                <a:solidFill>
+                  <a:schemeClr val="dk1"/>
+                </a:solidFill>
+              </a:rPr>
+              <a:t>Providers who specialize in a single domain tend to </a:t>
+            </a:r>
+            <a:r>
+              <a:rPr b="1" lang="en-US" sz="1900">
+                <a:solidFill>
+                  <a:schemeClr val="dk1"/>
+                </a:solidFill>
+              </a:rPr>
+              <a:t>charge for their data</a:t>
+            </a:r>
+            <a:r>
+              <a:rPr lang="en-US" sz="1900">
+                <a:solidFill>
+                  <a:schemeClr val="dk1"/>
+                </a:solidFill>
+              </a:rPr>
+              <a:t> rather than offering it for free, especially in the </a:t>
+            </a:r>
+            <a:r>
+              <a:rPr b="1" lang="en-US" sz="1900">
+                <a:solidFill>
+                  <a:schemeClr val="dk1"/>
+                </a:solidFill>
+              </a:rPr>
+              <a:t>B2B market</a:t>
+            </a:r>
+            <a:r>
+              <a:rPr lang="en-US" sz="1900">
+                <a:solidFill>
+                  <a:schemeClr val="dk1"/>
+                </a:solidFill>
+              </a:rPr>
+              <a:t>.</a:t>
             </a:r>
             <a:endParaRPr sz="1900">
               <a:solidFill>
@@ -23167,7 +22686,7 @@
             </a:endParaRPr>
           </a:p>
           <a:p>
-            <a:pPr indent="0" lvl="0" marL="0" marR="0" rtl="0" algn="l">
+            <a:pPr indent="-349250" lvl="0" marL="457200" rtl="0" algn="l">
               <a:lnSpc>
                 <a:spcPct val="115000"/>
               </a:lnSpc>
@@ -23177,7 +22696,11 @@
               <a:spcAft>
                 <a:spcPts val="0"/>
               </a:spcAft>
-              <a:buNone/>
+              <a:buClr>
+                <a:schemeClr val="dk1"/>
+              </a:buClr>
+              <a:buSzPts val="1900"/>
+              <a:buChar char="▪"/>
             </a:pPr>
             <a:r>
               <a:rPr lang="en-US" sz="1900">
@@ -23185,7 +22708,39 @@
                   <a:schemeClr val="dk1"/>
                 </a:solidFill>
               </a:rPr>
-              <a:t>Social Media and Economic Data are often priced with flat rates, aligning with their need for regular updates.</a:t>
+              <a:t>Providers prefer </a:t>
+            </a:r>
+            <a:r>
+              <a:rPr b="1" lang="en-US" sz="1900">
+                <a:solidFill>
+                  <a:schemeClr val="dk1"/>
+                </a:solidFill>
+              </a:rPr>
+              <a:t>flat rates</a:t>
+            </a:r>
+            <a:r>
+              <a:rPr lang="en-US" sz="1900">
+                <a:solidFill>
+                  <a:schemeClr val="dk1"/>
+                </a:solidFill>
+              </a:rPr>
+              <a:t> for their steady revenue stream, often combined with freemium models to minimize uncertainty and capitalize on </a:t>
+            </a:r>
+            <a:r>
+              <a:rPr b="1" lang="en-US" sz="1900">
+                <a:solidFill>
+                  <a:schemeClr val="dk1"/>
+                </a:solidFill>
+              </a:rPr>
+              <a:t>lock-in effects</a:t>
+            </a:r>
+            <a:r>
+              <a:rPr lang="en-US" sz="1900">
+                <a:solidFill>
+                  <a:schemeClr val="dk1"/>
+                </a:solidFill>
+              </a:rPr>
+              <a:t>.</a:t>
             </a:r>
             <a:endParaRPr sz="1900">
               <a:solidFill>
@@ -23194,7 +22749,7 @@
             </a:endParaRPr>
           </a:p>
           <a:p>
-            <a:pPr indent="0" lvl="0" marL="0" marR="0" rtl="0" algn="l">
+            <a:pPr indent="-349250" lvl="0" marL="457200" rtl="0" algn="l">
               <a:lnSpc>
                 <a:spcPct val="115000"/>
               </a:lnSpc>
@@ -23204,10 +22759,51 @@
               <a:spcAft>
                 <a:spcPts val="0"/>
               </a:spcAft>
-              <a:buNone/>
-            </a:pPr>
-            <a:r>
-              <a:t/>
+              <a:buClr>
+                <a:schemeClr val="dk1"/>
+              </a:buClr>
+              <a:buSzPts val="1900"/>
+              <a:buChar char="▪"/>
+            </a:pPr>
+            <a:r>
+              <a:rPr lang="en-US" sz="1900">
+                <a:solidFill>
+                  <a:schemeClr val="dk1"/>
+                </a:solidFill>
+              </a:rPr>
+              <a:t>The data market is still largely dominated by </a:t>
+            </a:r>
+            <a:r>
+              <a:rPr b="1" lang="en-US" sz="1900">
+                <a:solidFill>
+                  <a:schemeClr val="dk1"/>
+                </a:solidFill>
+              </a:rPr>
+              <a:t>hierarchical</a:t>
+            </a:r>
+            <a:r>
+              <a:rPr lang="en-US" sz="1900">
+                <a:solidFill>
+                  <a:schemeClr val="dk1"/>
+                </a:solidFill>
+              </a:rPr>
+              <a:t> ("vertical") </a:t>
+            </a:r>
+            <a:r>
+              <a:rPr b="1" lang="en-US" sz="1900">
+                <a:solidFill>
+                  <a:schemeClr val="dk1"/>
+                </a:solidFill>
+              </a:rPr>
+              <a:t>relationships</a:t>
+            </a:r>
+            <a:r>
+              <a:rPr lang="en-US" sz="1900">
+                <a:solidFill>
+                  <a:schemeClr val="dk1"/>
+                </a:solidFill>
+              </a:rPr>
+              <a:t>, where providers control specific data offerings.</a:t>
             </a:r>
             <a:endParaRPr sz="1900">
               <a:solidFill>
@@ -23216,7 +22812,7 @@
             </a:endParaRPr>
           </a:p>
           <a:p>
-            <a:pPr indent="0" lvl="0" marL="0" marR="0" rtl="0" algn="l">
+            <a:pPr indent="-349250" lvl="0" marL="457200" rtl="0" algn="l">
               <a:lnSpc>
                 <a:spcPct val="115000"/>
               </a:lnSpc>
@@ -23226,7 +22822,11 @@
               <a:spcAft>
                 <a:spcPts val="0"/>
               </a:spcAft>
-              <a:buNone/>
+              <a:buClr>
+                <a:schemeClr val="dk1"/>
+              </a:buClr>
+              <a:buSzPts val="1900"/>
+              <a:buChar char="▪"/>
             </a:pPr>
             <a:r>
               <a:rPr lang="en-US" sz="1900">
@@ -23234,15 +22834,15 @@
                   <a:schemeClr val="dk1"/>
                 </a:solidFill>
               </a:rPr>
-              <a:t>No clear trend emerges for the </a:t>
-            </a:r>
-            <a:r>
-              <a:rPr i="1" lang="en-US" sz="1900">
-                <a:solidFill>
-                  <a:schemeClr val="dk1"/>
-                </a:solidFill>
-              </a:rPr>
-              <a:t>any</a:t>
+              <a:t>Changes in data access types, with a shift towards web exchange formats like </a:t>
+            </a:r>
+            <a:r>
+              <a:rPr b="1" lang="en-US" sz="1900">
+                <a:solidFill>
+                  <a:schemeClr val="dk1"/>
+                </a:solidFill>
+              </a:rPr>
+              <a:t>JSON</a:t>
             </a:r>
             <a:r>
               <a:rPr lang="en-US" sz="1900">
@@ -23250,7 +22850,39 @@
                   <a:schemeClr val="dk1"/>
                 </a:solidFill>
               </a:rPr>
-              <a:t> category, which shows an even distribution across pricing models.</a:t>
+              <a:t> and </a:t>
+            </a:r>
+            <a:r>
+              <a:rPr b="1" lang="en-US" sz="1900">
+                <a:solidFill>
+                  <a:schemeClr val="dk1"/>
+                </a:solidFill>
+              </a:rPr>
+              <a:t>CSV</a:t>
+            </a:r>
+            <a:r>
+              <a:rPr lang="en-US" sz="1900">
+                <a:solidFill>
+                  <a:schemeClr val="dk1"/>
+                </a:solidFill>
+              </a:rPr>
+              <a:t>, indicating a market orientation towards </a:t>
+            </a:r>
+            <a:r>
+              <a:rPr b="1" lang="en-US" sz="1900">
+                <a:solidFill>
+                  <a:schemeClr val="dk1"/>
+                </a:solidFill>
+              </a:rPr>
+              <a:t>non-technical users</a:t>
+            </a:r>
+            <a:r>
+              <a:rPr lang="en-US" sz="1900">
+                <a:solidFill>
+                  <a:schemeClr val="dk1"/>
+                </a:solidFill>
+              </a:rPr>
+              <a:t>.</a:t>
             </a:r>
             <a:endParaRPr sz="1900">
               <a:solidFill>
@@ -23258,58 +22890,8 @@
               </a:solidFill>
             </a:endParaRPr>
           </a:p>
-          <a:p>
-            <a:pPr indent="0" lvl="0" marL="0" marR="0" rtl="0" algn="l">
-              <a:lnSpc>
-                <a:spcPct val="115000"/>
-              </a:lnSpc>
-              <a:spcBef>
-                <a:spcPts val="0"/>
-              </a:spcBef>
-              <a:spcAft>
-                <a:spcPts val="0"/>
-              </a:spcAft>
-              <a:buNone/>
-            </a:pPr>
-            <a:r>
-              <a:t/>
-            </a:r>
-            <a:endParaRPr sz="1900">
-              <a:solidFill>
-                <a:schemeClr val="dk1"/>
-              </a:solidFill>
-            </a:endParaRPr>
-          </a:p>
         </p:txBody>
       </p:sp>
-      <p:pic>
-        <p:nvPicPr>
-          <p:cNvPr id="328" name="Google Shape;328;p50"/>
-          <p:cNvPicPr preferRelativeResize="0"/>
-          <p:nvPr/>
-        </p:nvPicPr>
-        <p:blipFill>
-          <a:blip r:embed="rId3">
-            <a:alphaModFix/>
-          </a:blip>
-          <a:stretch>
-            <a:fillRect/>
-          </a:stretch>
-        </p:blipFill>
-        <p:spPr>
-          <a:xfrm>
-            <a:off x="263563" y="4475550"/>
-            <a:ext cx="8616876" cy="1967125"/>
-          </a:xfrm>
-          <a:prstGeom prst="rect">
-            <a:avLst/>
-          </a:prstGeom>
-          <a:noFill/>
-          <a:ln>
-            <a:noFill/>
-          </a:ln>
-        </p:spPr>
-      </p:pic>
     </p:spTree>
   </p:cSld>
   <p:clrMapOvr>
@@ -23381,7 +22963,7 @@
                   <a:schemeClr val="dk1"/>
                 </a:solidFill>
               </a:rPr>
-              <a:t>Audience / Pricing Model</a:t>
+              <a:t>Conclusions</a:t>
             </a:r>
             <a:endParaRPr/>
           </a:p>
@@ -23427,30 +23009,30 @@
               <a:buNone/>
             </a:pPr>
             <a:r>
-              <a:rPr lang="en-US" sz="1800">
-                <a:solidFill>
-                  <a:schemeClr val="dk1"/>
-                </a:solidFill>
-              </a:rPr>
-              <a:t>Examines the </a:t>
-            </a:r>
-            <a:r>
-              <a:rPr b="1" lang="en-US" sz="1800">
-                <a:solidFill>
-                  <a:schemeClr val="dk1"/>
-                </a:solidFill>
-              </a:rPr>
-              <a:t>prices for a given customer type</a:t>
-            </a:r>
-            <a:r>
-              <a:rPr lang="en-US" sz="1800">
-                <a:solidFill>
-                  <a:schemeClr val="dk1"/>
-                </a:solidFill>
-              </a:rPr>
-              <a:t>.</a:t>
-            </a:r>
-            <a:endParaRPr sz="1800">
+              <a:rPr lang="en-US" sz="2000">
+                <a:solidFill>
+                  <a:schemeClr val="dk1"/>
+                </a:solidFill>
+              </a:rPr>
+              <a:t>The evolution of the data market over time presents a notable shift in the </a:t>
+            </a:r>
+            <a:r>
+              <a:rPr b="1" lang="en-US" sz="2000">
+                <a:solidFill>
+                  <a:schemeClr val="dk1"/>
+                </a:solidFill>
+              </a:rPr>
+              <a:t>size and composition of its providers</a:t>
+            </a:r>
+            <a:r>
+              <a:rPr lang="en-US" sz="2000">
+                <a:solidFill>
+                  <a:schemeClr val="dk1"/>
+                </a:solidFill>
+              </a:rPr>
+              <a:t>. Initially, the market was dominated by large, established companies, often from the software and hardware industries. </a:t>
+            </a:r>
+            <a:endParaRPr sz="2000">
               <a:solidFill>
                 <a:schemeClr val="dk1"/>
               </a:solidFill>
@@ -23472,7 +23054,7 @@
             <a:r>
               <a:t/>
             </a:r>
-            <a:endParaRPr sz="1800">
+            <a:endParaRPr sz="2000">
               <a:solidFill>
                 <a:schemeClr val="dk1"/>
               </a:solidFill>
@@ -23492,62 +23074,14 @@
               <a:buNone/>
             </a:pPr>
             <a:r>
-              <a:rPr lang="en-US" sz="1800">
-                <a:solidFill>
-                  <a:schemeClr val="dk1"/>
-                </a:solidFill>
-              </a:rPr>
-              <a:t>Less than </a:t>
-            </a:r>
-            <a:r>
-              <a:rPr b="1" lang="en-US" sz="1800">
-                <a:solidFill>
-                  <a:schemeClr val="dk1"/>
-                </a:solidFill>
-              </a:rPr>
-              <a:t>one-third</a:t>
-            </a:r>
-            <a:r>
-              <a:rPr lang="en-US" sz="1800">
-                <a:solidFill>
-                  <a:schemeClr val="dk1"/>
-                </a:solidFill>
-              </a:rPr>
-              <a:t> of offerings for private customers are </a:t>
-            </a:r>
-            <a:r>
-              <a:rPr b="1" lang="en-US" sz="1800">
-                <a:solidFill>
-                  <a:schemeClr val="dk1"/>
-                </a:solidFill>
-              </a:rPr>
-              <a:t>charged</a:t>
-            </a:r>
-            <a:r>
-              <a:rPr lang="en-US" sz="1800">
-                <a:solidFill>
-                  <a:schemeClr val="dk1"/>
-                </a:solidFill>
-              </a:rPr>
-              <a:t>. Most rely on a </a:t>
-            </a:r>
-            <a:r>
-              <a:rPr b="1" lang="en-US" sz="1800">
-                <a:solidFill>
-                  <a:schemeClr val="dk1"/>
-                </a:solidFill>
-              </a:rPr>
-              <a:t>Freemium</a:t>
-            </a:r>
-            <a:r>
-              <a:rPr lang="en-US" sz="1800">
-                <a:solidFill>
-                  <a:schemeClr val="dk1"/>
-                </a:solidFill>
-              </a:rPr>
-              <a:t> model.</a:t>
-            </a:r>
-            <a:endParaRPr sz="1800">
+              <a:rPr lang="en-US" sz="2000">
+                <a:solidFill>
+                  <a:schemeClr val="dk1"/>
+                </a:solidFill>
+              </a:rPr>
+              <a:t>However, as the market matured, these entry barriers began to lower, allowing new players, particularly startups, to enter and establish themselves.</a:t>
+            </a:r>
+            <a:endParaRPr sz="2000">
               <a:solidFill>
                 <a:schemeClr val="dk1"/>
               </a:solidFill>
@@ -23569,7 +23103,7 @@
             <a:r>
               <a:t/>
             </a:r>
-            <a:endParaRPr sz="1800">
+            <a:endParaRPr sz="2000">
               <a:solidFill>
                 <a:schemeClr val="dk1"/>
               </a:solidFill>
@@ -23589,120 +23123,21 @@
               <a:buNone/>
             </a:pPr>
             <a:r>
-              <a:rPr lang="en-US" sz="1800">
-                <a:solidFill>
-                  <a:schemeClr val="dk1"/>
-                </a:solidFill>
-              </a:rPr>
-              <a:t>Since only 9.7% of providers target private customers exclusively, the market is heavily B2B-focused.</a:t>
-            </a:r>
-            <a:endParaRPr sz="1800">
+              <a:rPr lang="en-US" sz="2000">
+                <a:solidFill>
+                  <a:schemeClr val="dk1"/>
+                </a:solidFill>
+              </a:rPr>
+              <a:t>The growing presence of startups doesn’t contradict the overall trend of a maturing market. In fact, their emergence suggests that the data market has become more stable and established, with intermediaries now playing a central role in data trading. </a:t>
+            </a:r>
+            <a:endParaRPr sz="2000">
               <a:solidFill>
                 <a:schemeClr val="dk1"/>
               </a:solidFill>
             </a:endParaRPr>
           </a:p>
-          <a:p>
-            <a:pPr indent="0" lvl="0" marL="0" marR="0" rtl="0" algn="l">
-              <a:lnSpc>
-                <a:spcPct val="115000"/>
-              </a:lnSpc>
-              <a:spcBef>
-                <a:spcPts val="0"/>
-              </a:spcBef>
-              <a:spcAft>
-                <a:spcPts val="0"/>
-              </a:spcAft>
-              <a:buNone/>
-            </a:pPr>
-            <a:r>
-              <a:t/>
-            </a:r>
-            <a:endParaRPr sz="1800">
-              <a:solidFill>
-                <a:schemeClr val="dk1"/>
-              </a:solidFill>
-            </a:endParaRPr>
-          </a:p>
-          <a:p>
-            <a:pPr indent="0" lvl="0" marL="0" marR="0" rtl="0" algn="l">
-              <a:lnSpc>
-                <a:spcPct val="115000"/>
-              </a:lnSpc>
-              <a:spcBef>
-                <a:spcPts val="0"/>
-              </a:spcBef>
-              <a:spcAft>
-                <a:spcPts val="0"/>
-              </a:spcAft>
-              <a:buNone/>
-            </a:pPr>
-            <a:r>
-              <a:rPr lang="en-US" sz="1800">
-                <a:solidFill>
-                  <a:schemeClr val="dk1"/>
-                </a:solidFill>
-              </a:rPr>
-              <a:t>For business customers, fees are standard, with Freemium and Flat Rate models potentially serving as strategies to familiarize customers and leverage lock-in effects.</a:t>
-            </a:r>
-            <a:endParaRPr sz="1800">
-              <a:solidFill>
-                <a:schemeClr val="dk1"/>
-              </a:solidFill>
-            </a:endParaRPr>
-          </a:p>
-          <a:p>
-            <a:pPr indent="0" lvl="0" marL="0" marR="0" rtl="0" algn="l">
-              <a:lnSpc>
-                <a:spcPct val="115000"/>
-              </a:lnSpc>
-              <a:spcBef>
-                <a:spcPts val="0"/>
-              </a:spcBef>
-              <a:spcAft>
-                <a:spcPts val="0"/>
-              </a:spcAft>
-              <a:buNone/>
-            </a:pPr>
-            <a:r>
-              <a:t/>
-            </a:r>
-            <a:endParaRPr sz="1800">
-              <a:solidFill>
-                <a:schemeClr val="dk1"/>
-              </a:solidFill>
-            </a:endParaRPr>
-          </a:p>
         </p:txBody>
       </p:sp>
-      <p:pic>
-        <p:nvPicPr>
-          <p:cNvPr id="335" name="Google Shape;335;p51"/>
-          <p:cNvPicPr preferRelativeResize="0"/>
-          <p:nvPr/>
-        </p:nvPicPr>
-        <p:blipFill>
-          <a:blip r:embed="rId3">
-            <a:alphaModFix/>
-          </a:blip>
-          <a:stretch>
-            <a:fillRect/>
-          </a:stretch>
-        </p:blipFill>
-        <p:spPr>
-          <a:xfrm>
-            <a:off x="1546188" y="4678100"/>
-            <a:ext cx="6051651" cy="1688325"/>
-          </a:xfrm>
-          <a:prstGeom prst="rect">
-            <a:avLst/>
-          </a:prstGeom>
-          <a:noFill/>
-          <a:ln>
-            <a:noFill/>
-          </a:ln>
-        </p:spPr>
-      </p:pic>
     </p:spTree>
   </p:cSld>
   <p:clrMapOvr>
@@ -23716,7 +23151,7 @@
   <p:cSld>
     <p:spTree>
       <p:nvGrpSpPr>
-        <p:cNvPr id="339" name="Shape 339"/>
+        <p:cNvPr id="338" name="Shape 338"/>
         <p:cNvGrpSpPr/>
         <p:nvPr/>
       </p:nvGrpSpPr>
@@ -23730,7 +23165,7 @@
       </p:grpSpPr>
       <p:sp>
         <p:nvSpPr>
-          <p:cNvPr id="340" name="Google Shape;340;p52"/>
+          <p:cNvPr id="339" name="Google Shape;339;p52"/>
           <p:cNvSpPr txBox="1"/>
           <p:nvPr>
             <p:ph type="title"/>
@@ -23774,15 +23209,7 @@
                   <a:schemeClr val="dk1"/>
                 </a:solidFill>
               </a:rPr>
-              <a:t>Type</a:t>
-            </a:r>
-            <a:r>
-              <a:rPr lang="en-US">
-                <a:solidFill>
-                  <a:schemeClr val="dk1"/>
-                </a:solidFill>
-              </a:rPr>
-              <a:t> / Pricing Model</a:t>
+              <a:t>Conclusions</a:t>
             </a:r>
             <a:endParaRPr/>
           </a:p>
@@ -23790,7 +23217,7 @@
       </p:sp>
       <p:sp>
         <p:nvSpPr>
-          <p:cNvPr id="341" name="Google Shape;341;p52"/>
+          <p:cNvPr id="340" name="Google Shape;340;p52"/>
           <p:cNvSpPr txBox="1"/>
           <p:nvPr>
             <p:ph idx="1" type="body"/>
@@ -23798,7 +23225,7 @@
         </p:nvSpPr>
         <p:spPr>
           <a:xfrm>
-            <a:off x="457200" y="981075"/>
+            <a:off x="457200" y="904875"/>
             <a:ext cx="8229600" cy="5145000"/>
           </a:xfrm>
           <a:prstGeom prst="rect">
@@ -23828,30 +23255,94 @@
               <a:buNone/>
             </a:pPr>
             <a:r>
-              <a:rPr lang="en-US" sz="1700">
-                <a:solidFill>
-                  <a:schemeClr val="dk1"/>
-                </a:solidFill>
-              </a:rPr>
-              <a:t>Examines the </a:t>
-            </a:r>
-            <a:r>
-              <a:rPr b="1" lang="en-US" sz="1700">
-                <a:solidFill>
-                  <a:schemeClr val="dk1"/>
-                </a:solidFill>
-              </a:rPr>
-              <a:t>prices for a given type of vendor</a:t>
-            </a:r>
-            <a:r>
-              <a:rPr lang="en-US" sz="1700">
-                <a:solidFill>
-                  <a:schemeClr val="dk1"/>
-                </a:solidFill>
-              </a:rPr>
-              <a:t>.</a:t>
-            </a:r>
-            <a:endParaRPr sz="1700">
+              <a:rPr lang="en-US" sz="2000">
+                <a:solidFill>
+                  <a:schemeClr val="dk1"/>
+                </a:solidFill>
+              </a:rPr>
+              <a:t>In addition to this shift, the concept of </a:t>
+            </a:r>
+            <a:r>
+              <a:rPr b="1" lang="en-US" sz="2000">
+                <a:solidFill>
+                  <a:schemeClr val="dk1"/>
+                </a:solidFill>
+              </a:rPr>
+              <a:t>data commoditization</a:t>
+            </a:r>
+            <a:r>
+              <a:rPr lang="en-US" sz="2000">
+                <a:solidFill>
+                  <a:schemeClr val="dk1"/>
+                </a:solidFill>
+              </a:rPr>
+              <a:t> comes into play, especially when considering the two groups of data consumers: those seeking </a:t>
+            </a:r>
+            <a:r>
+              <a:rPr b="1" lang="en-US" sz="2000">
+                <a:solidFill>
+                  <a:schemeClr val="dk1"/>
+                </a:solidFill>
+              </a:rPr>
+              <a:t>highly specific</a:t>
+            </a:r>
+            <a:r>
+              <a:rPr lang="en-US" sz="2000">
+                <a:solidFill>
+                  <a:schemeClr val="dk1"/>
+                </a:solidFill>
+              </a:rPr>
+              <a:t>, </a:t>
+            </a:r>
+            <a:r>
+              <a:rPr b="1" lang="en-US" sz="2000">
+                <a:solidFill>
+                  <a:schemeClr val="dk1"/>
+                </a:solidFill>
+              </a:rPr>
+              <a:t>individualized</a:t>
+            </a:r>
+            <a:r>
+              <a:rPr lang="en-US" sz="2000">
+                <a:solidFill>
+                  <a:schemeClr val="dk1"/>
+                </a:solidFill>
+              </a:rPr>
+              <a:t> </a:t>
+            </a:r>
+            <a:r>
+              <a:rPr b="1" lang="en-US" sz="2000">
+                <a:solidFill>
+                  <a:schemeClr val="dk1"/>
+                </a:solidFill>
+              </a:rPr>
+              <a:t>data</a:t>
+            </a:r>
+            <a:r>
+              <a:rPr lang="en-US" sz="2000">
+                <a:solidFill>
+                  <a:schemeClr val="dk1"/>
+                </a:solidFill>
+              </a:rPr>
+              <a:t>, and those requiring </a:t>
+            </a:r>
+            <a:r>
+              <a:rPr b="1" lang="en-US" sz="2000">
+                <a:solidFill>
+                  <a:schemeClr val="dk1"/>
+                </a:solidFill>
+              </a:rPr>
+              <a:t>data of consistent quality</a:t>
+            </a:r>
+            <a:r>
+              <a:rPr lang="en-US" sz="2000">
+                <a:solidFill>
+                  <a:schemeClr val="dk1"/>
+                </a:solidFill>
+              </a:rPr>
+              <a:t>. </a:t>
+            </a:r>
+            <a:endParaRPr sz="2000">
               <a:solidFill>
                 <a:schemeClr val="dk1"/>
               </a:solidFill>
@@ -23873,7 +23364,7 @@
             <a:r>
               <a:t/>
             </a:r>
-            <a:endParaRPr sz="1700">
+            <a:endParaRPr sz="2000">
               <a:solidFill>
                 <a:schemeClr val="dk1"/>
               </a:solidFill>
@@ -23893,14 +23384,14 @@
               <a:buNone/>
             </a:pPr>
             <a:r>
-              <a:rPr lang="en-US" sz="1700">
-                <a:solidFill>
-                  <a:schemeClr val="dk1"/>
-                </a:solidFill>
-              </a:rPr>
-              <a:t>Different types of data providers often have distinct preferences for pricing models.</a:t>
-            </a:r>
-            <a:endParaRPr sz="1700">
+              <a:rPr lang="en-US" sz="2000">
+                <a:solidFill>
+                  <a:schemeClr val="dk1"/>
+                </a:solidFill>
+              </a:rPr>
+              <a:t>For the former group, commoditization may not be desirable, as highly specialized data is unlikely to follow a standardization path. </a:t>
+            </a:r>
+            <a:endParaRPr sz="2000">
               <a:solidFill>
                 <a:schemeClr val="dk1"/>
               </a:solidFill>
@@ -23922,7 +23413,7 @@
             <a:r>
               <a:t/>
             </a:r>
-            <a:endParaRPr sz="1700">
+            <a:endParaRPr sz="2000">
               <a:solidFill>
                 <a:schemeClr val="dk1"/>
               </a:solidFill>
@@ -23942,14 +23433,14 @@
               <a:buNone/>
             </a:pPr>
             <a:r>
-              <a:rPr lang="en-US" sz="1700">
-                <a:solidFill>
-                  <a:schemeClr val="dk1"/>
-                </a:solidFill>
-              </a:rPr>
-              <a:t>Enrichment services, which primarily offer social media data from online sources, tend to prefer flat-rate pricing.</a:t>
-            </a:r>
-            <a:endParaRPr sz="1700">
+              <a:rPr lang="en-US" sz="2000">
+                <a:solidFill>
+                  <a:schemeClr val="dk1"/>
+                </a:solidFill>
+              </a:rPr>
+              <a:t>On the other hand, for the latter group, data that is more standardized and consistent would be more conducive to commoditization, likely increasing its exchange on marketplaces. </a:t>
+            </a:r>
+            <a:endParaRPr sz="2000">
               <a:solidFill>
                 <a:schemeClr val="dk1"/>
               </a:solidFill>
@@ -23971,7 +23462,7 @@
             <a:r>
               <a:t/>
             </a:r>
-            <a:endParaRPr sz="1700">
+            <a:endParaRPr sz="2000">
               <a:solidFill>
                 <a:schemeClr val="dk1"/>
               </a:solidFill>
@@ -23991,14 +23482,14 @@
               <a:buNone/>
             </a:pPr>
             <a:r>
-              <a:rPr lang="en-US" sz="1700">
-                <a:solidFill>
-                  <a:schemeClr val="dk1"/>
-                </a:solidFill>
-              </a:rPr>
-              <a:t>Raw data vendors lean towards flat-rate or freemium models, emphasizing a consistent supply as a key advantage.</a:t>
-            </a:r>
-            <a:endParaRPr sz="1700">
+              <a:rPr lang="en-US" sz="2000">
+                <a:solidFill>
+                  <a:schemeClr val="dk1"/>
+                </a:solidFill>
+              </a:rPr>
+              <a:t>This could lead to a more competitive market for standardized data, further driving down implementation costs and increasing accessibility.</a:t>
+            </a:r>
+            <a:endParaRPr sz="2000">
               <a:solidFill>
                 <a:schemeClr val="dk1"/>
               </a:solidFill>
@@ -24006,34 +23497,6 @@
           </a:p>
         </p:txBody>
       </p:sp>
-      <p:pic>
-        <p:nvPicPr>
-          <p:cNvPr id="342" name="Google Shape;342;p52"/>
-          <p:cNvPicPr preferRelativeResize="0"/>
-          <p:nvPr/>
-        </p:nvPicPr>
-        <p:blipFill>
-          <a:blip r:embed="rId3">
-            <a:alphaModFix/>
-          </a:blip>
-          <a:stretch>
-            <a:fillRect/>
-          </a:stretch>
-        </p:blipFill>
-        <p:spPr>
-          <a:xfrm>
-            <a:off x="1900225" y="3884025"/>
-            <a:ext cx="5343525" cy="2705100"/>
-          </a:xfrm>
-          <a:prstGeom prst="rect">
-            <a:avLst/>
-          </a:prstGeom>
-          <a:noFill/>
-          <a:ln>
-            <a:noFill/>
-          </a:ln>
-        </p:spPr>
-      </p:pic>
     </p:spTree>
   </p:cSld>
   <p:clrMapOvr>
@@ -24047,7 +23510,7 @@
   <p:cSld>
     <p:spTree>
       <p:nvGrpSpPr>
-        <p:cNvPr id="346" name="Shape 346"/>
+        <p:cNvPr id="344" name="Shape 344"/>
         <p:cNvGrpSpPr/>
         <p:nvPr/>
       </p:nvGrpSpPr>
@@ -24061,7 +23524,7 @@
       </p:grpSpPr>
       <p:sp>
         <p:nvSpPr>
-          <p:cNvPr id="347" name="Google Shape;347;p53"/>
+          <p:cNvPr id="345" name="Google Shape;345;p53"/>
           <p:cNvSpPr txBox="1"/>
           <p:nvPr>
             <p:ph type="title"/>
@@ -24086,7 +23549,10 @@
           </a:bodyPr>
           <a:lstStyle/>
           <a:p>
-            <a:pPr indent="0" lvl="0" marL="0" rtl="0" algn="ctr">
+            <a:pPr indent="0" lvl="0" marL="0" marR="0" rtl="0" algn="ctr">
+              <a:lnSpc>
+                <a:spcPct val="100000"/>
+              </a:lnSpc>
               <a:spcBef>
                 <a:spcPts val="0"/>
               </a:spcBef>
@@ -24094,18 +23560,22 @@
                 <a:spcPts val="0"/>
               </a:spcAft>
               <a:buClr>
-                <a:schemeClr val="dk1"/>
+                <a:schemeClr val="dk2"/>
               </a:buClr>
               <a:buFont typeface="Arial"/>
               <a:buNone/>
             </a:pPr>
             <a:r>
-              <a:rPr lang="en-US">
-                <a:solidFill>
-                  <a:schemeClr val="dk1"/>
-                </a:solidFill>
-              </a:rPr>
-              <a:t>Origin / Domain</a:t>
+              <a:rPr b="0" i="0" lang="en-US" sz="4000" u="none" cap="none" strike="noStrike">
+                <a:solidFill>
+                  <a:schemeClr val="dk2"/>
+                </a:solidFill>
+                <a:latin typeface="Arial"/>
+                <a:ea typeface="Arial"/>
+                <a:cs typeface="Arial"/>
+                <a:sym typeface="Arial"/>
+              </a:rPr>
+              <a:t>References</a:t>
             </a:r>
             <a:endParaRPr/>
           </a:p>
@@ -24113,7 +23583,7 @@
       </p:sp>
       <p:sp>
         <p:nvSpPr>
-          <p:cNvPr id="348" name="Google Shape;348;p53"/>
+          <p:cNvPr id="346" name="Google Shape;346;p53"/>
           <p:cNvSpPr txBox="1"/>
           <p:nvPr>
             <p:ph idx="1" type="body"/>
@@ -24122,7 +23592,7 @@
         <p:spPr>
           <a:xfrm>
             <a:off x="457200" y="981075"/>
-            <a:ext cx="8229600" cy="5145000"/>
+            <a:ext cx="8229600" cy="5145087"/>
           </a:xfrm>
           <a:prstGeom prst="rect">
             <a:avLst/>
@@ -24140,7 +23610,7 @@
           <a:p>
             <a:pPr indent="0" lvl="0" marL="0" marR="0" rtl="0" algn="l">
               <a:lnSpc>
-                <a:spcPct val="115000"/>
+                <a:spcPct val="100000"/>
               </a:lnSpc>
               <a:spcBef>
                 <a:spcPts val="0"/>
@@ -24148,31 +23618,42 @@
               <a:spcAft>
                 <a:spcPts val="0"/>
               </a:spcAft>
-              <a:buNone/>
-            </a:pPr>
-            <a:r>
-              <a:rPr lang="en-US" sz="1800">
-                <a:solidFill>
-                  <a:schemeClr val="dk1"/>
-                </a:solidFill>
-              </a:rPr>
-              <a:t>Examines where </a:t>
-            </a:r>
-            <a:r>
-              <a:rPr b="1" lang="en-US" sz="1800">
-                <a:solidFill>
-                  <a:schemeClr val="dk1"/>
-                </a:solidFill>
-              </a:rPr>
-              <a:t>domain draw data from</a:t>
-            </a:r>
-            <a:r>
-              <a:rPr lang="en-US" sz="1800">
-                <a:solidFill>
-                  <a:schemeClr val="dk1"/>
-                </a:solidFill>
-              </a:rPr>
-              <a:t>.</a:t>
+              <a:buClr>
+                <a:schemeClr val="dk1"/>
+              </a:buClr>
+              <a:buFont typeface="Arial"/>
+              <a:buNone/>
+            </a:pPr>
+            <a:r>
+              <a:rPr lang="en-US" sz="1800" u="sng">
+                <a:solidFill>
+                  <a:schemeClr val="hlink"/>
+                </a:solidFill>
+                <a:hlinkClick r:id="rId3"/>
+              </a:rPr>
+              <a:t>Schomm, F., Stahl, F., &amp; Vossen, G. (2013). Marketplaces for data: an initial survey. ACM SIGMOD Record, 42(1), 15-26.</a:t>
+            </a:r>
+            <a:endParaRPr/>
+          </a:p>
+          <a:p>
+            <a:pPr indent="0" lvl="0" marL="0" marR="0" rtl="0" algn="l">
+              <a:lnSpc>
+                <a:spcPct val="100000"/>
+              </a:lnSpc>
+              <a:spcBef>
+                <a:spcPts val="360"/>
+              </a:spcBef>
+              <a:spcAft>
+                <a:spcPts val="0"/>
+              </a:spcAft>
+              <a:buClr>
+                <a:schemeClr val="dk1"/>
+              </a:buClr>
+              <a:buFont typeface="Arial"/>
+              <a:buNone/>
+            </a:pPr>
+            <a:r>
+              <a:t/>
             </a:r>
             <a:endParaRPr sz="1800">
               <a:solidFill>
@@ -24183,14 +23664,55 @@
           <a:p>
             <a:pPr indent="0" lvl="0" marL="0" marR="0" rtl="0" algn="l">
               <a:lnSpc>
-                <a:spcPct val="115000"/>
+                <a:spcPct val="100000"/>
               </a:lnSpc>
               <a:spcBef>
-                <a:spcPts val="0"/>
-              </a:spcBef>
-              <a:spcAft>
-                <a:spcPts val="0"/>
-              </a:spcAft>
+                <a:spcPts val="360"/>
+              </a:spcBef>
+              <a:spcAft>
+                <a:spcPts val="0"/>
+              </a:spcAft>
+              <a:buClr>
+                <a:schemeClr val="dk1"/>
+              </a:buClr>
+              <a:buFont typeface="Arial"/>
+              <a:buNone/>
+            </a:pPr>
+            <a:r>
+              <a:rPr b="0" i="0" lang="en-US" sz="1800" u="sng" cap="none" strike="noStrike">
+                <a:solidFill>
+                  <a:schemeClr val="hlink"/>
+                </a:solidFill>
+                <a:latin typeface="Arial"/>
+                <a:ea typeface="Arial"/>
+                <a:cs typeface="Arial"/>
+                <a:sym typeface="Arial"/>
+                <a:hlinkClick r:id="rId4"/>
+              </a:rPr>
+              <a:t>Stahl, F., Schomm, F., &amp; Vossen, G. (2014). The data marketplace survey revisited (No. 18). ERCIS Working Paper.</a:t>
+            </a:r>
+            <a:endParaRPr b="0" i="0" sz="1800" u="none" cap="none" strike="noStrike">
+              <a:solidFill>
+                <a:schemeClr val="dk1"/>
+              </a:solidFill>
+              <a:latin typeface="Arial"/>
+              <a:ea typeface="Arial"/>
+              <a:cs typeface="Arial"/>
+              <a:sym typeface="Arial"/>
+            </a:endParaRPr>
+          </a:p>
+          <a:p>
+            <a:pPr indent="0" lvl="0" marL="0" rtl="0" algn="l">
+              <a:spcBef>
+                <a:spcPts val="360"/>
+              </a:spcBef>
+              <a:spcAft>
+                <a:spcPts val="0"/>
+              </a:spcAft>
+              <a:buClr>
+                <a:schemeClr val="dk1"/>
+              </a:buClr>
+              <a:buFont typeface="Arial"/>
               <a:buNone/>
             </a:pPr>
             <a:r>
@@ -24203,25 +23725,27 @@
             </a:endParaRPr>
           </a:p>
           <a:p>
-            <a:pPr indent="0" lvl="0" marL="0" marR="0" rtl="0" algn="l">
-              <a:lnSpc>
-                <a:spcPct val="115000"/>
-              </a:lnSpc>
-              <a:spcBef>
-                <a:spcPts val="0"/>
-              </a:spcBef>
-              <a:spcAft>
-                <a:spcPts val="0"/>
-              </a:spcAft>
-              <a:buNone/>
-            </a:pPr>
-            <a:r>
-              <a:rPr lang="en-US" sz="1800">
-                <a:solidFill>
-                  <a:schemeClr val="dk1"/>
-                </a:solidFill>
-              </a:rPr>
-              <a:t>Some domains rely on diverse sources, while others are confined to specific types.</a:t>
+            <a:pPr indent="0" lvl="0" marL="0" rtl="0" algn="l">
+              <a:spcBef>
+                <a:spcPts val="360"/>
+              </a:spcBef>
+              <a:spcAft>
+                <a:spcPts val="0"/>
+              </a:spcAft>
+              <a:buClr>
+                <a:schemeClr val="dk1"/>
+              </a:buClr>
+              <a:buFont typeface="Arial"/>
+              <a:buNone/>
+            </a:pPr>
+            <a:r>
+              <a:rPr lang="en-US" sz="1800" u="sng">
+                <a:solidFill>
+                  <a:schemeClr val="hlink"/>
+                </a:solidFill>
+                <a:hlinkClick r:id="rId5"/>
+              </a:rPr>
+              <a:t>Stahl, F., Schomm, F., Vossen, G., &amp; Vomfell, L. (2016). A classification framework for data marketplaces. Vietnam Journal of Computer Science, 3, 137-143.</a:t>
             </a:r>
             <a:endParaRPr sz="1800">
               <a:solidFill>
@@ -24230,16 +23754,17 @@
             </a:endParaRPr>
           </a:p>
           <a:p>
-            <a:pPr indent="0" lvl="0" marL="0" marR="0" rtl="0" algn="l">
-              <a:lnSpc>
-                <a:spcPct val="115000"/>
-              </a:lnSpc>
-              <a:spcBef>
-                <a:spcPts val="0"/>
-              </a:spcBef>
-              <a:spcAft>
-                <a:spcPts val="0"/>
-              </a:spcAft>
+            <a:pPr indent="0" lvl="0" marL="0" rtl="0" algn="l">
+              <a:spcBef>
+                <a:spcPts val="360"/>
+              </a:spcBef>
+              <a:spcAft>
+                <a:spcPts val="0"/>
+              </a:spcAft>
+              <a:buClr>
+                <a:schemeClr val="dk1"/>
+              </a:buClr>
+              <a:buFont typeface="Arial"/>
               <a:buNone/>
             </a:pPr>
             <a:r>
@@ -24252,166 +23777,9 @@
             </a:endParaRPr>
           </a:p>
           <a:p>
-            <a:pPr indent="0" lvl="0" marL="0" marR="0" rtl="0" algn="l">
-              <a:lnSpc>
-                <a:spcPct val="115000"/>
-              </a:lnSpc>
-              <a:spcBef>
-                <a:spcPts val="0"/>
-              </a:spcBef>
-              <a:spcAft>
-                <a:spcPts val="0"/>
-              </a:spcAft>
-              <a:buNone/>
-            </a:pPr>
-            <a:r>
-              <a:rPr lang="en-US" sz="1800">
-                <a:solidFill>
-                  <a:schemeClr val="dk1"/>
-                </a:solidFill>
-              </a:rPr>
-              <a:t>Address Data is most commonly paired with self-generated sources, reflecting limited transparency in the sourcing process.</a:t>
-            </a:r>
-            <a:endParaRPr sz="1800">
-              <a:solidFill>
-                <a:schemeClr val="dk1"/>
-              </a:solidFill>
-            </a:endParaRPr>
-          </a:p>
-          <a:p>
-            <a:pPr indent="0" lvl="0" marL="0" marR="0" rtl="0" algn="l">
-              <a:lnSpc>
-                <a:spcPct val="115000"/>
-              </a:lnSpc>
-              <a:spcBef>
-                <a:spcPts val="0"/>
-              </a:spcBef>
-              <a:spcAft>
-                <a:spcPts val="0"/>
-              </a:spcAft>
-              <a:buNone/>
-            </a:pPr>
-            <a:r>
-              <a:t/>
-            </a:r>
-            <a:endParaRPr sz="1800">
-              <a:solidFill>
-                <a:schemeClr val="dk1"/>
-              </a:solidFill>
-            </a:endParaRPr>
-          </a:p>
-          <a:p>
-            <a:pPr indent="0" lvl="0" marL="0" marR="0" rtl="0" algn="l">
-              <a:lnSpc>
-                <a:spcPct val="115000"/>
-              </a:lnSpc>
-              <a:spcBef>
-                <a:spcPts val="0"/>
-              </a:spcBef>
-              <a:spcAft>
-                <a:spcPts val="0"/>
-              </a:spcAft>
-              <a:buNone/>
-            </a:pPr>
-            <a:r>
-              <a:rPr lang="en-US" sz="1800">
-                <a:solidFill>
-                  <a:schemeClr val="dk1"/>
-                </a:solidFill>
-              </a:rPr>
-              <a:t>Any data is predominantly obtained from communities, indicating minimal barriers to participation.</a:t>
-            </a:r>
-            <a:endParaRPr sz="1800">
-              <a:solidFill>
-                <a:schemeClr val="dk1"/>
-              </a:solidFill>
-            </a:endParaRPr>
-          </a:p>
-        </p:txBody>
-      </p:sp>
-      <p:pic>
-        <p:nvPicPr>
-          <p:cNvPr id="349" name="Google Shape;349;p53"/>
-          <p:cNvPicPr preferRelativeResize="0"/>
-          <p:nvPr/>
-        </p:nvPicPr>
-        <p:blipFill>
-          <a:blip r:embed="rId3">
-            <a:alphaModFix/>
-          </a:blip>
-          <a:stretch>
-            <a:fillRect/>
-          </a:stretch>
-        </p:blipFill>
-        <p:spPr>
-          <a:xfrm>
-            <a:off x="245975" y="4182450"/>
-            <a:ext cx="8652050" cy="2439925"/>
-          </a:xfrm>
-          <a:prstGeom prst="rect">
-            <a:avLst/>
-          </a:prstGeom>
-          <a:noFill/>
-          <a:ln>
-            <a:noFill/>
-          </a:ln>
-        </p:spPr>
-      </p:pic>
-    </p:spTree>
-  </p:cSld>
-  <p:clrMapOvr>
-    <a:masterClrMapping/>
-  </p:clrMapOvr>
-</p:sld>
-</file>
-
-<file path=ppt/slides/slide47.xml><?xml version="1.0" encoding="utf-8"?>
-<p:sld xmlns:a="http://schemas.openxmlformats.org/drawingml/2006/main" xmlns:r="http://schemas.openxmlformats.org/officeDocument/2006/relationships" xmlns:mc="http://schemas.openxmlformats.org/markup-compatibility/2006" xmlns:mv="urn:schemas-microsoft-com:mac:vml" xmlns:p="http://schemas.openxmlformats.org/presentationml/2006/main" xmlns:c="http://schemas.openxmlformats.org/drawingml/2006/chart" xmlns:dgm="http://schemas.openxmlformats.org/drawingml/2006/diagram" xmlns:o="urn:schemas-microsoft-com:office:office" xmlns:v="urn:schemas-microsoft-com:vml" xmlns:pvml="urn:schemas-microsoft-com:office:powerpoint" xmlns:com="http://schemas.openxmlformats.org/drawingml/2006/compatibility" xmlns:p14="http://schemas.microsoft.com/office/powerpoint/2010/main" xmlns:p15="http://schemas.microsoft.com/office/powerpoint/2012/main" xmlns:ahyp="http://schemas.microsoft.com/office/drawing/2018/hyperlinkcolor">
-  <p:cSld>
-    <p:spTree>
-      <p:nvGrpSpPr>
-        <p:cNvPr id="353" name="Shape 353"/>
-        <p:cNvGrpSpPr/>
-        <p:nvPr/>
-      </p:nvGrpSpPr>
-      <p:grpSpPr>
-        <a:xfrm>
-          <a:off x="0" y="0"/>
-          <a:ext cx="0" cy="0"/>
-          <a:chOff x="0" y="0"/>
-          <a:chExt cx="0" cy="0"/>
-        </a:xfrm>
-      </p:grpSpPr>
-      <p:sp>
-        <p:nvSpPr>
-          <p:cNvPr id="354" name="Google Shape;354;p54"/>
-          <p:cNvSpPr txBox="1"/>
-          <p:nvPr>
-            <p:ph type="title"/>
-          </p:nvPr>
-        </p:nvSpPr>
-        <p:spPr>
-          <a:xfrm>
-            <a:off x="457200" y="44450"/>
-            <a:ext cx="8229600" cy="647700"/>
-          </a:xfrm>
-          <a:prstGeom prst="rect">
-            <a:avLst/>
-          </a:prstGeom>
-          <a:noFill/>
-          <a:ln>
-            <a:noFill/>
-          </a:ln>
-        </p:spPr>
-        <p:txBody>
-          <a:bodyPr anchorCtr="0" anchor="t" bIns="45700" lIns="91425" spcFirstLastPara="1" rIns="91425" wrap="square" tIns="45700">
-            <a:noAutofit/>
-          </a:bodyPr>
-          <a:lstStyle/>
-          <a:p>
-            <a:pPr indent="0" lvl="0" marL="0" rtl="0" algn="ctr">
-              <a:spcBef>
-                <a:spcPts val="0"/>
+            <a:pPr indent="0" lvl="0" marL="0" rtl="0" algn="l">
+              <a:spcBef>
+                <a:spcPts val="360"/>
               </a:spcBef>
               <a:spcAft>
                 <a:spcPts val="0"/>
@@ -24423,966 +23791,13 @@
               <a:buNone/>
             </a:pPr>
             <a:r>
-              <a:rPr lang="en-US">
-                <a:solidFill>
-                  <a:schemeClr val="dk1"/>
-                </a:solidFill>
-              </a:rPr>
-              <a:t>Trends (1)</a:t>
-            </a:r>
-            <a:endParaRPr/>
-          </a:p>
-        </p:txBody>
-      </p:sp>
-      <p:sp>
-        <p:nvSpPr>
-          <p:cNvPr id="355" name="Google Shape;355;p54"/>
-          <p:cNvSpPr txBox="1"/>
-          <p:nvPr>
-            <p:ph idx="1" type="body"/>
-          </p:nvPr>
-        </p:nvSpPr>
-        <p:spPr>
-          <a:xfrm>
-            <a:off x="457200" y="981075"/>
-            <a:ext cx="8229600" cy="5145000"/>
-          </a:xfrm>
-          <a:prstGeom prst="rect">
-            <a:avLst/>
-          </a:prstGeom>
-          <a:noFill/>
-          <a:ln>
-            <a:noFill/>
-          </a:ln>
-        </p:spPr>
-        <p:txBody>
-          <a:bodyPr anchorCtr="0" anchor="t" bIns="45700" lIns="91425" spcFirstLastPara="1" rIns="91425" wrap="square" tIns="45700">
-            <a:noAutofit/>
-          </a:bodyPr>
-          <a:lstStyle/>
-          <a:p>
-            <a:pPr indent="0" lvl="0" marL="0" marR="0" rtl="0" algn="l">
-              <a:lnSpc>
-                <a:spcPct val="115000"/>
-              </a:lnSpc>
-              <a:spcBef>
-                <a:spcPts val="0"/>
-              </a:spcBef>
-              <a:spcAft>
-                <a:spcPts val="0"/>
-              </a:spcAft>
-              <a:buNone/>
-            </a:pPr>
-            <a:r>
-              <a:rPr lang="en-US" sz="2100">
-                <a:solidFill>
-                  <a:schemeClr val="dk1"/>
-                </a:solidFill>
-              </a:rPr>
-              <a:t>When looking at the results of the surveys over the course of the last three years, </a:t>
-            </a:r>
-            <a:r>
-              <a:rPr b="1" lang="en-US" sz="2100">
-                <a:solidFill>
-                  <a:schemeClr val="dk1"/>
-                </a:solidFill>
-              </a:rPr>
-              <a:t>five global trends</a:t>
-            </a:r>
-            <a:r>
-              <a:rPr lang="en-US" sz="2100">
-                <a:solidFill>
-                  <a:schemeClr val="dk1"/>
-                </a:solidFill>
-              </a:rPr>
-              <a:t> can be identified:</a:t>
-            </a:r>
-            <a:endParaRPr sz="2100">
-              <a:solidFill>
-                <a:schemeClr val="dk1"/>
-              </a:solidFill>
-            </a:endParaRPr>
-          </a:p>
-          <a:p>
-            <a:pPr indent="0" lvl="0" marL="0" marR="0" rtl="0" algn="l">
-              <a:lnSpc>
-                <a:spcPct val="115000"/>
-              </a:lnSpc>
-              <a:spcBef>
-                <a:spcPts val="0"/>
-              </a:spcBef>
-              <a:spcAft>
-                <a:spcPts val="0"/>
-              </a:spcAft>
-              <a:buNone/>
-            </a:pPr>
-            <a:r>
-              <a:t/>
-            </a:r>
-            <a:endParaRPr sz="2100">
-              <a:solidFill>
-                <a:schemeClr val="dk1"/>
-              </a:solidFill>
-            </a:endParaRPr>
-          </a:p>
-          <a:p>
-            <a:pPr indent="-349250" lvl="0" marL="457200" marR="0" rtl="0" algn="l">
-              <a:lnSpc>
-                <a:spcPct val="115000"/>
-              </a:lnSpc>
-              <a:spcBef>
-                <a:spcPts val="0"/>
-              </a:spcBef>
-              <a:spcAft>
-                <a:spcPts val="0"/>
-              </a:spcAft>
-              <a:buClr>
-                <a:schemeClr val="dk1"/>
-              </a:buClr>
-              <a:buSzPts val="1900"/>
-              <a:buChar char="▪"/>
-            </a:pPr>
-            <a:r>
-              <a:rPr lang="en-US" sz="1900">
-                <a:solidFill>
-                  <a:schemeClr val="dk1"/>
-                </a:solidFill>
-              </a:rPr>
-              <a:t>Some provider manifestations seem to make more sense than others do.</a:t>
-            </a:r>
-            <a:endParaRPr sz="1900">
-              <a:solidFill>
-                <a:schemeClr val="dk1"/>
-              </a:solidFill>
-            </a:endParaRPr>
-          </a:p>
-          <a:p>
-            <a:pPr indent="0" lvl="0" marL="457200" marR="0" rtl="0" algn="l">
-              <a:lnSpc>
-                <a:spcPct val="115000"/>
-              </a:lnSpc>
-              <a:spcBef>
-                <a:spcPts val="0"/>
-              </a:spcBef>
-              <a:spcAft>
-                <a:spcPts val="0"/>
-              </a:spcAft>
-              <a:buNone/>
-            </a:pPr>
-            <a:r>
-              <a:t/>
-            </a:r>
-            <a:endParaRPr sz="1900">
-              <a:solidFill>
-                <a:schemeClr val="dk1"/>
-              </a:solidFill>
-            </a:endParaRPr>
-          </a:p>
-          <a:p>
-            <a:pPr indent="0" lvl="0" marL="457200" marR="0" rtl="0" algn="l">
-              <a:lnSpc>
-                <a:spcPct val="115000"/>
-              </a:lnSpc>
-              <a:spcBef>
-                <a:spcPts val="0"/>
-              </a:spcBef>
-              <a:spcAft>
-                <a:spcPts val="0"/>
-              </a:spcAft>
-              <a:buNone/>
-            </a:pPr>
-            <a:r>
-              <a:rPr lang="en-US" sz="1900">
-                <a:solidFill>
-                  <a:schemeClr val="dk1"/>
-                </a:solidFill>
-              </a:rPr>
-              <a:t>Another common type is matching data services, which use user- and self-generated data to match addresses, geographical, and economic data. Generally, providers focus on only one category and limit themselves to only one domain and one data source. </a:t>
-            </a:r>
-            <a:endParaRPr sz="1900">
-              <a:solidFill>
-                <a:schemeClr val="dk1"/>
-              </a:solidFill>
-            </a:endParaRPr>
-          </a:p>
-          <a:p>
-            <a:pPr indent="0" lvl="0" marL="457200" marR="0" rtl="0" algn="l">
-              <a:lnSpc>
-                <a:spcPct val="115000"/>
-              </a:lnSpc>
-              <a:spcBef>
-                <a:spcPts val="0"/>
-              </a:spcBef>
-              <a:spcAft>
-                <a:spcPts val="0"/>
-              </a:spcAft>
-              <a:buNone/>
-            </a:pPr>
-            <a:r>
-              <a:t/>
-            </a:r>
-            <a:endParaRPr sz="1900">
-              <a:solidFill>
-                <a:schemeClr val="dk1"/>
-              </a:solidFill>
-            </a:endParaRPr>
-          </a:p>
-          <a:p>
-            <a:pPr indent="0" lvl="0" marL="457200" marR="0" rtl="0" algn="l">
-              <a:lnSpc>
-                <a:spcPct val="115000"/>
-              </a:lnSpc>
-              <a:spcBef>
-                <a:spcPts val="0"/>
-              </a:spcBef>
-              <a:spcAft>
-                <a:spcPts val="0"/>
-              </a:spcAft>
-              <a:buNone/>
-            </a:pPr>
-            <a:r>
-              <a:rPr lang="en-US" sz="1900">
-                <a:solidFill>
-                  <a:schemeClr val="dk1"/>
-                </a:solidFill>
-              </a:rPr>
-              <a:t>This indicates that providers split themselves into two groups: </a:t>
-            </a:r>
-            <a:endParaRPr sz="1900">
-              <a:solidFill>
-                <a:schemeClr val="dk1"/>
-              </a:solidFill>
-            </a:endParaRPr>
-          </a:p>
-          <a:p>
-            <a:pPr indent="-349250" lvl="0" marL="914400" marR="0" rtl="0" algn="l">
-              <a:lnSpc>
-                <a:spcPct val="115000"/>
-              </a:lnSpc>
-              <a:spcBef>
-                <a:spcPts val="0"/>
-              </a:spcBef>
-              <a:spcAft>
-                <a:spcPts val="0"/>
-              </a:spcAft>
-              <a:buClr>
-                <a:schemeClr val="dk1"/>
-              </a:buClr>
-              <a:buSzPts val="1900"/>
-              <a:buChar char="▪"/>
-            </a:pPr>
-            <a:r>
-              <a:rPr lang="en-US" sz="1900">
-                <a:solidFill>
-                  <a:schemeClr val="dk1"/>
-                </a:solidFill>
-              </a:rPr>
-              <a:t>Hierarchical (“vertical”) providers with only a single domain offering</a:t>
-            </a:r>
-            <a:endParaRPr sz="1900">
-              <a:solidFill>
-                <a:schemeClr val="dk1"/>
-              </a:solidFill>
-            </a:endParaRPr>
-          </a:p>
-          <a:p>
-            <a:pPr indent="-349250" lvl="0" marL="914400" marR="0" rtl="0" algn="l">
-              <a:lnSpc>
-                <a:spcPct val="115000"/>
-              </a:lnSpc>
-              <a:spcBef>
-                <a:spcPts val="0"/>
-              </a:spcBef>
-              <a:spcAft>
-                <a:spcPts val="0"/>
-              </a:spcAft>
-              <a:buClr>
-                <a:schemeClr val="dk1"/>
-              </a:buClr>
-              <a:buSzPts val="1900"/>
-              <a:buChar char="▪"/>
-            </a:pPr>
-            <a:r>
-              <a:rPr lang="en-US" sz="1900">
-                <a:solidFill>
-                  <a:schemeClr val="dk1"/>
-                </a:solidFill>
-              </a:rPr>
-              <a:t>Intermediate (“horizontal”) platforms, where unrestricted domain data can be acquired.</a:t>
-            </a:r>
-            <a:endParaRPr sz="1900">
-              <a:solidFill>
-                <a:schemeClr val="dk1"/>
-              </a:solidFill>
-            </a:endParaRPr>
-          </a:p>
-        </p:txBody>
-      </p:sp>
-    </p:spTree>
-  </p:cSld>
-  <p:clrMapOvr>
-    <a:masterClrMapping/>
-  </p:clrMapOvr>
-</p:sld>
-</file>
-
-<file path=ppt/slides/slide48.xml><?xml version="1.0" encoding="utf-8"?>
-<p:sld xmlns:a="http://schemas.openxmlformats.org/drawingml/2006/main" xmlns:r="http://schemas.openxmlformats.org/officeDocument/2006/relationships" xmlns:mc="http://schemas.openxmlformats.org/markup-compatibility/2006" xmlns:mv="urn:schemas-microsoft-com:mac:vml" xmlns:p="http://schemas.openxmlformats.org/presentationml/2006/main" xmlns:c="http://schemas.openxmlformats.org/drawingml/2006/chart" xmlns:dgm="http://schemas.openxmlformats.org/drawingml/2006/diagram" xmlns:o="urn:schemas-microsoft-com:office:office" xmlns:v="urn:schemas-microsoft-com:vml" xmlns:pvml="urn:schemas-microsoft-com:office:powerpoint" xmlns:com="http://schemas.openxmlformats.org/drawingml/2006/compatibility" xmlns:p14="http://schemas.microsoft.com/office/powerpoint/2010/main" xmlns:p15="http://schemas.microsoft.com/office/powerpoint/2012/main" xmlns:ahyp="http://schemas.microsoft.com/office/drawing/2018/hyperlinkcolor">
-  <p:cSld>
-    <p:spTree>
-      <p:nvGrpSpPr>
-        <p:cNvPr id="359" name="Shape 359"/>
-        <p:cNvGrpSpPr/>
-        <p:nvPr/>
-      </p:nvGrpSpPr>
-      <p:grpSpPr>
-        <a:xfrm>
-          <a:off x="0" y="0"/>
-          <a:ext cx="0" cy="0"/>
-          <a:chOff x="0" y="0"/>
-          <a:chExt cx="0" cy="0"/>
-        </a:xfrm>
-      </p:grpSpPr>
-      <p:sp>
-        <p:nvSpPr>
-          <p:cNvPr id="360" name="Google Shape;360;p55"/>
-          <p:cNvSpPr txBox="1"/>
-          <p:nvPr>
-            <p:ph type="title"/>
-          </p:nvPr>
-        </p:nvSpPr>
-        <p:spPr>
-          <a:xfrm>
-            <a:off x="457200" y="44450"/>
-            <a:ext cx="8229600" cy="647700"/>
-          </a:xfrm>
-          <a:prstGeom prst="rect">
-            <a:avLst/>
-          </a:prstGeom>
-          <a:noFill/>
-          <a:ln>
-            <a:noFill/>
-          </a:ln>
-        </p:spPr>
-        <p:txBody>
-          <a:bodyPr anchorCtr="0" anchor="t" bIns="45700" lIns="91425" spcFirstLastPara="1" rIns="91425" wrap="square" tIns="45700">
-            <a:noAutofit/>
-          </a:bodyPr>
-          <a:lstStyle/>
-          <a:p>
-            <a:pPr indent="0" lvl="0" marL="0" rtl="0" algn="ctr">
-              <a:spcBef>
-                <a:spcPts val="0"/>
-              </a:spcBef>
-              <a:spcAft>
-                <a:spcPts val="0"/>
-              </a:spcAft>
-              <a:buClr>
-                <a:schemeClr val="dk1"/>
-              </a:buClr>
-              <a:buFont typeface="Arial"/>
-              <a:buNone/>
-            </a:pPr>
-            <a:r>
-              <a:rPr lang="en-US">
-                <a:solidFill>
-                  <a:schemeClr val="dk1"/>
-                </a:solidFill>
-              </a:rPr>
-              <a:t>Trends (2)</a:t>
-            </a:r>
-            <a:endParaRPr/>
-          </a:p>
-        </p:txBody>
-      </p:sp>
-      <p:sp>
-        <p:nvSpPr>
-          <p:cNvPr id="361" name="Google Shape;361;p55"/>
-          <p:cNvSpPr txBox="1"/>
-          <p:nvPr>
-            <p:ph idx="1" type="body"/>
-          </p:nvPr>
-        </p:nvSpPr>
-        <p:spPr>
-          <a:xfrm>
-            <a:off x="457200" y="981075"/>
-            <a:ext cx="8229600" cy="5145000"/>
-          </a:xfrm>
-          <a:prstGeom prst="rect">
-            <a:avLst/>
-          </a:prstGeom>
-          <a:noFill/>
-          <a:ln>
-            <a:noFill/>
-          </a:ln>
-        </p:spPr>
-        <p:txBody>
-          <a:bodyPr anchorCtr="0" anchor="t" bIns="45700" lIns="91425" spcFirstLastPara="1" rIns="91425" wrap="square" tIns="45700">
-            <a:noAutofit/>
-          </a:bodyPr>
-          <a:lstStyle/>
-          <a:p>
-            <a:pPr indent="0" lvl="0" marL="0" marR="0" rtl="0" algn="l">
-              <a:lnSpc>
-                <a:spcPct val="115000"/>
-              </a:lnSpc>
-              <a:spcBef>
-                <a:spcPts val="0"/>
-              </a:spcBef>
-              <a:spcAft>
-                <a:spcPts val="0"/>
-              </a:spcAft>
-              <a:buNone/>
-            </a:pPr>
-            <a:r>
-              <a:rPr lang="en-US" sz="2100">
-                <a:solidFill>
-                  <a:schemeClr val="dk1"/>
-                </a:solidFill>
-              </a:rPr>
-              <a:t>When looking at the results of the surveys over the course of the last three years, </a:t>
-            </a:r>
-            <a:r>
-              <a:rPr b="1" lang="en-US" sz="2100">
-                <a:solidFill>
-                  <a:schemeClr val="dk1"/>
-                </a:solidFill>
-              </a:rPr>
-              <a:t>five global trends</a:t>
-            </a:r>
-            <a:r>
-              <a:rPr lang="en-US" sz="2100">
-                <a:solidFill>
-                  <a:schemeClr val="dk1"/>
-                </a:solidFill>
-              </a:rPr>
-              <a:t> can be identified:</a:t>
-            </a:r>
-            <a:endParaRPr sz="2100">
-              <a:solidFill>
-                <a:schemeClr val="dk1"/>
-              </a:solidFill>
-            </a:endParaRPr>
-          </a:p>
-          <a:p>
-            <a:pPr indent="0" lvl="0" marL="0" marR="0" rtl="0" algn="l">
-              <a:lnSpc>
-                <a:spcPct val="115000"/>
-              </a:lnSpc>
-              <a:spcBef>
-                <a:spcPts val="0"/>
-              </a:spcBef>
-              <a:spcAft>
-                <a:spcPts val="0"/>
-              </a:spcAft>
-              <a:buNone/>
-            </a:pPr>
-            <a:r>
-              <a:t/>
-            </a:r>
-            <a:endParaRPr sz="2100">
-              <a:solidFill>
-                <a:schemeClr val="dk1"/>
-              </a:solidFill>
-            </a:endParaRPr>
-          </a:p>
-          <a:p>
-            <a:pPr indent="-349250" lvl="0" marL="457200" marR="0" rtl="0" algn="l">
-              <a:lnSpc>
-                <a:spcPct val="115000"/>
-              </a:lnSpc>
-              <a:spcBef>
-                <a:spcPts val="0"/>
-              </a:spcBef>
-              <a:spcAft>
-                <a:spcPts val="0"/>
-              </a:spcAft>
-              <a:buClr>
-                <a:schemeClr val="dk1"/>
-              </a:buClr>
-              <a:buSzPts val="1900"/>
-              <a:buChar char="▪"/>
-            </a:pPr>
-            <a:r>
-              <a:rPr lang="en-US" sz="1900">
-                <a:solidFill>
-                  <a:schemeClr val="dk1"/>
-                </a:solidFill>
-              </a:rPr>
-              <a:t>There's an increase in the use of self-generated data, which highlights its growing significance in differentiating providers.</a:t>
-            </a:r>
-            <a:endParaRPr sz="1900">
-              <a:solidFill>
-                <a:schemeClr val="dk1"/>
-              </a:solidFill>
-            </a:endParaRPr>
-          </a:p>
-          <a:p>
-            <a:pPr indent="0" lvl="0" marL="457200" marR="0" rtl="0" algn="l">
-              <a:lnSpc>
-                <a:spcPct val="115000"/>
-              </a:lnSpc>
-              <a:spcBef>
-                <a:spcPts val="0"/>
-              </a:spcBef>
-              <a:spcAft>
-                <a:spcPts val="0"/>
-              </a:spcAft>
-              <a:buNone/>
-            </a:pPr>
-            <a:r>
-              <a:t/>
-            </a:r>
-            <a:endParaRPr sz="1900">
-              <a:solidFill>
-                <a:schemeClr val="dk1"/>
-              </a:solidFill>
-            </a:endParaRPr>
-          </a:p>
-          <a:p>
-            <a:pPr indent="0" lvl="0" marL="457200" marR="0" rtl="0" algn="l">
-              <a:lnSpc>
-                <a:spcPct val="115000"/>
-              </a:lnSpc>
-              <a:spcBef>
-                <a:spcPts val="0"/>
-              </a:spcBef>
-              <a:spcAft>
-                <a:spcPts val="0"/>
-              </a:spcAft>
-              <a:buNone/>
-            </a:pPr>
-            <a:r>
-              <a:rPr lang="en-US" sz="1900">
-                <a:solidFill>
-                  <a:schemeClr val="dk1"/>
-                </a:solidFill>
-              </a:rPr>
-              <a:t>Providers who specialize in a single domain tend to charge for their data rather than offering it for free, especially in the B2B market.</a:t>
-            </a:r>
-            <a:endParaRPr sz="1900">
-              <a:solidFill>
-                <a:schemeClr val="dk1"/>
-              </a:solidFill>
-            </a:endParaRPr>
-          </a:p>
-          <a:p>
-            <a:pPr indent="0" lvl="0" marL="457200" marR="0" rtl="0" algn="l">
-              <a:lnSpc>
-                <a:spcPct val="115000"/>
-              </a:lnSpc>
-              <a:spcBef>
-                <a:spcPts val="0"/>
-              </a:spcBef>
-              <a:spcAft>
-                <a:spcPts val="0"/>
-              </a:spcAft>
-              <a:buNone/>
-            </a:pPr>
-            <a:r>
-              <a:t/>
-            </a:r>
-            <a:endParaRPr sz="1900">
-              <a:solidFill>
-                <a:schemeClr val="dk1"/>
-              </a:solidFill>
-            </a:endParaRPr>
-          </a:p>
-          <a:p>
-            <a:pPr indent="0" lvl="0" marL="457200" marR="0" rtl="0" algn="l">
-              <a:lnSpc>
-                <a:spcPct val="115000"/>
-              </a:lnSpc>
-              <a:spcBef>
-                <a:spcPts val="0"/>
-              </a:spcBef>
-              <a:spcAft>
-                <a:spcPts val="0"/>
-              </a:spcAft>
-              <a:buNone/>
-            </a:pPr>
-            <a:r>
-              <a:rPr lang="en-US" sz="1900">
-                <a:solidFill>
-                  <a:schemeClr val="dk1"/>
-                </a:solidFill>
-              </a:rPr>
-              <a:t>In 2013, there was a notable rise in the use of self-generated, community, and user sources compared to Internet sources.</a:t>
-            </a:r>
-            <a:endParaRPr sz="1900">
-              <a:solidFill>
-                <a:schemeClr val="dk1"/>
-              </a:solidFill>
-            </a:endParaRPr>
-          </a:p>
-          <a:p>
-            <a:pPr indent="0" lvl="0" marL="457200" marR="0" rtl="0" algn="l">
-              <a:lnSpc>
-                <a:spcPct val="115000"/>
-              </a:lnSpc>
-              <a:spcBef>
-                <a:spcPts val="0"/>
-              </a:spcBef>
-              <a:spcAft>
-                <a:spcPts val="0"/>
-              </a:spcAft>
-              <a:buNone/>
-            </a:pPr>
-            <a:r>
-              <a:rPr lang="en-US" sz="1900">
-                <a:solidFill>
-                  <a:schemeClr val="dk1"/>
-                </a:solidFill>
-              </a:rPr>
-              <a:t>This trend suggests providers are moving away from reselling publicly available data and focusing on unique, individualized data sources to stand out in the market.</a:t>
-            </a:r>
-            <a:endParaRPr sz="1900">
-              <a:solidFill>
-                <a:schemeClr val="dk1"/>
-              </a:solidFill>
-            </a:endParaRPr>
-          </a:p>
-        </p:txBody>
-      </p:sp>
-    </p:spTree>
-  </p:cSld>
-  <p:clrMapOvr>
-    <a:masterClrMapping/>
-  </p:clrMapOvr>
-</p:sld>
-</file>
-
-<file path=ppt/slides/slide49.xml><?xml version="1.0" encoding="utf-8"?>
-<p:sld xmlns:a="http://schemas.openxmlformats.org/drawingml/2006/main" xmlns:r="http://schemas.openxmlformats.org/officeDocument/2006/relationships" xmlns:mc="http://schemas.openxmlformats.org/markup-compatibility/2006" xmlns:mv="urn:schemas-microsoft-com:mac:vml" xmlns:p="http://schemas.openxmlformats.org/presentationml/2006/main" xmlns:c="http://schemas.openxmlformats.org/drawingml/2006/chart" xmlns:dgm="http://schemas.openxmlformats.org/drawingml/2006/diagram" xmlns:o="urn:schemas-microsoft-com:office:office" xmlns:v="urn:schemas-microsoft-com:vml" xmlns:pvml="urn:schemas-microsoft-com:office:powerpoint" xmlns:com="http://schemas.openxmlformats.org/drawingml/2006/compatibility" xmlns:p14="http://schemas.microsoft.com/office/powerpoint/2010/main" xmlns:p15="http://schemas.microsoft.com/office/powerpoint/2012/main" xmlns:ahyp="http://schemas.microsoft.com/office/drawing/2018/hyperlinkcolor">
-  <p:cSld>
-    <p:spTree>
-      <p:nvGrpSpPr>
-        <p:cNvPr id="365" name="Shape 365"/>
-        <p:cNvGrpSpPr/>
-        <p:nvPr/>
-      </p:nvGrpSpPr>
-      <p:grpSpPr>
-        <a:xfrm>
-          <a:off x="0" y="0"/>
-          <a:ext cx="0" cy="0"/>
-          <a:chOff x="0" y="0"/>
-          <a:chExt cx="0" cy="0"/>
-        </a:xfrm>
-      </p:grpSpPr>
-      <p:sp>
-        <p:nvSpPr>
-          <p:cNvPr id="366" name="Google Shape;366;p56"/>
-          <p:cNvSpPr txBox="1"/>
-          <p:nvPr>
-            <p:ph type="title"/>
-          </p:nvPr>
-        </p:nvSpPr>
-        <p:spPr>
-          <a:xfrm>
-            <a:off x="457200" y="44450"/>
-            <a:ext cx="8229600" cy="647700"/>
-          </a:xfrm>
-          <a:prstGeom prst="rect">
-            <a:avLst/>
-          </a:prstGeom>
-          <a:noFill/>
-          <a:ln>
-            <a:noFill/>
-          </a:ln>
-        </p:spPr>
-        <p:txBody>
-          <a:bodyPr anchorCtr="0" anchor="t" bIns="45700" lIns="91425" spcFirstLastPara="1" rIns="91425" wrap="square" tIns="45700">
-            <a:noAutofit/>
-          </a:bodyPr>
-          <a:lstStyle/>
-          <a:p>
-            <a:pPr indent="0" lvl="0" marL="0" rtl="0" algn="ctr">
-              <a:spcBef>
-                <a:spcPts val="0"/>
-              </a:spcBef>
-              <a:spcAft>
-                <a:spcPts val="0"/>
-              </a:spcAft>
-              <a:buClr>
-                <a:schemeClr val="dk1"/>
-              </a:buClr>
-              <a:buFont typeface="Arial"/>
-              <a:buNone/>
-            </a:pPr>
-            <a:r>
-              <a:rPr lang="en-US">
-                <a:solidFill>
-                  <a:schemeClr val="dk1"/>
-                </a:solidFill>
-              </a:rPr>
-              <a:t>Trends (3)</a:t>
-            </a:r>
-            <a:endParaRPr/>
-          </a:p>
-        </p:txBody>
-      </p:sp>
-      <p:sp>
-        <p:nvSpPr>
-          <p:cNvPr id="367" name="Google Shape;367;p56"/>
-          <p:cNvSpPr txBox="1"/>
-          <p:nvPr>
-            <p:ph idx="1" type="body"/>
-          </p:nvPr>
-        </p:nvSpPr>
-        <p:spPr>
-          <a:xfrm>
-            <a:off x="457200" y="981075"/>
-            <a:ext cx="8229600" cy="5145000"/>
-          </a:xfrm>
-          <a:prstGeom prst="rect">
-            <a:avLst/>
-          </a:prstGeom>
-          <a:noFill/>
-          <a:ln>
-            <a:noFill/>
-          </a:ln>
-        </p:spPr>
-        <p:txBody>
-          <a:bodyPr anchorCtr="0" anchor="t" bIns="45700" lIns="91425" spcFirstLastPara="1" rIns="91425" wrap="square" tIns="45700">
-            <a:noAutofit/>
-          </a:bodyPr>
-          <a:lstStyle/>
-          <a:p>
-            <a:pPr indent="0" lvl="0" marL="0" marR="0" rtl="0" algn="l">
-              <a:lnSpc>
-                <a:spcPct val="115000"/>
-              </a:lnSpc>
-              <a:spcBef>
-                <a:spcPts val="0"/>
-              </a:spcBef>
-              <a:spcAft>
-                <a:spcPts val="0"/>
-              </a:spcAft>
-              <a:buNone/>
-            </a:pPr>
-            <a:r>
-              <a:rPr lang="en-US" sz="2100">
-                <a:solidFill>
-                  <a:schemeClr val="dk1"/>
-                </a:solidFill>
-              </a:rPr>
-              <a:t>When looking at the results of the surveys over the course of the last three years, </a:t>
-            </a:r>
-            <a:r>
-              <a:rPr b="1" lang="en-US" sz="2100">
-                <a:solidFill>
-                  <a:schemeClr val="dk1"/>
-                </a:solidFill>
-              </a:rPr>
-              <a:t>five global trends</a:t>
-            </a:r>
-            <a:r>
-              <a:rPr lang="en-US" sz="2100">
-                <a:solidFill>
-                  <a:schemeClr val="dk1"/>
-                </a:solidFill>
-              </a:rPr>
-              <a:t> can be identified:</a:t>
-            </a:r>
-            <a:endParaRPr sz="2100">
-              <a:solidFill>
-                <a:schemeClr val="dk1"/>
-              </a:solidFill>
-            </a:endParaRPr>
-          </a:p>
-          <a:p>
-            <a:pPr indent="0" lvl="0" marL="0" marR="0" rtl="0" algn="l">
-              <a:lnSpc>
-                <a:spcPct val="115000"/>
-              </a:lnSpc>
-              <a:spcBef>
-                <a:spcPts val="0"/>
-              </a:spcBef>
-              <a:spcAft>
-                <a:spcPts val="0"/>
-              </a:spcAft>
-              <a:buNone/>
-            </a:pPr>
-            <a:r>
-              <a:t/>
-            </a:r>
-            <a:endParaRPr sz="2100">
-              <a:solidFill>
-                <a:schemeClr val="dk1"/>
-              </a:solidFill>
-            </a:endParaRPr>
-          </a:p>
-          <a:p>
-            <a:pPr indent="-342900" lvl="0" marL="457200" marR="0" rtl="0" algn="l">
-              <a:lnSpc>
-                <a:spcPct val="115000"/>
-              </a:lnSpc>
-              <a:spcBef>
-                <a:spcPts val="0"/>
-              </a:spcBef>
-              <a:spcAft>
-                <a:spcPts val="0"/>
-              </a:spcAft>
-              <a:buClr>
-                <a:schemeClr val="dk1"/>
-              </a:buClr>
-              <a:buSzPts val="1800"/>
-              <a:buChar char="▪"/>
-            </a:pPr>
-            <a:r>
-              <a:rPr lang="en-US" sz="1800">
-                <a:solidFill>
-                  <a:schemeClr val="dk1"/>
-                </a:solidFill>
-              </a:rPr>
-              <a:t>Flat rates have gained significant traction over pay-per-use models, which were previously seen as equal in earlier surveys. Providers prefer flat rates for their steady revenue stream, often combined with freemium models to minimize uncertainty and capitalize on lock-in effects.</a:t>
-            </a:r>
-            <a:endParaRPr sz="1800">
-              <a:solidFill>
-                <a:schemeClr val="dk1"/>
-              </a:solidFill>
-            </a:endParaRPr>
-          </a:p>
-          <a:p>
-            <a:pPr indent="0" lvl="0" marL="457200" marR="0" rtl="0" algn="l">
-              <a:lnSpc>
-                <a:spcPct val="115000"/>
-              </a:lnSpc>
-              <a:spcBef>
-                <a:spcPts val="0"/>
-              </a:spcBef>
-              <a:spcAft>
-                <a:spcPts val="0"/>
-              </a:spcAft>
-              <a:buNone/>
-            </a:pPr>
-            <a:r>
-              <a:t/>
-            </a:r>
-            <a:endParaRPr sz="1800">
-              <a:solidFill>
-                <a:schemeClr val="dk1"/>
-              </a:solidFill>
-            </a:endParaRPr>
-          </a:p>
-          <a:p>
-            <a:pPr indent="0" lvl="0" marL="457200" marR="0" rtl="0" algn="l">
-              <a:lnSpc>
-                <a:spcPct val="115000"/>
-              </a:lnSpc>
-              <a:spcBef>
-                <a:spcPts val="0"/>
-              </a:spcBef>
-              <a:spcAft>
-                <a:spcPts val="0"/>
-              </a:spcAft>
-              <a:buNone/>
-            </a:pPr>
-            <a:r>
-              <a:rPr lang="en-US" sz="1800">
-                <a:solidFill>
-                  <a:schemeClr val="dk1"/>
-                </a:solidFill>
-              </a:rPr>
-              <a:t>Pay-per-use models have not yet reached the sophistication needed to prevent exploitation, which may deter both providers and customers.</a:t>
-            </a:r>
-            <a:endParaRPr sz="1800">
-              <a:solidFill>
-                <a:schemeClr val="dk1"/>
-              </a:solidFill>
-            </a:endParaRPr>
-          </a:p>
-          <a:p>
-            <a:pPr indent="0" lvl="0" marL="457200" marR="0" rtl="0" algn="l">
-              <a:lnSpc>
-                <a:spcPct val="115000"/>
-              </a:lnSpc>
-              <a:spcBef>
-                <a:spcPts val="0"/>
-              </a:spcBef>
-              <a:spcAft>
-                <a:spcPts val="0"/>
-              </a:spcAft>
-              <a:buNone/>
-            </a:pPr>
-            <a:r>
-              <a:t/>
-            </a:r>
-            <a:endParaRPr sz="1800">
-              <a:solidFill>
-                <a:schemeClr val="dk1"/>
-              </a:solidFill>
-            </a:endParaRPr>
-          </a:p>
-          <a:p>
-            <a:pPr indent="0" lvl="0" marL="457200" marR="0" rtl="0" algn="l">
-              <a:lnSpc>
-                <a:spcPct val="115000"/>
-              </a:lnSpc>
-              <a:spcBef>
-                <a:spcPts val="0"/>
-              </a:spcBef>
-              <a:spcAft>
-                <a:spcPts val="0"/>
-              </a:spcAft>
-              <a:buNone/>
-            </a:pPr>
-            <a:r>
-              <a:rPr lang="en-US" sz="1800">
-                <a:solidFill>
-                  <a:schemeClr val="dk1"/>
-                </a:solidFill>
-              </a:rPr>
-              <a:t>Customers favor simpler pricing models and dislike granular ones that limit flexible data exploration. </a:t>
-            </a:r>
-            <a:endParaRPr sz="1800">
-              <a:solidFill>
-                <a:schemeClr val="dk1"/>
-              </a:solidFill>
-            </a:endParaRPr>
-          </a:p>
-          <a:p>
-            <a:pPr indent="0" lvl="0" marL="457200" marR="0" rtl="0" algn="l">
-              <a:lnSpc>
-                <a:spcPct val="115000"/>
-              </a:lnSpc>
-              <a:spcBef>
-                <a:spcPts val="0"/>
-              </a:spcBef>
-              <a:spcAft>
-                <a:spcPts val="0"/>
-              </a:spcAft>
-              <a:buNone/>
-            </a:pPr>
-            <a:r>
-              <a:t/>
-            </a:r>
-            <a:endParaRPr sz="1800">
-              <a:solidFill>
-                <a:schemeClr val="dk1"/>
-              </a:solidFill>
-            </a:endParaRPr>
-          </a:p>
-          <a:p>
-            <a:pPr indent="0" lvl="0" marL="457200" marR="0" rtl="0" algn="l">
-              <a:lnSpc>
-                <a:spcPct val="115000"/>
-              </a:lnSpc>
-              <a:spcBef>
-                <a:spcPts val="0"/>
-              </a:spcBef>
-              <a:spcAft>
-                <a:spcPts val="0"/>
-              </a:spcAft>
-              <a:buNone/>
-            </a:pPr>
-            <a:r>
-              <a:rPr lang="en-US" sz="1800">
-                <a:solidFill>
-                  <a:schemeClr val="dk1"/>
-                </a:solidFill>
-              </a:rPr>
-              <a:t>The success of subscription-based models in sectors like entertainment (e.g., Netflix, Spotify) suggests that flat-rate models will continue to dominate in data-related services as well.</a:t>
+              <a:rPr lang="en-US" sz="1800" u="sng">
+                <a:solidFill>
+                  <a:schemeClr val="hlink"/>
+                </a:solidFill>
+                <a:hlinkClick r:id="rId6"/>
+              </a:rPr>
+              <a:t>Stahl, F., Schomm, F., Vomfell, L., &amp; Vossen, G. (2015). Marketplaces for digital data: Quo vadis? (No. 24). ERCIS Working Paper.</a:t>
             </a:r>
             <a:endParaRPr sz="1800">
               <a:solidFill>
@@ -25683,1559 +24098,6 @@
 </p:sld>
 </file>
 
-<file path=ppt/slides/slide50.xml><?xml version="1.0" encoding="utf-8"?>
-<p:sld xmlns:a="http://schemas.openxmlformats.org/drawingml/2006/main" xmlns:r="http://schemas.openxmlformats.org/officeDocument/2006/relationships" xmlns:mc="http://schemas.openxmlformats.org/markup-compatibility/2006" xmlns:mv="urn:schemas-microsoft-com:mac:vml" xmlns:p="http://schemas.openxmlformats.org/presentationml/2006/main" xmlns:c="http://schemas.openxmlformats.org/drawingml/2006/chart" xmlns:dgm="http://schemas.openxmlformats.org/drawingml/2006/diagram" xmlns:o="urn:schemas-microsoft-com:office:office" xmlns:v="urn:schemas-microsoft-com:vml" xmlns:pvml="urn:schemas-microsoft-com:office:powerpoint" xmlns:com="http://schemas.openxmlformats.org/drawingml/2006/compatibility" xmlns:p14="http://schemas.microsoft.com/office/powerpoint/2010/main" xmlns:p15="http://schemas.microsoft.com/office/powerpoint/2012/main" xmlns:ahyp="http://schemas.microsoft.com/office/drawing/2018/hyperlinkcolor">
-  <p:cSld>
-    <p:spTree>
-      <p:nvGrpSpPr>
-        <p:cNvPr id="371" name="Shape 371"/>
-        <p:cNvGrpSpPr/>
-        <p:nvPr/>
-      </p:nvGrpSpPr>
-      <p:grpSpPr>
-        <a:xfrm>
-          <a:off x="0" y="0"/>
-          <a:ext cx="0" cy="0"/>
-          <a:chOff x="0" y="0"/>
-          <a:chExt cx="0" cy="0"/>
-        </a:xfrm>
-      </p:grpSpPr>
-      <p:sp>
-        <p:nvSpPr>
-          <p:cNvPr id="372" name="Google Shape;372;p57"/>
-          <p:cNvSpPr txBox="1"/>
-          <p:nvPr>
-            <p:ph type="title"/>
-          </p:nvPr>
-        </p:nvSpPr>
-        <p:spPr>
-          <a:xfrm>
-            <a:off x="457200" y="44450"/>
-            <a:ext cx="8229600" cy="647700"/>
-          </a:xfrm>
-          <a:prstGeom prst="rect">
-            <a:avLst/>
-          </a:prstGeom>
-          <a:noFill/>
-          <a:ln>
-            <a:noFill/>
-          </a:ln>
-        </p:spPr>
-        <p:txBody>
-          <a:bodyPr anchorCtr="0" anchor="t" bIns="45700" lIns="91425" spcFirstLastPara="1" rIns="91425" wrap="square" tIns="45700">
-            <a:noAutofit/>
-          </a:bodyPr>
-          <a:lstStyle/>
-          <a:p>
-            <a:pPr indent="0" lvl="0" marL="0" rtl="0" algn="ctr">
-              <a:spcBef>
-                <a:spcPts val="0"/>
-              </a:spcBef>
-              <a:spcAft>
-                <a:spcPts val="0"/>
-              </a:spcAft>
-              <a:buClr>
-                <a:schemeClr val="dk1"/>
-              </a:buClr>
-              <a:buFont typeface="Arial"/>
-              <a:buNone/>
-            </a:pPr>
-            <a:r>
-              <a:rPr lang="en-US">
-                <a:solidFill>
-                  <a:schemeClr val="dk1"/>
-                </a:solidFill>
-              </a:rPr>
-              <a:t>Trends (4)</a:t>
-            </a:r>
-            <a:endParaRPr/>
-          </a:p>
-        </p:txBody>
-      </p:sp>
-      <p:sp>
-        <p:nvSpPr>
-          <p:cNvPr id="373" name="Google Shape;373;p57"/>
-          <p:cNvSpPr txBox="1"/>
-          <p:nvPr>
-            <p:ph idx="1" type="body"/>
-          </p:nvPr>
-        </p:nvSpPr>
-        <p:spPr>
-          <a:xfrm>
-            <a:off x="457200" y="981075"/>
-            <a:ext cx="8229600" cy="5145000"/>
-          </a:xfrm>
-          <a:prstGeom prst="rect">
-            <a:avLst/>
-          </a:prstGeom>
-          <a:noFill/>
-          <a:ln>
-            <a:noFill/>
-          </a:ln>
-        </p:spPr>
-        <p:txBody>
-          <a:bodyPr anchorCtr="0" anchor="t" bIns="45700" lIns="91425" spcFirstLastPara="1" rIns="91425" wrap="square" tIns="45700">
-            <a:noAutofit/>
-          </a:bodyPr>
-          <a:lstStyle/>
-          <a:p>
-            <a:pPr indent="0" lvl="0" marL="0" marR="0" rtl="0" algn="l">
-              <a:lnSpc>
-                <a:spcPct val="115000"/>
-              </a:lnSpc>
-              <a:spcBef>
-                <a:spcPts val="0"/>
-              </a:spcBef>
-              <a:spcAft>
-                <a:spcPts val="0"/>
-              </a:spcAft>
-              <a:buNone/>
-            </a:pPr>
-            <a:r>
-              <a:rPr lang="en-US" sz="2100">
-                <a:solidFill>
-                  <a:schemeClr val="dk1"/>
-                </a:solidFill>
-              </a:rPr>
-              <a:t>When looking at the results of the surveys over the course of the last three years, </a:t>
-            </a:r>
-            <a:r>
-              <a:rPr b="1" lang="en-US" sz="2100">
-                <a:solidFill>
-                  <a:schemeClr val="dk1"/>
-                </a:solidFill>
-              </a:rPr>
-              <a:t>five global trends</a:t>
-            </a:r>
-            <a:r>
-              <a:rPr lang="en-US" sz="2100">
-                <a:solidFill>
-                  <a:schemeClr val="dk1"/>
-                </a:solidFill>
-              </a:rPr>
-              <a:t> can be identified:</a:t>
-            </a:r>
-            <a:endParaRPr sz="2100">
-              <a:solidFill>
-                <a:schemeClr val="dk1"/>
-              </a:solidFill>
-            </a:endParaRPr>
-          </a:p>
-          <a:p>
-            <a:pPr indent="0" lvl="0" marL="0" marR="0" rtl="0" algn="l">
-              <a:lnSpc>
-                <a:spcPct val="115000"/>
-              </a:lnSpc>
-              <a:spcBef>
-                <a:spcPts val="0"/>
-              </a:spcBef>
-              <a:spcAft>
-                <a:spcPts val="0"/>
-              </a:spcAft>
-              <a:buNone/>
-            </a:pPr>
-            <a:r>
-              <a:t/>
-            </a:r>
-            <a:endParaRPr sz="2100">
-              <a:solidFill>
-                <a:schemeClr val="dk1"/>
-              </a:solidFill>
-            </a:endParaRPr>
-          </a:p>
-          <a:p>
-            <a:pPr indent="-349250" lvl="0" marL="457200" marR="0" rtl="0" algn="l">
-              <a:lnSpc>
-                <a:spcPct val="115000"/>
-              </a:lnSpc>
-              <a:spcBef>
-                <a:spcPts val="0"/>
-              </a:spcBef>
-              <a:spcAft>
-                <a:spcPts val="0"/>
-              </a:spcAft>
-              <a:buClr>
-                <a:schemeClr val="dk1"/>
-              </a:buClr>
-              <a:buSzPts val="1900"/>
-              <a:buChar char="▪"/>
-            </a:pPr>
-            <a:r>
-              <a:rPr lang="en-US" sz="1900">
-                <a:solidFill>
-                  <a:schemeClr val="dk1"/>
-                </a:solidFill>
-              </a:rPr>
-              <a:t>The data market is still largely dominated by hierarchical ("vertical") relationships, where providers control specific data offerings.</a:t>
-            </a:r>
-            <a:endParaRPr sz="1900">
-              <a:solidFill>
-                <a:schemeClr val="dk1"/>
-              </a:solidFill>
-            </a:endParaRPr>
-          </a:p>
-          <a:p>
-            <a:pPr indent="0" lvl="0" marL="457200" marR="0" rtl="0" algn="l">
-              <a:lnSpc>
-                <a:spcPct val="115000"/>
-              </a:lnSpc>
-              <a:spcBef>
-                <a:spcPts val="0"/>
-              </a:spcBef>
-              <a:spcAft>
-                <a:spcPts val="0"/>
-              </a:spcAft>
-              <a:buNone/>
-            </a:pPr>
-            <a:r>
-              <a:t/>
-            </a:r>
-            <a:endParaRPr sz="1900">
-              <a:solidFill>
-                <a:schemeClr val="dk1"/>
-              </a:solidFill>
-            </a:endParaRPr>
-          </a:p>
-          <a:p>
-            <a:pPr indent="0" lvl="0" marL="457200" marR="0" rtl="0" algn="l">
-              <a:lnSpc>
-                <a:spcPct val="115000"/>
-              </a:lnSpc>
-              <a:spcBef>
-                <a:spcPts val="0"/>
-              </a:spcBef>
-              <a:spcAft>
-                <a:spcPts val="0"/>
-              </a:spcAft>
-              <a:buNone/>
-            </a:pPr>
-            <a:r>
-              <a:rPr lang="en-US" sz="1900">
-                <a:solidFill>
-                  <a:schemeClr val="dk1"/>
-                </a:solidFill>
-              </a:rPr>
-              <a:t>The market shows a low number of intermediaries, indicating that its efficiency is still limited.</a:t>
-            </a:r>
-            <a:endParaRPr sz="1900">
-              <a:solidFill>
-                <a:schemeClr val="dk1"/>
-              </a:solidFill>
-            </a:endParaRPr>
-          </a:p>
-          <a:p>
-            <a:pPr indent="0" lvl="0" marL="457200" marR="0" rtl="0" algn="l">
-              <a:lnSpc>
-                <a:spcPct val="115000"/>
-              </a:lnSpc>
-              <a:spcBef>
-                <a:spcPts val="0"/>
-              </a:spcBef>
-              <a:spcAft>
-                <a:spcPts val="0"/>
-              </a:spcAft>
-              <a:buNone/>
-            </a:pPr>
-            <a:r>
-              <a:t/>
-            </a:r>
-            <a:endParaRPr sz="1900">
-              <a:solidFill>
-                <a:schemeClr val="dk1"/>
-              </a:solidFill>
-            </a:endParaRPr>
-          </a:p>
-          <a:p>
-            <a:pPr indent="0" lvl="0" marL="457200" marR="0" rtl="0" algn="l">
-              <a:lnSpc>
-                <a:spcPct val="115000"/>
-              </a:lnSpc>
-              <a:spcBef>
-                <a:spcPts val="0"/>
-              </a:spcBef>
-              <a:spcAft>
-                <a:spcPts val="0"/>
-              </a:spcAft>
-              <a:buNone/>
-            </a:pPr>
-            <a:r>
-              <a:rPr lang="en-US" sz="1900">
-                <a:solidFill>
-                  <a:schemeClr val="dk1"/>
-                </a:solidFill>
-              </a:rPr>
-              <a:t>Data products remain highly differentiated, suggesting that there is a lack of standardization and significant variation in offerings.</a:t>
-            </a:r>
-            <a:endParaRPr sz="1900">
-              <a:solidFill>
-                <a:schemeClr val="dk1"/>
-              </a:solidFill>
-            </a:endParaRPr>
-          </a:p>
-        </p:txBody>
-      </p:sp>
-    </p:spTree>
-  </p:cSld>
-  <p:clrMapOvr>
-    <a:masterClrMapping/>
-  </p:clrMapOvr>
-</p:sld>
-</file>
-
-<file path=ppt/slides/slide51.xml><?xml version="1.0" encoding="utf-8"?>
-<p:sld xmlns:a="http://schemas.openxmlformats.org/drawingml/2006/main" xmlns:r="http://schemas.openxmlformats.org/officeDocument/2006/relationships" xmlns:mc="http://schemas.openxmlformats.org/markup-compatibility/2006" xmlns:mv="urn:schemas-microsoft-com:mac:vml" xmlns:p="http://schemas.openxmlformats.org/presentationml/2006/main" xmlns:c="http://schemas.openxmlformats.org/drawingml/2006/chart" xmlns:dgm="http://schemas.openxmlformats.org/drawingml/2006/diagram" xmlns:o="urn:schemas-microsoft-com:office:office" xmlns:v="urn:schemas-microsoft-com:vml" xmlns:pvml="urn:schemas-microsoft-com:office:powerpoint" xmlns:com="http://schemas.openxmlformats.org/drawingml/2006/compatibility" xmlns:p14="http://schemas.microsoft.com/office/powerpoint/2010/main" xmlns:p15="http://schemas.microsoft.com/office/powerpoint/2012/main" xmlns:ahyp="http://schemas.microsoft.com/office/drawing/2018/hyperlinkcolor">
-  <p:cSld>
-    <p:spTree>
-      <p:nvGrpSpPr>
-        <p:cNvPr id="377" name="Shape 377"/>
-        <p:cNvGrpSpPr/>
-        <p:nvPr/>
-      </p:nvGrpSpPr>
-      <p:grpSpPr>
-        <a:xfrm>
-          <a:off x="0" y="0"/>
-          <a:ext cx="0" cy="0"/>
-          <a:chOff x="0" y="0"/>
-          <a:chExt cx="0" cy="0"/>
-        </a:xfrm>
-      </p:grpSpPr>
-      <p:sp>
-        <p:nvSpPr>
-          <p:cNvPr id="378" name="Google Shape;378;p58"/>
-          <p:cNvSpPr txBox="1"/>
-          <p:nvPr>
-            <p:ph type="title"/>
-          </p:nvPr>
-        </p:nvSpPr>
-        <p:spPr>
-          <a:xfrm>
-            <a:off x="457200" y="44450"/>
-            <a:ext cx="8229600" cy="647700"/>
-          </a:xfrm>
-          <a:prstGeom prst="rect">
-            <a:avLst/>
-          </a:prstGeom>
-          <a:noFill/>
-          <a:ln>
-            <a:noFill/>
-          </a:ln>
-        </p:spPr>
-        <p:txBody>
-          <a:bodyPr anchorCtr="0" anchor="t" bIns="45700" lIns="91425" spcFirstLastPara="1" rIns="91425" wrap="square" tIns="45700">
-            <a:noAutofit/>
-          </a:bodyPr>
-          <a:lstStyle/>
-          <a:p>
-            <a:pPr indent="0" lvl="0" marL="0" rtl="0" algn="ctr">
-              <a:spcBef>
-                <a:spcPts val="0"/>
-              </a:spcBef>
-              <a:spcAft>
-                <a:spcPts val="0"/>
-              </a:spcAft>
-              <a:buClr>
-                <a:schemeClr val="dk1"/>
-              </a:buClr>
-              <a:buFont typeface="Arial"/>
-              <a:buNone/>
-            </a:pPr>
-            <a:r>
-              <a:rPr lang="en-US">
-                <a:solidFill>
-                  <a:schemeClr val="dk1"/>
-                </a:solidFill>
-              </a:rPr>
-              <a:t>Trends (5)</a:t>
-            </a:r>
-            <a:endParaRPr/>
-          </a:p>
-        </p:txBody>
-      </p:sp>
-      <p:sp>
-        <p:nvSpPr>
-          <p:cNvPr id="379" name="Google Shape;379;p58"/>
-          <p:cNvSpPr txBox="1"/>
-          <p:nvPr>
-            <p:ph idx="1" type="body"/>
-          </p:nvPr>
-        </p:nvSpPr>
-        <p:spPr>
-          <a:xfrm>
-            <a:off x="457200" y="981075"/>
-            <a:ext cx="8229600" cy="5145000"/>
-          </a:xfrm>
-          <a:prstGeom prst="rect">
-            <a:avLst/>
-          </a:prstGeom>
-          <a:noFill/>
-          <a:ln>
-            <a:noFill/>
-          </a:ln>
-        </p:spPr>
-        <p:txBody>
-          <a:bodyPr anchorCtr="0" anchor="t" bIns="45700" lIns="91425" spcFirstLastPara="1" rIns="91425" wrap="square" tIns="45700">
-            <a:noAutofit/>
-          </a:bodyPr>
-          <a:lstStyle/>
-          <a:p>
-            <a:pPr indent="0" lvl="0" marL="0" marR="0" rtl="0" algn="l">
-              <a:lnSpc>
-                <a:spcPct val="115000"/>
-              </a:lnSpc>
-              <a:spcBef>
-                <a:spcPts val="0"/>
-              </a:spcBef>
-              <a:spcAft>
-                <a:spcPts val="0"/>
-              </a:spcAft>
-              <a:buNone/>
-            </a:pPr>
-            <a:r>
-              <a:rPr lang="en-US" sz="2100">
-                <a:solidFill>
-                  <a:schemeClr val="dk1"/>
-                </a:solidFill>
-              </a:rPr>
-              <a:t>When looking at the results of the surveys over the course of the last three years, </a:t>
-            </a:r>
-            <a:r>
-              <a:rPr b="1" lang="en-US" sz="2100">
-                <a:solidFill>
-                  <a:schemeClr val="dk1"/>
-                </a:solidFill>
-              </a:rPr>
-              <a:t>five global trends</a:t>
-            </a:r>
-            <a:r>
-              <a:rPr lang="en-US" sz="2100">
-                <a:solidFill>
-                  <a:schemeClr val="dk1"/>
-                </a:solidFill>
-              </a:rPr>
-              <a:t> can be identified:</a:t>
-            </a:r>
-            <a:endParaRPr sz="2100">
-              <a:solidFill>
-                <a:schemeClr val="dk1"/>
-              </a:solidFill>
-            </a:endParaRPr>
-          </a:p>
-          <a:p>
-            <a:pPr indent="0" lvl="0" marL="0" marR="0" rtl="0" algn="l">
-              <a:lnSpc>
-                <a:spcPct val="115000"/>
-              </a:lnSpc>
-              <a:spcBef>
-                <a:spcPts val="0"/>
-              </a:spcBef>
-              <a:spcAft>
-                <a:spcPts val="0"/>
-              </a:spcAft>
-              <a:buNone/>
-            </a:pPr>
-            <a:r>
-              <a:t/>
-            </a:r>
-            <a:endParaRPr sz="2100">
-              <a:solidFill>
-                <a:schemeClr val="dk1"/>
-              </a:solidFill>
-            </a:endParaRPr>
-          </a:p>
-          <a:p>
-            <a:pPr indent="-349250" lvl="0" marL="457200" marR="0" rtl="0" algn="l">
-              <a:lnSpc>
-                <a:spcPct val="115000"/>
-              </a:lnSpc>
-              <a:spcBef>
-                <a:spcPts val="0"/>
-              </a:spcBef>
-              <a:spcAft>
-                <a:spcPts val="0"/>
-              </a:spcAft>
-              <a:buClr>
-                <a:schemeClr val="dk1"/>
-              </a:buClr>
-              <a:buSzPts val="1900"/>
-              <a:buChar char="▪"/>
-            </a:pPr>
-            <a:r>
-              <a:rPr lang="en-US" sz="1900">
-                <a:solidFill>
-                  <a:schemeClr val="dk1"/>
-                </a:solidFill>
-              </a:rPr>
-              <a:t>Over recent years, the data access landscape has shifted from APIs to Web exchange formats like JSON and XML, with CSV data formats surpassing others this year. There could be two possible explanations:</a:t>
-            </a:r>
-            <a:endParaRPr sz="1900">
-              <a:solidFill>
-                <a:schemeClr val="dk1"/>
-              </a:solidFill>
-            </a:endParaRPr>
-          </a:p>
-          <a:p>
-            <a:pPr indent="-349250" lvl="0" marL="914400" marR="0" rtl="0" algn="l">
-              <a:lnSpc>
-                <a:spcPct val="115000"/>
-              </a:lnSpc>
-              <a:spcBef>
-                <a:spcPts val="0"/>
-              </a:spcBef>
-              <a:spcAft>
-                <a:spcPts val="0"/>
-              </a:spcAft>
-              <a:buClr>
-                <a:schemeClr val="dk1"/>
-              </a:buClr>
-              <a:buSzPts val="1900"/>
-              <a:buChar char="-"/>
-            </a:pPr>
-            <a:r>
-              <a:rPr lang="en-US" sz="1900">
-                <a:solidFill>
-                  <a:schemeClr val="dk1"/>
-                </a:solidFill>
-              </a:rPr>
-              <a:t>Processed Data: the rise in report formats might indicate a focus on offering more processed data.</a:t>
-            </a:r>
-            <a:endParaRPr sz="1900">
-              <a:solidFill>
-                <a:schemeClr val="dk1"/>
-              </a:solidFill>
-            </a:endParaRPr>
-          </a:p>
-          <a:p>
-            <a:pPr indent="-349250" lvl="0" marL="914400" marR="0" rtl="0" algn="l">
-              <a:lnSpc>
-                <a:spcPct val="115000"/>
-              </a:lnSpc>
-              <a:spcBef>
-                <a:spcPts val="0"/>
-              </a:spcBef>
-              <a:spcAft>
-                <a:spcPts val="0"/>
-              </a:spcAft>
-              <a:buClr>
-                <a:schemeClr val="dk1"/>
-              </a:buClr>
-              <a:buSzPts val="1900"/>
-              <a:buChar char="-"/>
-            </a:pPr>
-            <a:r>
-              <a:rPr lang="en-US" sz="1900">
-                <a:solidFill>
-                  <a:schemeClr val="dk1"/>
-                </a:solidFill>
-              </a:rPr>
-              <a:t>Non-Technical User Accessibility: alternatively, the prevalence of raw data vendors could suggest a trend toward making data more accessible to non-technical users.</a:t>
-            </a:r>
-            <a:endParaRPr sz="1900">
-              <a:solidFill>
-                <a:schemeClr val="dk1"/>
-              </a:solidFill>
-            </a:endParaRPr>
-          </a:p>
-          <a:p>
-            <a:pPr indent="0" lvl="0" marL="457200" marR="0" rtl="0" algn="l">
-              <a:lnSpc>
-                <a:spcPct val="115000"/>
-              </a:lnSpc>
-              <a:spcBef>
-                <a:spcPts val="0"/>
-              </a:spcBef>
-              <a:spcAft>
-                <a:spcPts val="0"/>
-              </a:spcAft>
-              <a:buNone/>
-            </a:pPr>
-            <a:r>
-              <a:t/>
-            </a:r>
-            <a:endParaRPr sz="1900">
-              <a:solidFill>
-                <a:schemeClr val="dk1"/>
-              </a:solidFill>
-            </a:endParaRPr>
-          </a:p>
-          <a:p>
-            <a:pPr indent="0" lvl="0" marL="457200" marR="0" rtl="0" algn="l">
-              <a:lnSpc>
-                <a:spcPct val="115000"/>
-              </a:lnSpc>
-              <a:spcBef>
-                <a:spcPts val="0"/>
-              </a:spcBef>
-              <a:spcAft>
-                <a:spcPts val="0"/>
-              </a:spcAft>
-              <a:buNone/>
-            </a:pPr>
-            <a:r>
-              <a:rPr lang="en-US" sz="1900">
-                <a:solidFill>
-                  <a:schemeClr val="dk1"/>
-                </a:solidFill>
-              </a:rPr>
-              <a:t>The data market seems to be moving towards mainstream adoption, targeting non-technical businesses and users, with many providers offering multiple access options, though focusing on standard formats like reports or CSV to reduce complexity.</a:t>
-            </a:r>
-            <a:endParaRPr sz="1900">
-              <a:solidFill>
-                <a:schemeClr val="dk1"/>
-              </a:solidFill>
-            </a:endParaRPr>
-          </a:p>
-        </p:txBody>
-      </p:sp>
-    </p:spTree>
-  </p:cSld>
-  <p:clrMapOvr>
-    <a:masterClrMapping/>
-  </p:clrMapOvr>
-</p:sld>
-</file>
-
-<file path=ppt/slides/slide52.xml><?xml version="1.0" encoding="utf-8"?>
-<p:sld xmlns:a="http://schemas.openxmlformats.org/drawingml/2006/main" xmlns:r="http://schemas.openxmlformats.org/officeDocument/2006/relationships" xmlns:mc="http://schemas.openxmlformats.org/markup-compatibility/2006" xmlns:mv="urn:schemas-microsoft-com:mac:vml" xmlns:p="http://schemas.openxmlformats.org/presentationml/2006/main" xmlns:c="http://schemas.openxmlformats.org/drawingml/2006/chart" xmlns:dgm="http://schemas.openxmlformats.org/drawingml/2006/diagram" xmlns:o="urn:schemas-microsoft-com:office:office" xmlns:v="urn:schemas-microsoft-com:vml" xmlns:pvml="urn:schemas-microsoft-com:office:powerpoint" xmlns:com="http://schemas.openxmlformats.org/drawingml/2006/compatibility" xmlns:p14="http://schemas.microsoft.com/office/powerpoint/2010/main" xmlns:p15="http://schemas.microsoft.com/office/powerpoint/2012/main" xmlns:ahyp="http://schemas.microsoft.com/office/drawing/2018/hyperlinkcolor">
-  <p:cSld>
-    <p:spTree>
-      <p:nvGrpSpPr>
-        <p:cNvPr id="383" name="Shape 383"/>
-        <p:cNvGrpSpPr/>
-        <p:nvPr/>
-      </p:nvGrpSpPr>
-      <p:grpSpPr>
-        <a:xfrm>
-          <a:off x="0" y="0"/>
-          <a:ext cx="0" cy="0"/>
-          <a:chOff x="0" y="0"/>
-          <a:chExt cx="0" cy="0"/>
-        </a:xfrm>
-      </p:grpSpPr>
-      <p:sp>
-        <p:nvSpPr>
-          <p:cNvPr id="384" name="Google Shape;384;p59"/>
-          <p:cNvSpPr txBox="1"/>
-          <p:nvPr>
-            <p:ph type="title"/>
-          </p:nvPr>
-        </p:nvSpPr>
-        <p:spPr>
-          <a:xfrm>
-            <a:off x="457200" y="44450"/>
-            <a:ext cx="8229600" cy="647700"/>
-          </a:xfrm>
-          <a:prstGeom prst="rect">
-            <a:avLst/>
-          </a:prstGeom>
-          <a:noFill/>
-          <a:ln>
-            <a:noFill/>
-          </a:ln>
-        </p:spPr>
-        <p:txBody>
-          <a:bodyPr anchorCtr="0" anchor="t" bIns="45700" lIns="91425" spcFirstLastPara="1" rIns="91425" wrap="square" tIns="45700">
-            <a:noAutofit/>
-          </a:bodyPr>
-          <a:lstStyle/>
-          <a:p>
-            <a:pPr indent="0" lvl="0" marL="0" rtl="0" algn="ctr">
-              <a:spcBef>
-                <a:spcPts val="0"/>
-              </a:spcBef>
-              <a:spcAft>
-                <a:spcPts val="0"/>
-              </a:spcAft>
-              <a:buClr>
-                <a:schemeClr val="dk1"/>
-              </a:buClr>
-              <a:buFont typeface="Arial"/>
-              <a:buNone/>
-            </a:pPr>
-            <a:r>
-              <a:rPr lang="en-US">
-                <a:solidFill>
-                  <a:schemeClr val="dk1"/>
-                </a:solidFill>
-              </a:rPr>
-              <a:t>Conclusions</a:t>
-            </a:r>
-            <a:endParaRPr/>
-          </a:p>
-        </p:txBody>
-      </p:sp>
-      <p:sp>
-        <p:nvSpPr>
-          <p:cNvPr id="385" name="Google Shape;385;p59"/>
-          <p:cNvSpPr txBox="1"/>
-          <p:nvPr>
-            <p:ph idx="1" type="body"/>
-          </p:nvPr>
-        </p:nvSpPr>
-        <p:spPr>
-          <a:xfrm>
-            <a:off x="457200" y="981075"/>
-            <a:ext cx="8229600" cy="5145000"/>
-          </a:xfrm>
-          <a:prstGeom prst="rect">
-            <a:avLst/>
-          </a:prstGeom>
-          <a:noFill/>
-          <a:ln>
-            <a:noFill/>
-          </a:ln>
-        </p:spPr>
-        <p:txBody>
-          <a:bodyPr anchorCtr="0" anchor="t" bIns="45700" lIns="91425" spcFirstLastPara="1" rIns="91425" wrap="square" tIns="45700">
-            <a:noAutofit/>
-          </a:bodyPr>
-          <a:lstStyle/>
-          <a:p>
-            <a:pPr indent="0" lvl="0" marL="0" marR="0" rtl="0" algn="l">
-              <a:lnSpc>
-                <a:spcPct val="115000"/>
-              </a:lnSpc>
-              <a:spcBef>
-                <a:spcPts val="0"/>
-              </a:spcBef>
-              <a:spcAft>
-                <a:spcPts val="0"/>
-              </a:spcAft>
-              <a:buNone/>
-            </a:pPr>
-            <a:r>
-              <a:rPr lang="en-US" sz="1900">
-                <a:solidFill>
-                  <a:schemeClr val="dk1"/>
-                </a:solidFill>
-              </a:rPr>
-              <a:t>The evolution of the data market over time presents a notable shift in the </a:t>
-            </a:r>
-            <a:r>
-              <a:rPr b="1" lang="en-US" sz="1900">
-                <a:solidFill>
-                  <a:schemeClr val="dk1"/>
-                </a:solidFill>
-              </a:rPr>
-              <a:t>size and composition of its providers</a:t>
-            </a:r>
-            <a:r>
-              <a:rPr lang="en-US" sz="1900">
-                <a:solidFill>
-                  <a:schemeClr val="dk1"/>
-                </a:solidFill>
-              </a:rPr>
-              <a:t>. Initially, the market was dominated by large, established companies, often from the software and hardware industries. These companies had the resources to overcome high entry barriers, quickly securing a significant market share. </a:t>
-            </a:r>
-            <a:endParaRPr sz="1900">
-              <a:solidFill>
-                <a:schemeClr val="dk1"/>
-              </a:solidFill>
-            </a:endParaRPr>
-          </a:p>
-          <a:p>
-            <a:pPr indent="0" lvl="0" marL="0" marR="0" rtl="0" algn="l">
-              <a:lnSpc>
-                <a:spcPct val="115000"/>
-              </a:lnSpc>
-              <a:spcBef>
-                <a:spcPts val="0"/>
-              </a:spcBef>
-              <a:spcAft>
-                <a:spcPts val="0"/>
-              </a:spcAft>
-              <a:buNone/>
-            </a:pPr>
-            <a:r>
-              <a:t/>
-            </a:r>
-            <a:endParaRPr sz="1900">
-              <a:solidFill>
-                <a:schemeClr val="dk1"/>
-              </a:solidFill>
-            </a:endParaRPr>
-          </a:p>
-          <a:p>
-            <a:pPr indent="0" lvl="0" marL="0" marR="0" rtl="0" algn="l">
-              <a:lnSpc>
-                <a:spcPct val="115000"/>
-              </a:lnSpc>
-              <a:spcBef>
-                <a:spcPts val="0"/>
-              </a:spcBef>
-              <a:spcAft>
-                <a:spcPts val="0"/>
-              </a:spcAft>
-              <a:buNone/>
-            </a:pPr>
-            <a:r>
-              <a:rPr lang="en-US" sz="1900">
-                <a:solidFill>
-                  <a:schemeClr val="dk1"/>
-                </a:solidFill>
-              </a:rPr>
-              <a:t>However, as the market matured, these entry barriers began to lower, allowing new players, particularly startups, to enter and establish themselves. This shift has been reflected in the survey data, which now includes a significant number of startups, highlighting the increasing diversity in the market.</a:t>
-            </a:r>
-            <a:endParaRPr sz="1900">
-              <a:solidFill>
-                <a:schemeClr val="dk1"/>
-              </a:solidFill>
-            </a:endParaRPr>
-          </a:p>
-          <a:p>
-            <a:pPr indent="0" lvl="0" marL="0" marR="0" rtl="0" algn="l">
-              <a:lnSpc>
-                <a:spcPct val="115000"/>
-              </a:lnSpc>
-              <a:spcBef>
-                <a:spcPts val="0"/>
-              </a:spcBef>
-              <a:spcAft>
-                <a:spcPts val="0"/>
-              </a:spcAft>
-              <a:buNone/>
-            </a:pPr>
-            <a:r>
-              <a:t/>
-            </a:r>
-            <a:endParaRPr sz="1900">
-              <a:solidFill>
-                <a:schemeClr val="dk1"/>
-              </a:solidFill>
-            </a:endParaRPr>
-          </a:p>
-          <a:p>
-            <a:pPr indent="0" lvl="0" marL="0" marR="0" rtl="0" algn="l">
-              <a:lnSpc>
-                <a:spcPct val="115000"/>
-              </a:lnSpc>
-              <a:spcBef>
-                <a:spcPts val="0"/>
-              </a:spcBef>
-              <a:spcAft>
-                <a:spcPts val="0"/>
-              </a:spcAft>
-              <a:buNone/>
-            </a:pPr>
-            <a:r>
-              <a:rPr lang="en-US" sz="1900">
-                <a:solidFill>
-                  <a:schemeClr val="dk1"/>
-                </a:solidFill>
-              </a:rPr>
-              <a:t>The growing presence of startups doesn’t contradict the overall trend of a maturing market. In fact, their emergence suggests that the data market has become more stable and established, with intermediaries now playing a central role in data trading. </a:t>
-            </a:r>
-            <a:endParaRPr sz="1900">
-              <a:solidFill>
-                <a:schemeClr val="dk1"/>
-              </a:solidFill>
-            </a:endParaRPr>
-          </a:p>
-        </p:txBody>
-      </p:sp>
-    </p:spTree>
-  </p:cSld>
-  <p:clrMapOvr>
-    <a:masterClrMapping/>
-  </p:clrMapOvr>
-</p:sld>
-</file>
-
-<file path=ppt/slides/slide53.xml><?xml version="1.0" encoding="utf-8"?>
-<p:sld xmlns:a="http://schemas.openxmlformats.org/drawingml/2006/main" xmlns:r="http://schemas.openxmlformats.org/officeDocument/2006/relationships" xmlns:mc="http://schemas.openxmlformats.org/markup-compatibility/2006" xmlns:mv="urn:schemas-microsoft-com:mac:vml" xmlns:p="http://schemas.openxmlformats.org/presentationml/2006/main" xmlns:c="http://schemas.openxmlformats.org/drawingml/2006/chart" xmlns:dgm="http://schemas.openxmlformats.org/drawingml/2006/diagram" xmlns:o="urn:schemas-microsoft-com:office:office" xmlns:v="urn:schemas-microsoft-com:vml" xmlns:pvml="urn:schemas-microsoft-com:office:powerpoint" xmlns:com="http://schemas.openxmlformats.org/drawingml/2006/compatibility" xmlns:p14="http://schemas.microsoft.com/office/powerpoint/2010/main" xmlns:p15="http://schemas.microsoft.com/office/powerpoint/2012/main" xmlns:ahyp="http://schemas.microsoft.com/office/drawing/2018/hyperlinkcolor">
-  <p:cSld>
-    <p:spTree>
-      <p:nvGrpSpPr>
-        <p:cNvPr id="389" name="Shape 389"/>
-        <p:cNvGrpSpPr/>
-        <p:nvPr/>
-      </p:nvGrpSpPr>
-      <p:grpSpPr>
-        <a:xfrm>
-          <a:off x="0" y="0"/>
-          <a:ext cx="0" cy="0"/>
-          <a:chOff x="0" y="0"/>
-          <a:chExt cx="0" cy="0"/>
-        </a:xfrm>
-      </p:grpSpPr>
-      <p:sp>
-        <p:nvSpPr>
-          <p:cNvPr id="390" name="Google Shape;390;p60"/>
-          <p:cNvSpPr txBox="1"/>
-          <p:nvPr>
-            <p:ph type="title"/>
-          </p:nvPr>
-        </p:nvSpPr>
-        <p:spPr>
-          <a:xfrm>
-            <a:off x="457200" y="44450"/>
-            <a:ext cx="8229600" cy="647700"/>
-          </a:xfrm>
-          <a:prstGeom prst="rect">
-            <a:avLst/>
-          </a:prstGeom>
-          <a:noFill/>
-          <a:ln>
-            <a:noFill/>
-          </a:ln>
-        </p:spPr>
-        <p:txBody>
-          <a:bodyPr anchorCtr="0" anchor="t" bIns="45700" lIns="91425" spcFirstLastPara="1" rIns="91425" wrap="square" tIns="45700">
-            <a:noAutofit/>
-          </a:bodyPr>
-          <a:lstStyle/>
-          <a:p>
-            <a:pPr indent="0" lvl="0" marL="0" rtl="0" algn="ctr">
-              <a:spcBef>
-                <a:spcPts val="0"/>
-              </a:spcBef>
-              <a:spcAft>
-                <a:spcPts val="0"/>
-              </a:spcAft>
-              <a:buClr>
-                <a:schemeClr val="dk1"/>
-              </a:buClr>
-              <a:buFont typeface="Arial"/>
-              <a:buNone/>
-            </a:pPr>
-            <a:r>
-              <a:rPr lang="en-US">
-                <a:solidFill>
-                  <a:schemeClr val="dk1"/>
-                </a:solidFill>
-              </a:rPr>
-              <a:t>Conclusions</a:t>
-            </a:r>
-            <a:endParaRPr/>
-          </a:p>
-        </p:txBody>
-      </p:sp>
-      <p:sp>
-        <p:nvSpPr>
-          <p:cNvPr id="391" name="Google Shape;391;p60"/>
-          <p:cNvSpPr txBox="1"/>
-          <p:nvPr>
-            <p:ph idx="1" type="body"/>
-          </p:nvPr>
-        </p:nvSpPr>
-        <p:spPr>
-          <a:xfrm>
-            <a:off x="457200" y="904875"/>
-            <a:ext cx="8229600" cy="5145000"/>
-          </a:xfrm>
-          <a:prstGeom prst="rect">
-            <a:avLst/>
-          </a:prstGeom>
-          <a:noFill/>
-          <a:ln>
-            <a:noFill/>
-          </a:ln>
-        </p:spPr>
-        <p:txBody>
-          <a:bodyPr anchorCtr="0" anchor="t" bIns="45700" lIns="91425" spcFirstLastPara="1" rIns="91425" wrap="square" tIns="45700">
-            <a:noAutofit/>
-          </a:bodyPr>
-          <a:lstStyle/>
-          <a:p>
-            <a:pPr indent="0" lvl="0" marL="0" marR="0" rtl="0" algn="l">
-              <a:lnSpc>
-                <a:spcPct val="115000"/>
-              </a:lnSpc>
-              <a:spcBef>
-                <a:spcPts val="0"/>
-              </a:spcBef>
-              <a:spcAft>
-                <a:spcPts val="0"/>
-              </a:spcAft>
-              <a:buNone/>
-            </a:pPr>
-            <a:r>
-              <a:rPr lang="en-US" sz="1800">
-                <a:solidFill>
-                  <a:schemeClr val="dk1"/>
-                </a:solidFill>
-              </a:rPr>
-              <a:t>In addition to this shift, the concept of </a:t>
-            </a:r>
-            <a:r>
-              <a:rPr b="1" lang="en-US" sz="1800">
-                <a:solidFill>
-                  <a:schemeClr val="dk1"/>
-                </a:solidFill>
-              </a:rPr>
-              <a:t>data commoditization</a:t>
-            </a:r>
-            <a:r>
-              <a:rPr lang="en-US" sz="1800">
-                <a:solidFill>
-                  <a:schemeClr val="dk1"/>
-                </a:solidFill>
-              </a:rPr>
-              <a:t> comes into play, especially when considering the two groups of data consumers: those seeking </a:t>
-            </a:r>
-            <a:r>
-              <a:rPr b="1" lang="en-US" sz="1800">
-                <a:solidFill>
-                  <a:schemeClr val="dk1"/>
-                </a:solidFill>
-              </a:rPr>
-              <a:t>highly specific</a:t>
-            </a:r>
-            <a:r>
-              <a:rPr lang="en-US" sz="1800">
-                <a:solidFill>
-                  <a:schemeClr val="dk1"/>
-                </a:solidFill>
-              </a:rPr>
-              <a:t>, </a:t>
-            </a:r>
-            <a:r>
-              <a:rPr b="1" lang="en-US" sz="1800">
-                <a:solidFill>
-                  <a:schemeClr val="dk1"/>
-                </a:solidFill>
-              </a:rPr>
-              <a:t>individualized</a:t>
-            </a:r>
-            <a:r>
-              <a:rPr lang="en-US" sz="1800">
-                <a:solidFill>
-                  <a:schemeClr val="dk1"/>
-                </a:solidFill>
-              </a:rPr>
-              <a:t> </a:t>
-            </a:r>
-            <a:r>
-              <a:rPr b="1" lang="en-US" sz="1800">
-                <a:solidFill>
-                  <a:schemeClr val="dk1"/>
-                </a:solidFill>
-              </a:rPr>
-              <a:t>data</a:t>
-            </a:r>
-            <a:r>
-              <a:rPr lang="en-US" sz="1800">
-                <a:solidFill>
-                  <a:schemeClr val="dk1"/>
-                </a:solidFill>
-              </a:rPr>
-              <a:t>, and those requiring </a:t>
-            </a:r>
-            <a:r>
-              <a:rPr b="1" lang="en-US" sz="1800">
-                <a:solidFill>
-                  <a:schemeClr val="dk1"/>
-                </a:solidFill>
-              </a:rPr>
-              <a:t>data of consistent quality</a:t>
-            </a:r>
-            <a:r>
-              <a:rPr lang="en-US" sz="1800">
-                <a:solidFill>
-                  <a:schemeClr val="dk1"/>
-                </a:solidFill>
-              </a:rPr>
-              <a:t>. </a:t>
-            </a:r>
-            <a:endParaRPr sz="1800">
-              <a:solidFill>
-                <a:schemeClr val="dk1"/>
-              </a:solidFill>
-            </a:endParaRPr>
-          </a:p>
-          <a:p>
-            <a:pPr indent="0" lvl="0" marL="0" marR="0" rtl="0" algn="l">
-              <a:lnSpc>
-                <a:spcPct val="115000"/>
-              </a:lnSpc>
-              <a:spcBef>
-                <a:spcPts val="0"/>
-              </a:spcBef>
-              <a:spcAft>
-                <a:spcPts val="0"/>
-              </a:spcAft>
-              <a:buNone/>
-            </a:pPr>
-            <a:r>
-              <a:t/>
-            </a:r>
-            <a:endParaRPr sz="1800">
-              <a:solidFill>
-                <a:schemeClr val="dk1"/>
-              </a:solidFill>
-            </a:endParaRPr>
-          </a:p>
-          <a:p>
-            <a:pPr indent="0" lvl="0" marL="0" marR="0" rtl="0" algn="l">
-              <a:lnSpc>
-                <a:spcPct val="115000"/>
-              </a:lnSpc>
-              <a:spcBef>
-                <a:spcPts val="0"/>
-              </a:spcBef>
-              <a:spcAft>
-                <a:spcPts val="0"/>
-              </a:spcAft>
-              <a:buNone/>
-            </a:pPr>
-            <a:r>
-              <a:rPr lang="en-US" sz="1800">
-                <a:solidFill>
-                  <a:schemeClr val="dk1"/>
-                </a:solidFill>
-              </a:rPr>
-              <a:t>For the former group, commoditization may not be desirable, as highly specialized data is unlikely to follow a standardization path. </a:t>
-            </a:r>
-            <a:endParaRPr sz="1800">
-              <a:solidFill>
-                <a:schemeClr val="dk1"/>
-              </a:solidFill>
-            </a:endParaRPr>
-          </a:p>
-          <a:p>
-            <a:pPr indent="0" lvl="0" marL="0" marR="0" rtl="0" algn="l">
-              <a:lnSpc>
-                <a:spcPct val="115000"/>
-              </a:lnSpc>
-              <a:spcBef>
-                <a:spcPts val="0"/>
-              </a:spcBef>
-              <a:spcAft>
-                <a:spcPts val="0"/>
-              </a:spcAft>
-              <a:buNone/>
-            </a:pPr>
-            <a:r>
-              <a:rPr lang="en-US" sz="1800">
-                <a:solidFill>
-                  <a:schemeClr val="dk1"/>
-                </a:solidFill>
-              </a:rPr>
-              <a:t>On the other hand, for the latter group, data that is more standardized and consistent would be more conducive to commoditization, likely increasing its exchange on marketplaces. </a:t>
-            </a:r>
-            <a:endParaRPr sz="1800">
-              <a:solidFill>
-                <a:schemeClr val="dk1"/>
-              </a:solidFill>
-            </a:endParaRPr>
-          </a:p>
-          <a:p>
-            <a:pPr indent="0" lvl="0" marL="0" marR="0" rtl="0" algn="l">
-              <a:lnSpc>
-                <a:spcPct val="115000"/>
-              </a:lnSpc>
-              <a:spcBef>
-                <a:spcPts val="0"/>
-              </a:spcBef>
-              <a:spcAft>
-                <a:spcPts val="0"/>
-              </a:spcAft>
-              <a:buNone/>
-            </a:pPr>
-            <a:r>
-              <a:t/>
-            </a:r>
-            <a:endParaRPr sz="1800">
-              <a:solidFill>
-                <a:schemeClr val="dk1"/>
-              </a:solidFill>
-            </a:endParaRPr>
-          </a:p>
-          <a:p>
-            <a:pPr indent="0" lvl="0" marL="0" marR="0" rtl="0" algn="l">
-              <a:lnSpc>
-                <a:spcPct val="115000"/>
-              </a:lnSpc>
-              <a:spcBef>
-                <a:spcPts val="0"/>
-              </a:spcBef>
-              <a:spcAft>
-                <a:spcPts val="0"/>
-              </a:spcAft>
-              <a:buNone/>
-            </a:pPr>
-            <a:r>
-              <a:rPr lang="en-US" sz="1800">
-                <a:solidFill>
-                  <a:schemeClr val="dk1"/>
-                </a:solidFill>
-              </a:rPr>
-              <a:t>This could lead to a more competitive market for standardized data, further driving down implementation costs and increasing accessibility.</a:t>
-            </a:r>
-            <a:endParaRPr sz="1800">
-              <a:solidFill>
-                <a:schemeClr val="dk1"/>
-              </a:solidFill>
-            </a:endParaRPr>
-          </a:p>
-          <a:p>
-            <a:pPr indent="0" lvl="0" marL="0" marR="0" rtl="0" algn="l">
-              <a:lnSpc>
-                <a:spcPct val="115000"/>
-              </a:lnSpc>
-              <a:spcBef>
-                <a:spcPts val="0"/>
-              </a:spcBef>
-              <a:spcAft>
-                <a:spcPts val="0"/>
-              </a:spcAft>
-              <a:buNone/>
-            </a:pPr>
-            <a:r>
-              <a:t/>
-            </a:r>
-            <a:endParaRPr sz="1800">
-              <a:solidFill>
-                <a:schemeClr val="dk1"/>
-              </a:solidFill>
-            </a:endParaRPr>
-          </a:p>
-          <a:p>
-            <a:pPr indent="0" lvl="0" marL="0" marR="0" rtl="0" algn="l">
-              <a:lnSpc>
-                <a:spcPct val="115000"/>
-              </a:lnSpc>
-              <a:spcBef>
-                <a:spcPts val="0"/>
-              </a:spcBef>
-              <a:spcAft>
-                <a:spcPts val="0"/>
-              </a:spcAft>
-              <a:buNone/>
-            </a:pPr>
-            <a:r>
-              <a:rPr lang="en-US" sz="1800">
-                <a:solidFill>
-                  <a:schemeClr val="dk1"/>
-                </a:solidFill>
-              </a:rPr>
-              <a:t>Ultimately, the ongoing development of intermediary platforms is likely to be a key indicator of this commoditization process. As competition and commoditization are closely linked, their simultaneous growth could accelerate the standardization of data, shaping the future landscape of the data market.</a:t>
-            </a:r>
-            <a:endParaRPr sz="1800">
-              <a:solidFill>
-                <a:schemeClr val="dk1"/>
-              </a:solidFill>
-            </a:endParaRPr>
-          </a:p>
-        </p:txBody>
-      </p:sp>
-    </p:spTree>
-  </p:cSld>
-  <p:clrMapOvr>
-    <a:masterClrMapping/>
-  </p:clrMapOvr>
-</p:sld>
-</file>
-
-<file path=ppt/slides/slide54.xml><?xml version="1.0" encoding="utf-8"?>
-<p:sld xmlns:a="http://schemas.openxmlformats.org/drawingml/2006/main" xmlns:r="http://schemas.openxmlformats.org/officeDocument/2006/relationships" xmlns:mc="http://schemas.openxmlformats.org/markup-compatibility/2006" xmlns:mv="urn:schemas-microsoft-com:mac:vml" xmlns:p="http://schemas.openxmlformats.org/presentationml/2006/main" xmlns:c="http://schemas.openxmlformats.org/drawingml/2006/chart" xmlns:dgm="http://schemas.openxmlformats.org/drawingml/2006/diagram" xmlns:o="urn:schemas-microsoft-com:office:office" xmlns:v="urn:schemas-microsoft-com:vml" xmlns:pvml="urn:schemas-microsoft-com:office:powerpoint" xmlns:com="http://schemas.openxmlformats.org/drawingml/2006/compatibility" xmlns:p14="http://schemas.microsoft.com/office/powerpoint/2010/main" xmlns:p15="http://schemas.microsoft.com/office/powerpoint/2012/main" xmlns:ahyp="http://schemas.microsoft.com/office/drawing/2018/hyperlinkcolor">
-  <p:cSld>
-    <p:spTree>
-      <p:nvGrpSpPr>
-        <p:cNvPr id="395" name="Shape 395"/>
-        <p:cNvGrpSpPr/>
-        <p:nvPr/>
-      </p:nvGrpSpPr>
-      <p:grpSpPr>
-        <a:xfrm>
-          <a:off x="0" y="0"/>
-          <a:ext cx="0" cy="0"/>
-          <a:chOff x="0" y="0"/>
-          <a:chExt cx="0" cy="0"/>
-        </a:xfrm>
-      </p:grpSpPr>
-      <p:sp>
-        <p:nvSpPr>
-          <p:cNvPr id="396" name="Google Shape;396;p61"/>
-          <p:cNvSpPr txBox="1"/>
-          <p:nvPr>
-            <p:ph type="title"/>
-          </p:nvPr>
-        </p:nvSpPr>
-        <p:spPr>
-          <a:xfrm>
-            <a:off x="457200" y="44450"/>
-            <a:ext cx="8229600" cy="647700"/>
-          </a:xfrm>
-          <a:prstGeom prst="rect">
-            <a:avLst/>
-          </a:prstGeom>
-          <a:noFill/>
-          <a:ln>
-            <a:noFill/>
-          </a:ln>
-        </p:spPr>
-        <p:txBody>
-          <a:bodyPr anchorCtr="0" anchor="t" bIns="45700" lIns="91425" spcFirstLastPara="1" rIns="91425" wrap="square" tIns="45700">
-            <a:noAutofit/>
-          </a:bodyPr>
-          <a:lstStyle/>
-          <a:p>
-            <a:pPr indent="0" lvl="0" marL="0" marR="0" rtl="0" algn="ctr">
-              <a:lnSpc>
-                <a:spcPct val="100000"/>
-              </a:lnSpc>
-              <a:spcBef>
-                <a:spcPts val="0"/>
-              </a:spcBef>
-              <a:spcAft>
-                <a:spcPts val="0"/>
-              </a:spcAft>
-              <a:buClr>
-                <a:schemeClr val="dk2"/>
-              </a:buClr>
-              <a:buFont typeface="Arial"/>
-              <a:buNone/>
-            </a:pPr>
-            <a:r>
-              <a:rPr b="0" i="0" lang="en-US" sz="4000" u="none" cap="none" strike="noStrike">
-                <a:solidFill>
-                  <a:schemeClr val="dk2"/>
-                </a:solidFill>
-                <a:latin typeface="Arial"/>
-                <a:ea typeface="Arial"/>
-                <a:cs typeface="Arial"/>
-                <a:sym typeface="Arial"/>
-              </a:rPr>
-              <a:t>References</a:t>
-            </a:r>
-            <a:endParaRPr/>
-          </a:p>
-        </p:txBody>
-      </p:sp>
-      <p:sp>
-        <p:nvSpPr>
-          <p:cNvPr id="397" name="Google Shape;397;p61"/>
-          <p:cNvSpPr txBox="1"/>
-          <p:nvPr>
-            <p:ph idx="1" type="body"/>
-          </p:nvPr>
-        </p:nvSpPr>
-        <p:spPr>
-          <a:xfrm>
-            <a:off x="457200" y="981075"/>
-            <a:ext cx="8229600" cy="5145087"/>
-          </a:xfrm>
-          <a:prstGeom prst="rect">
-            <a:avLst/>
-          </a:prstGeom>
-          <a:noFill/>
-          <a:ln>
-            <a:noFill/>
-          </a:ln>
-        </p:spPr>
-        <p:txBody>
-          <a:bodyPr anchorCtr="0" anchor="t" bIns="45700" lIns="91425" spcFirstLastPara="1" rIns="91425" wrap="square" tIns="45700">
-            <a:noAutofit/>
-          </a:bodyPr>
-          <a:lstStyle/>
-          <a:p>
-            <a:pPr indent="0" lvl="0" marL="0" marR="0" rtl="0" algn="l">
-              <a:lnSpc>
-                <a:spcPct val="100000"/>
-              </a:lnSpc>
-              <a:spcBef>
-                <a:spcPts val="0"/>
-              </a:spcBef>
-              <a:spcAft>
-                <a:spcPts val="0"/>
-              </a:spcAft>
-              <a:buClr>
-                <a:schemeClr val="dk1"/>
-              </a:buClr>
-              <a:buFont typeface="Arial"/>
-              <a:buNone/>
-            </a:pPr>
-            <a:r>
-              <a:rPr lang="en-US" sz="1800" u="sng">
-                <a:solidFill>
-                  <a:schemeClr val="hlink"/>
-                </a:solidFill>
-                <a:hlinkClick r:id="rId3"/>
-              </a:rPr>
-              <a:t>Schomm, F., Stahl, F., &amp; Vossen, G. (2013). Marketplaces for data: an initial survey. ACM SIGMOD Record, 42(1), 15-26.</a:t>
-            </a:r>
-            <a:endParaRPr/>
-          </a:p>
-          <a:p>
-            <a:pPr indent="0" lvl="0" marL="0" marR="0" rtl="0" algn="l">
-              <a:lnSpc>
-                <a:spcPct val="100000"/>
-              </a:lnSpc>
-              <a:spcBef>
-                <a:spcPts val="360"/>
-              </a:spcBef>
-              <a:spcAft>
-                <a:spcPts val="0"/>
-              </a:spcAft>
-              <a:buClr>
-                <a:schemeClr val="dk1"/>
-              </a:buClr>
-              <a:buFont typeface="Arial"/>
-              <a:buNone/>
-            </a:pPr>
-            <a:r>
-              <a:t/>
-            </a:r>
-            <a:endParaRPr sz="1800">
-              <a:solidFill>
-                <a:schemeClr val="dk1"/>
-              </a:solidFill>
-            </a:endParaRPr>
-          </a:p>
-          <a:p>
-            <a:pPr indent="0" lvl="0" marL="0" marR="0" rtl="0" algn="l">
-              <a:lnSpc>
-                <a:spcPct val="100000"/>
-              </a:lnSpc>
-              <a:spcBef>
-                <a:spcPts val="360"/>
-              </a:spcBef>
-              <a:spcAft>
-                <a:spcPts val="0"/>
-              </a:spcAft>
-              <a:buClr>
-                <a:schemeClr val="dk1"/>
-              </a:buClr>
-              <a:buFont typeface="Arial"/>
-              <a:buNone/>
-            </a:pPr>
-            <a:r>
-              <a:rPr b="0" i="0" lang="en-US" sz="1800" u="sng" cap="none" strike="noStrike">
-                <a:solidFill>
-                  <a:schemeClr val="hlink"/>
-                </a:solidFill>
-                <a:latin typeface="Arial"/>
-                <a:ea typeface="Arial"/>
-                <a:cs typeface="Arial"/>
-                <a:sym typeface="Arial"/>
-                <a:hlinkClick r:id="rId4"/>
-              </a:rPr>
-              <a:t>Stahl, F., Schomm, F., &amp; Vossen, G. (2014). The data marketplace survey revisited (No. 18). ERCIS Working Paper.</a:t>
-            </a:r>
-            <a:endParaRPr b="0" i="0" sz="1800" u="none" cap="none" strike="noStrike">
-              <a:solidFill>
-                <a:schemeClr val="dk1"/>
-              </a:solidFill>
-              <a:latin typeface="Arial"/>
-              <a:ea typeface="Arial"/>
-              <a:cs typeface="Arial"/>
-              <a:sym typeface="Arial"/>
-            </a:endParaRPr>
-          </a:p>
-          <a:p>
-            <a:pPr indent="0" lvl="0" marL="0" rtl="0" algn="l">
-              <a:spcBef>
-                <a:spcPts val="360"/>
-              </a:spcBef>
-              <a:spcAft>
-                <a:spcPts val="0"/>
-              </a:spcAft>
-              <a:buClr>
-                <a:schemeClr val="dk1"/>
-              </a:buClr>
-              <a:buFont typeface="Arial"/>
-              <a:buNone/>
-            </a:pPr>
-            <a:r>
-              <a:t/>
-            </a:r>
-            <a:endParaRPr sz="1800">
-              <a:solidFill>
-                <a:schemeClr val="dk1"/>
-              </a:solidFill>
-            </a:endParaRPr>
-          </a:p>
-          <a:p>
-            <a:pPr indent="0" lvl="0" marL="0" rtl="0" algn="l">
-              <a:spcBef>
-                <a:spcPts val="360"/>
-              </a:spcBef>
-              <a:spcAft>
-                <a:spcPts val="0"/>
-              </a:spcAft>
-              <a:buClr>
-                <a:schemeClr val="dk1"/>
-              </a:buClr>
-              <a:buFont typeface="Arial"/>
-              <a:buNone/>
-            </a:pPr>
-            <a:r>
-              <a:rPr lang="en-US" sz="1800" u="sng">
-                <a:solidFill>
-                  <a:schemeClr val="hlink"/>
-                </a:solidFill>
-                <a:hlinkClick r:id="rId5"/>
-              </a:rPr>
-              <a:t>Stahl, F., Schomm, F., Vossen, G., &amp; Vomfell, L. (2016). A classification framework for data marketplaces. Vietnam Journal of Computer Science, 3, 137-143.</a:t>
-            </a:r>
-            <a:endParaRPr sz="1800">
-              <a:solidFill>
-                <a:schemeClr val="dk1"/>
-              </a:solidFill>
-            </a:endParaRPr>
-          </a:p>
-          <a:p>
-            <a:pPr indent="0" lvl="0" marL="0" rtl="0" algn="l">
-              <a:spcBef>
-                <a:spcPts val="360"/>
-              </a:spcBef>
-              <a:spcAft>
-                <a:spcPts val="0"/>
-              </a:spcAft>
-              <a:buClr>
-                <a:schemeClr val="dk1"/>
-              </a:buClr>
-              <a:buFont typeface="Arial"/>
-              <a:buNone/>
-            </a:pPr>
-            <a:r>
-              <a:t/>
-            </a:r>
-            <a:endParaRPr sz="1800">
-              <a:solidFill>
-                <a:schemeClr val="dk1"/>
-              </a:solidFill>
-            </a:endParaRPr>
-          </a:p>
-          <a:p>
-            <a:pPr indent="0" lvl="0" marL="0" rtl="0" algn="l">
-              <a:spcBef>
-                <a:spcPts val="360"/>
-              </a:spcBef>
-              <a:spcAft>
-                <a:spcPts val="0"/>
-              </a:spcAft>
-              <a:buClr>
-                <a:schemeClr val="dk1"/>
-              </a:buClr>
-              <a:buFont typeface="Arial"/>
-              <a:buNone/>
-            </a:pPr>
-            <a:r>
-              <a:rPr lang="en-US" sz="1800" u="sng">
-                <a:solidFill>
-                  <a:schemeClr val="hlink"/>
-                </a:solidFill>
-                <a:hlinkClick r:id="rId6"/>
-              </a:rPr>
-              <a:t>Stahl, F., Schomm, F., Vomfell, L., &amp; Vossen, G. (2015). Marketplaces for digital data: Quo vadis? (No. 24). ERCIS Working Paper.</a:t>
-            </a:r>
-            <a:endParaRPr sz="1800">
-              <a:solidFill>
-                <a:schemeClr val="dk1"/>
-              </a:solidFill>
-            </a:endParaRPr>
-          </a:p>
-        </p:txBody>
-      </p:sp>
-    </p:spTree>
-  </p:cSld>
-  <p:clrMapOvr>
-    <a:masterClrMapping/>
-  </p:clrMapOvr>
-</p:sld>
-</file>
-
 <file path=ppt/slides/slide6.xml><?xml version="1.0" encoding="utf-8"?>
 <p:sld xmlns:a="http://schemas.openxmlformats.org/drawingml/2006/main" xmlns:r="http://schemas.openxmlformats.org/officeDocument/2006/relationships" xmlns:mc="http://schemas.openxmlformats.org/markup-compatibility/2006" xmlns:mv="urn:schemas-microsoft-com:mac:vml" xmlns:p="http://schemas.openxmlformats.org/presentationml/2006/main" xmlns:c="http://schemas.openxmlformats.org/drawingml/2006/chart" xmlns:dgm="http://schemas.openxmlformats.org/drawingml/2006/diagram" xmlns:o="urn:schemas-microsoft-com:office:office" xmlns:v="urn:schemas-microsoft-com:vml" xmlns:pvml="urn:schemas-microsoft-com:office:powerpoint" xmlns:com="http://schemas.openxmlformats.org/drawingml/2006/compatibility" xmlns:p14="http://schemas.microsoft.com/office/powerpoint/2010/main" xmlns:p15="http://schemas.microsoft.com/office/powerpoint/2012/main" xmlns:ahyp="http://schemas.microsoft.com/office/drawing/2018/hyperlinkcolor">
   <p:cSld>
@@ -27679,7 +24541,7 @@
               <a:buNone/>
             </a:pPr>
             <a:r>
-              <a:rPr lang="en-US" sz="2000">
+              <a:rPr lang="en-US" sz="2400">
                 <a:solidFill>
                   <a:schemeClr val="dk1"/>
                 </a:solidFill>
@@ -27687,7 +24549,7 @@
               <a:t>A </a:t>
             </a:r>
             <a:r>
-              <a:rPr b="1" lang="en-US" sz="2000">
+              <a:rPr b="1" lang="en-US" sz="2400">
                 <a:solidFill>
                   <a:schemeClr val="dk1"/>
                 </a:solidFill>
@@ -27695,14 +24557,14 @@
               <a:t>Classification Framework for Data Marketplaces</a:t>
             </a:r>
             <a:r>
-              <a:rPr lang="en-US" sz="2000">
+              <a:rPr lang="en-US" sz="2400">
                 <a:solidFill>
                   <a:schemeClr val="dk1"/>
                 </a:solidFill>
               </a:rPr>
               <a:t> is based on later research conducted by the authors of the surveys, which build upon earlier findings and provide a deeper exploration of the topic. </a:t>
             </a:r>
-            <a:endParaRPr sz="2000">
+            <a:endParaRPr sz="2400">
               <a:solidFill>
                 <a:schemeClr val="dk1"/>
               </a:solidFill>
@@ -27724,7 +24586,7 @@
             <a:r>
               <a:t/>
             </a:r>
-            <a:endParaRPr sz="2000">
+            <a:endParaRPr sz="2400">
               <a:solidFill>
                 <a:schemeClr val="dk1"/>
               </a:solidFill>
@@ -27744,7 +24606,7 @@
               <a:buNone/>
             </a:pPr>
             <a:r>
-              <a:rPr lang="en-US" sz="2000">
+              <a:rPr lang="en-US" sz="2400">
                 <a:solidFill>
                   <a:schemeClr val="dk1"/>
                 </a:solidFill>
@@ -27752,7 +24614,7 @@
               <a:t>Understanding</a:t>
             </a:r>
             <a:r>
-              <a:rPr lang="en-US" sz="2000">
+              <a:rPr lang="en-US" sz="2400">
                 <a:solidFill>
                   <a:schemeClr val="dk1"/>
                 </a:solidFill>
@@ -27760,7 +24622,7 @@
               <a:t> the </a:t>
             </a:r>
             <a:r>
-              <a:rPr b="1" lang="en-US" sz="2000">
+              <a:rPr b="1" lang="en-US" sz="2400">
                 <a:solidFill>
                   <a:schemeClr val="dk1"/>
                 </a:solidFill>
@@ -27768,7 +24630,7 @@
               <a:t>rise</a:t>
             </a:r>
             <a:r>
-              <a:rPr lang="en-US" sz="2000">
+              <a:rPr lang="en-US" sz="2400">
                 <a:solidFill>
                   <a:schemeClr val="dk1"/>
                 </a:solidFill>
@@ -27776,7 +24638,7 @@
               <a:t> and </a:t>
             </a:r>
             <a:r>
-              <a:rPr b="1" lang="en-US" sz="2000">
+              <a:rPr b="1" lang="en-US" sz="2400">
                 <a:solidFill>
                   <a:schemeClr val="dk1"/>
                 </a:solidFill>
@@ -27784,7 +24646,7 @@
               <a:t>development</a:t>
             </a:r>
             <a:r>
-              <a:rPr lang="en-US" sz="2000">
+              <a:rPr lang="en-US" sz="2400">
                 <a:solidFill>
                   <a:schemeClr val="dk1"/>
                 </a:solidFill>
@@ -27792,7 +24654,7 @@
               <a:t> of data marketplaces is crucial for comprehending how this market is </a:t>
             </a:r>
             <a:r>
-              <a:rPr b="1" lang="en-US" sz="2000">
+              <a:rPr b="1" lang="en-US" sz="2400">
                 <a:solidFill>
                   <a:schemeClr val="dk1"/>
                 </a:solidFill>
@@ -27800,7 +24662,7 @@
               <a:t>evolving</a:t>
             </a:r>
             <a:r>
-              <a:rPr lang="en-US" sz="2000">
+              <a:rPr lang="en-US" sz="2400">
                 <a:solidFill>
                   <a:schemeClr val="dk1"/>
                 </a:solidFill>
@@ -27808,7 +24670,7 @@
               <a:t> and how it </a:t>
             </a:r>
             <a:r>
-              <a:rPr b="1" lang="en-US" sz="2000">
+              <a:rPr b="1" lang="en-US" sz="2400">
                 <a:solidFill>
                   <a:schemeClr val="dk1"/>
                 </a:solidFill>
@@ -27816,14 +24678,14 @@
               <a:t>functions</a:t>
             </a:r>
             <a:r>
-              <a:rPr lang="en-US" sz="2000">
+              <a:rPr lang="en-US" sz="2400">
                 <a:solidFill>
                   <a:schemeClr val="dk1"/>
                 </a:solidFill>
               </a:rPr>
               <a:t>. </a:t>
             </a:r>
-            <a:endParaRPr sz="2000">
+            <a:endParaRPr sz="2400">
               <a:solidFill>
                 <a:schemeClr val="dk1"/>
               </a:solidFill>
@@ -27845,7 +24707,7 @@
             <a:r>
               <a:t/>
             </a:r>
-            <a:endParaRPr sz="2000">
+            <a:endParaRPr sz="2400">
               <a:solidFill>
                 <a:schemeClr val="dk1"/>
               </a:solidFill>
@@ -27865,7 +24727,7 @@
               <a:buNone/>
             </a:pPr>
             <a:r>
-              <a:rPr lang="en-US" sz="2000">
+              <a:rPr lang="en-US" sz="2400">
                 <a:solidFill>
                   <a:schemeClr val="dk1"/>
                 </a:solidFill>
@@ -27873,7 +24735,7 @@
               <a:t>By systematically gathering and </a:t>
             </a:r>
             <a:r>
-              <a:rPr b="1" lang="en-US" sz="2000">
+              <a:rPr b="1" lang="en-US" sz="2400">
                 <a:solidFill>
                   <a:schemeClr val="dk1"/>
                 </a:solidFill>
@@ -27881,7 +24743,7 @@
               <a:t>evaluating</a:t>
             </a:r>
             <a:r>
-              <a:rPr lang="en-US" sz="2000">
+              <a:rPr lang="en-US" sz="2400">
                 <a:solidFill>
                   <a:schemeClr val="dk1"/>
                 </a:solidFill>
@@ -27889,7 +24751,7 @@
               <a:t> the characteristics of these platforms, researchers can gain a </a:t>
             </a:r>
             <a:r>
-              <a:rPr b="1" lang="en-US" sz="2000">
+              <a:rPr b="1" lang="en-US" sz="2400">
                 <a:solidFill>
                   <a:schemeClr val="dk1"/>
                 </a:solidFill>
@@ -27897,63 +24759,14 @@
               <a:t>clearer picture</a:t>
             </a:r>
             <a:r>
-              <a:rPr lang="en-US" sz="2000">
-                <a:solidFill>
-                  <a:schemeClr val="dk1"/>
-                </a:solidFill>
-              </a:rPr>
-              <a:t> of their structure, challenges, and potential. </a:t>
-            </a:r>
-            <a:endParaRPr sz="2000">
-              <a:solidFill>
-                <a:schemeClr val="dk1"/>
-              </a:solidFill>
-            </a:endParaRPr>
-          </a:p>
-          <a:p>
-            <a:pPr indent="0" lvl="0" marL="0" marR="0" rtl="0" algn="l">
-              <a:lnSpc>
-                <a:spcPct val="115000"/>
-              </a:lnSpc>
-              <a:spcBef>
-                <a:spcPts val="0"/>
-              </a:spcBef>
-              <a:spcAft>
-                <a:spcPts val="0"/>
-              </a:spcAft>
-              <a:buNone/>
-            </a:pPr>
-            <a:r>
-              <a:t/>
-            </a:r>
-            <a:endParaRPr sz="2000">
-              <a:solidFill>
-                <a:schemeClr val="dk1"/>
-              </a:solidFill>
-            </a:endParaRPr>
-          </a:p>
-          <a:p>
-            <a:pPr indent="0" lvl="0" marL="0" marR="0" rtl="0" algn="l">
-              <a:lnSpc>
-                <a:spcPct val="115000"/>
-              </a:lnSpc>
-              <a:spcBef>
-                <a:spcPts val="0"/>
-              </a:spcBef>
-              <a:spcAft>
-                <a:spcPts val="0"/>
-              </a:spcAft>
-              <a:buNone/>
-            </a:pPr>
-            <a:r>
-              <a:rPr lang="en-US" sz="2000">
-                <a:solidFill>
-                  <a:schemeClr val="dk1"/>
-                </a:solidFill>
-              </a:rPr>
-              <a:t>Furthermore, the lack of distinct, universally accepted definitions for these types of markets creates ambiguity, making it all the more important to conduct thorough research to establish clearer, more consistent frameworks.</a:t>
-            </a:r>
-            <a:endParaRPr sz="2000">
+              <a:rPr lang="en-US" sz="2400">
+                <a:solidFill>
+                  <a:schemeClr val="dk1"/>
+                </a:solidFill>
+              </a:rPr>
+              <a:t> of their structure, challenges, and potential.</a:t>
+            </a:r>
+            <a:endParaRPr sz="2400">
               <a:solidFill>
                 <a:schemeClr val="dk1"/>
               </a:solidFill>
@@ -28642,6 +25455,285 @@
 </file>
 
 <file path=ppt/theme/theme1.xml><?xml version="1.0" encoding="utf-8"?>
+<a:theme xmlns:a="http://schemas.openxmlformats.org/drawingml/2006/main" xmlns:r="http://schemas.openxmlformats.org/officeDocument/2006/relationships">
+  <a:themeElements>
+    <a:clrScheme name="Default">
+      <a:dk1>
+        <a:srgbClr val="000000"/>
+      </a:dk1>
+      <a:lt1>
+        <a:srgbClr val="FFFFFF"/>
+      </a:lt1>
+      <a:dk2>
+        <a:srgbClr val="158158"/>
+      </a:dk2>
+      <a:lt2>
+        <a:srgbClr val="F3F3F3"/>
+      </a:lt2>
+      <a:accent1>
+        <a:srgbClr val="058DC7"/>
+      </a:accent1>
+      <a:accent2>
+        <a:srgbClr val="50B432"/>
+      </a:accent2>
+      <a:accent3>
+        <a:srgbClr val="ED561B"/>
+      </a:accent3>
+      <a:accent4>
+        <a:srgbClr val="EDEF00"/>
+      </a:accent4>
+      <a:accent5>
+        <a:srgbClr val="24CBE5"/>
+      </a:accent5>
+      <a:accent6>
+        <a:srgbClr val="64E572"/>
+      </a:accent6>
+      <a:hlink>
+        <a:srgbClr val="2200CC"/>
+      </a:hlink>
+      <a:folHlink>
+        <a:srgbClr val="551A8B"/>
+      </a:folHlink>
+    </a:clrScheme>
+    <a:fontScheme name="Office">
+      <a:majorFont>
+        <a:latin typeface="Arial"/>
+        <a:ea typeface=""/>
+        <a:cs typeface=""/>
+        <a:font script="Jpan" typeface="ＭＳ Ｐゴシック"/>
+        <a:font script="Hang" typeface="맑은 고딕"/>
+        <a:font script="Hans" typeface="宋体"/>
+        <a:font script="Hant" typeface="新細明體"/>
+        <a:font script="Arab" typeface="Times New Roman"/>
+        <a:font script="Hebr" typeface="Times New Roman"/>
+        <a:font script="Thai" typeface="Angsana New"/>
+        <a:font script="Ethi" typeface="Nyala"/>
+        <a:font script="Beng" typeface="Vrinda"/>
+        <a:font script="Gujr" typeface="Shruti"/>
+        <a:font script="Khmr" typeface="MoolBoran"/>
+        <a:font script="Knda" typeface="Tunga"/>
+        <a:font script="Guru" typeface="Raavi"/>
+        <a:font script="Cans" typeface="Euphemia"/>
+        <a:font script="Cher" typeface="Plantagenet Cherokee"/>
+        <a:font script="Yiii" typeface="Microsoft Yi Baiti"/>
+        <a:font script="Tibt" typeface="Microsoft Himalaya"/>
+        <a:font script="Thaa" typeface="MV Boli"/>
+        <a:font script="Deva" typeface="Mangal"/>
+        <a:font script="Telu" typeface="Gautami"/>
+        <a:font script="Taml" typeface="Latha"/>
+        <a:font script="Syrc" typeface="Estrangelo Edessa"/>
+        <a:font script="Orya" typeface="Kalinga"/>
+        <a:font script="Mlym" typeface="Kartika"/>
+        <a:font script="Laoo" typeface="DokChampa"/>
+        <a:font script="Sinh" typeface="Iskoola Pota"/>
+        <a:font script="Mong" typeface="Mongolian Baiti"/>
+        <a:font script="Viet" typeface="Times New Roman"/>
+        <a:font script="Uigh" typeface="Microsoft Uighur"/>
+        <a:font script="Geor" typeface="Sylfaen"/>
+      </a:majorFont>
+      <a:minorFont>
+        <a:latin typeface="Arial"/>
+        <a:ea typeface=""/>
+        <a:cs typeface=""/>
+        <a:font script="Jpan" typeface="ＭＳ Ｐゴシック"/>
+        <a:font script="Hang" typeface="맑은 고딕"/>
+        <a:font script="Hans" typeface="宋体"/>
+        <a:font script="Hant" typeface="新細明體"/>
+        <a:font script="Arab" typeface="Arial"/>
+        <a:font script="Hebr" typeface="Arial"/>
+        <a:font script="Thai" typeface="Cordia New"/>
+        <a:font script="Ethi" typeface="Nyala"/>
+        <a:font script="Beng" typeface="Vrinda"/>
+        <a:font script="Gujr" typeface="Shruti"/>
+        <a:font script="Khmr" typeface="DaunPenh"/>
+        <a:font script="Knda" typeface="Tunga"/>
+        <a:font script="Guru" typeface="Raavi"/>
+        <a:font script="Cans" typeface="Euphemia"/>
+        <a:font script="Cher" typeface="Plantagenet Cherokee"/>
+        <a:font script="Yiii" typeface="Microsoft Yi Baiti"/>
+        <a:font script="Tibt" typeface="Microsoft Himalaya"/>
+        <a:font script="Thaa" typeface="MV Boli"/>
+        <a:font script="Deva" typeface="Mangal"/>
+        <a:font script="Telu" typeface="Gautami"/>
+        <a:font script="Taml" typeface="Latha"/>
+        <a:font script="Syrc" typeface="Estrangelo Edessa"/>
+        <a:font script="Orya" typeface="Kalinga"/>
+        <a:font script="Mlym" typeface="Kartika"/>
+        <a:font script="Laoo" typeface="DokChampa"/>
+        <a:font script="Sinh" typeface="Iskoola Pota"/>
+        <a:font script="Mong" typeface="Mongolian Baiti"/>
+        <a:font script="Viet" typeface="Arial"/>
+        <a:font script="Uigh" typeface="Microsoft Uighur"/>
+        <a:font script="Geor" typeface="Sylfaen"/>
+      </a:minorFont>
+    </a:fontScheme>
+    <a:fmtScheme name="Office">
+      <a:fillStyleLst>
+        <a:solidFill>
+          <a:schemeClr val="phClr"/>
+        </a:solidFill>
+        <a:gradFill rotWithShape="1">
+          <a:gsLst>
+            <a:gs pos="0">
+              <a:schemeClr val="phClr">
+                <a:tint val="50000"/>
+                <a:satMod val="300000"/>
+              </a:schemeClr>
+            </a:gs>
+            <a:gs pos="35000">
+              <a:schemeClr val="phClr">
+                <a:tint val="37000"/>
+                <a:satMod val="300000"/>
+              </a:schemeClr>
+            </a:gs>
+            <a:gs pos="100000">
+              <a:schemeClr val="phClr">
+                <a:tint val="15000"/>
+                <a:satMod val="350000"/>
+              </a:schemeClr>
+            </a:gs>
+          </a:gsLst>
+          <a:lin ang="16200000" scaled="1"/>
+        </a:gradFill>
+        <a:gradFill rotWithShape="1">
+          <a:gsLst>
+            <a:gs pos="0">
+              <a:schemeClr val="phClr">
+                <a:tint val="100000"/>
+                <a:shade val="100000"/>
+                <a:satMod val="130000"/>
+              </a:schemeClr>
+            </a:gs>
+            <a:gs pos="100000">
+              <a:schemeClr val="phClr">
+                <a:tint val="50000"/>
+                <a:shade val="100000"/>
+                <a:satMod val="350000"/>
+              </a:schemeClr>
+            </a:gs>
+          </a:gsLst>
+          <a:lin ang="16200000" scaled="0"/>
+        </a:gradFill>
+      </a:fillStyleLst>
+      <a:lnStyleLst>
+        <a:ln w="9525" cap="flat" cmpd="sng" algn="ctr">
+          <a:solidFill>
+            <a:schemeClr val="phClr">
+              <a:shade val="95000"/>
+              <a:satMod val="105000"/>
+            </a:schemeClr>
+          </a:solidFill>
+          <a:prstDash val="solid"/>
+        </a:ln>
+        <a:ln w="25400" cap="flat" cmpd="sng" algn="ctr">
+          <a:solidFill>
+            <a:schemeClr val="phClr"/>
+          </a:solidFill>
+          <a:prstDash val="solid"/>
+        </a:ln>
+        <a:ln w="38100" cap="flat" cmpd="sng" algn="ctr">
+          <a:solidFill>
+            <a:schemeClr val="phClr"/>
+          </a:solidFill>
+          <a:prstDash val="solid"/>
+        </a:ln>
+      </a:lnStyleLst>
+      <a:effectStyleLst>
+        <a:effectStyle>
+          <a:effectLst>
+            <a:outerShdw blurRad="40000" dist="20000" dir="5400000" rotWithShape="0">
+              <a:srgbClr val="000000">
+                <a:alpha val="38000"/>
+              </a:srgbClr>
+            </a:outerShdw>
+          </a:effectLst>
+        </a:effectStyle>
+        <a:effectStyle>
+          <a:effectLst>
+            <a:outerShdw blurRad="40000" dist="23000" dir="5400000" rotWithShape="0">
+              <a:srgbClr val="000000">
+                <a:alpha val="35000"/>
+              </a:srgbClr>
+            </a:outerShdw>
+          </a:effectLst>
+        </a:effectStyle>
+        <a:effectStyle>
+          <a:effectLst>
+            <a:outerShdw blurRad="40000" dist="23000" dir="5400000" rotWithShape="0">
+              <a:srgbClr val="000000">
+                <a:alpha val="35000"/>
+              </a:srgbClr>
+            </a:outerShdw>
+          </a:effectLst>
+          <a:scene3d>
+            <a:camera prst="orthographicFront">
+              <a:rot lat="0" lon="0" rev="0"/>
+            </a:camera>
+            <a:lightRig rig="threePt" dir="t">
+              <a:rot lat="0" lon="0" rev="1200000"/>
+            </a:lightRig>
+          </a:scene3d>
+          <a:sp3d>
+            <a:bevelT w="63500" h="25400"/>
+          </a:sp3d>
+        </a:effectStyle>
+      </a:effectStyleLst>
+      <a:bgFillStyleLst>
+        <a:solidFill>
+          <a:schemeClr val="phClr"/>
+        </a:solidFill>
+        <a:gradFill rotWithShape="1">
+          <a:gsLst>
+            <a:gs pos="0">
+              <a:schemeClr val="phClr">
+                <a:tint val="40000"/>
+                <a:satMod val="350000"/>
+              </a:schemeClr>
+            </a:gs>
+            <a:gs pos="40000">
+              <a:schemeClr val="phClr">
+                <a:tint val="45000"/>
+                <a:shade val="99000"/>
+                <a:satMod val="350000"/>
+              </a:schemeClr>
+            </a:gs>
+            <a:gs pos="100000">
+              <a:schemeClr val="phClr">
+                <a:shade val="20000"/>
+                <a:satMod val="255000"/>
+              </a:schemeClr>
+            </a:gs>
+          </a:gsLst>
+          <a:path path="circle">
+            <a:fillToRect l="50000" t="-80000" r="50000" b="180000"/>
+          </a:path>
+        </a:gradFill>
+        <a:gradFill rotWithShape="1">
+          <a:gsLst>
+            <a:gs pos="0">
+              <a:schemeClr val="phClr">
+                <a:tint val="80000"/>
+                <a:satMod val="300000"/>
+              </a:schemeClr>
+            </a:gs>
+            <a:gs pos="100000">
+              <a:schemeClr val="phClr">
+                <a:shade val="30000"/>
+                <a:satMod val="200000"/>
+              </a:schemeClr>
+            </a:gs>
+          </a:gsLst>
+          <a:path path="circle">
+            <a:fillToRect l="50000" t="50000" r="50000" b="50000"/>
+          </a:path>
+        </a:gradFill>
+      </a:bgFillStyleLst>
+    </a:fmtScheme>
+  </a:themeElements>
+</a:theme>
+</file>
+
+<file path=ppt/theme/theme2.xml><?xml version="1.0" encoding="utf-8"?>
 <a:theme xmlns:a="http://schemas.openxmlformats.org/drawingml/2006/main" xmlns:r="http://schemas.openxmlformats.org/officeDocument/2006/relationships" name="2_Personalizza struttura">
   <a:themeElements>
     <a:clrScheme name="2_Personalizza struttura 1">
@@ -28918,283 +26010,4 @@
     </a:fmtScheme>
   </a:themeElements>
 </a:theme>
-</file>
-
-<file path=ppt/theme/theme2.xml><?xml version="1.0" encoding="utf-8"?>
-<a:theme xmlns:a="http://schemas.openxmlformats.org/drawingml/2006/main" xmlns:r="http://schemas.openxmlformats.org/officeDocument/2006/relationships">
-  <a:themeElements>
-    <a:clrScheme name="Default">
-      <a:dk1>
-        <a:srgbClr val="000000"/>
-      </a:dk1>
-      <a:lt1>
-        <a:srgbClr val="FFFFFF"/>
-      </a:lt1>
-      <a:dk2>
-        <a:srgbClr val="158158"/>
-      </a:dk2>
-      <a:lt2>
-        <a:srgbClr val="F3F3F3"/>
-      </a:lt2>
-      <a:accent1>
-        <a:srgbClr val="058DC7"/>
-      </a:accent1>
-      <a:accent2>
-        <a:srgbClr val="50B432"/>
-      </a:accent2>
-      <a:accent3>
-        <a:srgbClr val="ED561B"/>
-      </a:accent3>
-      <a:accent4>
-        <a:srgbClr val="EDEF00"/>
-      </a:accent4>
-      <a:accent5>
-        <a:srgbClr val="24CBE5"/>
-      </a:accent5>
-      <a:accent6>
-        <a:srgbClr val="64E572"/>
-      </a:accent6>
-      <a:hlink>
-        <a:srgbClr val="2200CC"/>
-      </a:hlink>
-      <a:folHlink>
-        <a:srgbClr val="551A8B"/>
-      </a:folHlink>
-    </a:clrScheme>
-    <a:fontScheme name="Office">
-      <a:majorFont>
-        <a:latin typeface="Arial"/>
-        <a:ea typeface=""/>
-        <a:cs typeface=""/>
-        <a:font script="Jpan" typeface="ＭＳ Ｐゴシック"/>
-        <a:font script="Hang" typeface="맑은 고딕"/>
-        <a:font script="Hans" typeface="宋体"/>
-        <a:font script="Hant" typeface="新細明體"/>
-        <a:font script="Arab" typeface="Times New Roman"/>
-        <a:font script="Hebr" typeface="Times New Roman"/>
-        <a:font script="Thai" typeface="Angsana New"/>
-        <a:font script="Ethi" typeface="Nyala"/>
-        <a:font script="Beng" typeface="Vrinda"/>
-        <a:font script="Gujr" typeface="Shruti"/>
-        <a:font script="Khmr" typeface="MoolBoran"/>
-        <a:font script="Knda" typeface="Tunga"/>
-        <a:font script="Guru" typeface="Raavi"/>
-        <a:font script="Cans" typeface="Euphemia"/>
-        <a:font script="Cher" typeface="Plantagenet Cherokee"/>
-        <a:font script="Yiii" typeface="Microsoft Yi Baiti"/>
-        <a:font script="Tibt" typeface="Microsoft Himalaya"/>
-        <a:font script="Thaa" typeface="MV Boli"/>
-        <a:font script="Deva" typeface="Mangal"/>
-        <a:font script="Telu" typeface="Gautami"/>
-        <a:font script="Taml" typeface="Latha"/>
-        <a:font script="Syrc" typeface="Estrangelo Edessa"/>
-        <a:font script="Orya" typeface="Kalinga"/>
-        <a:font script="Mlym" typeface="Kartika"/>
-        <a:font script="Laoo" typeface="DokChampa"/>
-        <a:font script="Sinh" typeface="Iskoola Pota"/>
-        <a:font script="Mong" typeface="Mongolian Baiti"/>
-        <a:font script="Viet" typeface="Times New Roman"/>
-        <a:font script="Uigh" typeface="Microsoft Uighur"/>
-        <a:font script="Geor" typeface="Sylfaen"/>
-      </a:majorFont>
-      <a:minorFont>
-        <a:latin typeface="Arial"/>
-        <a:ea typeface=""/>
-        <a:cs typeface=""/>
-        <a:font script="Jpan" typeface="ＭＳ Ｐゴシック"/>
-        <a:font script="Hang" typeface="맑은 고딕"/>
-        <a:font script="Hans" typeface="宋体"/>
-        <a:font script="Hant" typeface="新細明體"/>
-        <a:font script="Arab" typeface="Arial"/>
-        <a:font script="Hebr" typeface="Arial"/>
-        <a:font script="Thai" typeface="Cordia New"/>
-        <a:font script="Ethi" typeface="Nyala"/>
-        <a:font script="Beng" typeface="Vrinda"/>
-        <a:font script="Gujr" typeface="Shruti"/>
-        <a:font script="Khmr" typeface="DaunPenh"/>
-        <a:font script="Knda" typeface="Tunga"/>
-        <a:font script="Guru" typeface="Raavi"/>
-        <a:font script="Cans" typeface="Euphemia"/>
-        <a:font script="Cher" typeface="Plantagenet Cherokee"/>
-        <a:font script="Yiii" typeface="Microsoft Yi Baiti"/>
-        <a:font script="Tibt" typeface="Microsoft Himalaya"/>
-        <a:font script="Thaa" typeface="MV Boli"/>
-        <a:font script="Deva" typeface="Mangal"/>
-        <a:font script="Telu" typeface="Gautami"/>
-        <a:font script="Taml" typeface="Latha"/>
-        <a:font script="Syrc" typeface="Estrangelo Edessa"/>
-        <a:font script="Orya" typeface="Kalinga"/>
-        <a:font script="Mlym" typeface="Kartika"/>
-        <a:font script="Laoo" typeface="DokChampa"/>
-        <a:font script="Sinh" typeface="Iskoola Pota"/>
-        <a:font script="Mong" typeface="Mongolian Baiti"/>
-        <a:font script="Viet" typeface="Arial"/>
-        <a:font script="Uigh" typeface="Microsoft Uighur"/>
-        <a:font script="Geor" typeface="Sylfaen"/>
-      </a:minorFont>
-    </a:fontScheme>
-    <a:fmtScheme name="Office">
-      <a:fillStyleLst>
-        <a:solidFill>
-          <a:schemeClr val="phClr"/>
-        </a:solidFill>
-        <a:gradFill rotWithShape="1">
-          <a:gsLst>
-            <a:gs pos="0">
-              <a:schemeClr val="phClr">
-                <a:tint val="50000"/>
-                <a:satMod val="300000"/>
-              </a:schemeClr>
-            </a:gs>
-            <a:gs pos="35000">
-              <a:schemeClr val="phClr">
-                <a:tint val="37000"/>
-                <a:satMod val="300000"/>
-              </a:schemeClr>
-            </a:gs>
-            <a:gs pos="100000">
-              <a:schemeClr val="phClr">
-                <a:tint val="15000"/>
-                <a:satMod val="350000"/>
-              </a:schemeClr>
-            </a:gs>
-          </a:gsLst>
-          <a:lin ang="16200000" scaled="1"/>
-        </a:gradFill>
-        <a:gradFill rotWithShape="1">
-          <a:gsLst>
-            <a:gs pos="0">
-              <a:schemeClr val="phClr">
-                <a:tint val="100000"/>
-                <a:shade val="100000"/>
-                <a:satMod val="130000"/>
-              </a:schemeClr>
-            </a:gs>
-            <a:gs pos="100000">
-              <a:schemeClr val="phClr">
-                <a:tint val="50000"/>
-                <a:shade val="100000"/>
-                <a:satMod val="350000"/>
-              </a:schemeClr>
-            </a:gs>
-          </a:gsLst>
-          <a:lin ang="16200000" scaled="0"/>
-        </a:gradFill>
-      </a:fillStyleLst>
-      <a:lnStyleLst>
-        <a:ln w="9525" cap="flat" cmpd="sng" algn="ctr">
-          <a:solidFill>
-            <a:schemeClr val="phClr">
-              <a:shade val="95000"/>
-              <a:satMod val="105000"/>
-            </a:schemeClr>
-          </a:solidFill>
-          <a:prstDash val="solid"/>
-        </a:ln>
-        <a:ln w="25400" cap="flat" cmpd="sng" algn="ctr">
-          <a:solidFill>
-            <a:schemeClr val="phClr"/>
-          </a:solidFill>
-          <a:prstDash val="solid"/>
-        </a:ln>
-        <a:ln w="38100" cap="flat" cmpd="sng" algn="ctr">
-          <a:solidFill>
-            <a:schemeClr val="phClr"/>
-          </a:solidFill>
-          <a:prstDash val="solid"/>
-        </a:ln>
-      </a:lnStyleLst>
-      <a:effectStyleLst>
-        <a:effectStyle>
-          <a:effectLst>
-            <a:outerShdw blurRad="40000" dist="20000" dir="5400000" rotWithShape="0">
-              <a:srgbClr val="000000">
-                <a:alpha val="38000"/>
-              </a:srgbClr>
-            </a:outerShdw>
-          </a:effectLst>
-        </a:effectStyle>
-        <a:effectStyle>
-          <a:effectLst>
-            <a:outerShdw blurRad="40000" dist="23000" dir="5400000" rotWithShape="0">
-              <a:srgbClr val="000000">
-                <a:alpha val="35000"/>
-              </a:srgbClr>
-            </a:outerShdw>
-          </a:effectLst>
-        </a:effectStyle>
-        <a:effectStyle>
-          <a:effectLst>
-            <a:outerShdw blurRad="40000" dist="23000" dir="5400000" rotWithShape="0">
-              <a:srgbClr val="000000">
-                <a:alpha val="35000"/>
-              </a:srgbClr>
-            </a:outerShdw>
-          </a:effectLst>
-          <a:scene3d>
-            <a:camera prst="orthographicFront">
-              <a:rot lat="0" lon="0" rev="0"/>
-            </a:camera>
-            <a:lightRig rig="threePt" dir="t">
-              <a:rot lat="0" lon="0" rev="1200000"/>
-            </a:lightRig>
-          </a:scene3d>
-          <a:sp3d>
-            <a:bevelT w="63500" h="25400"/>
-          </a:sp3d>
-        </a:effectStyle>
-      </a:effectStyleLst>
-      <a:bgFillStyleLst>
-        <a:solidFill>
-          <a:schemeClr val="phClr"/>
-        </a:solidFill>
-        <a:gradFill rotWithShape="1">
-          <a:gsLst>
-            <a:gs pos="0">
-              <a:schemeClr val="phClr">
-                <a:tint val="40000"/>
-                <a:satMod val="350000"/>
-              </a:schemeClr>
-            </a:gs>
-            <a:gs pos="40000">
-              <a:schemeClr val="phClr">
-                <a:tint val="45000"/>
-                <a:shade val="99000"/>
-                <a:satMod val="350000"/>
-              </a:schemeClr>
-            </a:gs>
-            <a:gs pos="100000">
-              <a:schemeClr val="phClr">
-                <a:shade val="20000"/>
-                <a:satMod val="255000"/>
-              </a:schemeClr>
-            </a:gs>
-          </a:gsLst>
-          <a:path path="circle">
-            <a:fillToRect l="50000" t="-80000" r="50000" b="180000"/>
-          </a:path>
-        </a:gradFill>
-        <a:gradFill rotWithShape="1">
-          <a:gsLst>
-            <a:gs pos="0">
-              <a:schemeClr val="phClr">
-                <a:tint val="80000"/>
-                <a:satMod val="300000"/>
-              </a:schemeClr>
-            </a:gs>
-            <a:gs pos="100000">
-              <a:schemeClr val="phClr">
-                <a:shade val="30000"/>
-                <a:satMod val="200000"/>
-              </a:schemeClr>
-            </a:gs>
-          </a:gsLst>
-          <a:path path="circle">
-            <a:fillToRect l="50000" t="50000" r="50000" b="50000"/>
-          </a:path>
-        </a:gradFill>
-      </a:bgFillStyleLst>
-    </a:fmtScheme>
-  </a:themeElements>
-</a:theme>
 </file>
--- a/Complementi_basi_di_dati/Progetto/Davide De Rosa - Presentazione CBD.pptx
+++ b/Complementi_basi_di_dati/Progetto/Davide De Rosa - Presentazione CBD.pptx
@@ -53,7 +53,6 @@
     <p:sldId id="298" r:id="rId47"/>
     <p:sldId id="299" r:id="rId48"/>
     <p:sldId id="300" r:id="rId49"/>
-    <p:sldId id="301" r:id="rId50"/>
   </p:sldIdLst>
   <p:sldSz cy="6858000" cx="9144000"/>
   <p:notesSz cx="6797675" cy="9926625"/>
@@ -5345,106 +5344,7 @@
       </p:grpSpPr>
       <p:sp>
         <p:nvSpPr>
-          <p:cNvPr id="336" name="Google Shape;336;g2d7838d52d4_0_302:notes"/>
-          <p:cNvSpPr txBox="1"/>
-          <p:nvPr>
-            <p:ph idx="1" type="body"/>
-          </p:nvPr>
-        </p:nvSpPr>
-        <p:spPr>
-          <a:xfrm>
-            <a:off x="681037" y="4714875"/>
-            <a:ext cx="5435700" cy="4467300"/>
-          </a:xfrm>
-          <a:prstGeom prst="rect">
-            <a:avLst/>
-          </a:prstGeom>
-        </p:spPr>
-        <p:txBody>
-          <a:bodyPr anchorCtr="0" anchor="ctr" bIns="91425" lIns="91425" spcFirstLastPara="1" rIns="91425" wrap="square" tIns="91425">
-            <a:noAutofit/>
-          </a:bodyPr>
-          <a:lstStyle/>
-          <a:p>
-            <a:pPr indent="0" lvl="0" marL="0" rtl="0" algn="l">
-              <a:spcBef>
-                <a:spcPts val="0"/>
-              </a:spcBef>
-              <a:spcAft>
-                <a:spcPts val="0"/>
-              </a:spcAft>
-              <a:buNone/>
-            </a:pPr>
-            <a:r>
-              <a:t/>
-            </a:r>
-            <a:endParaRPr/>
-          </a:p>
-        </p:txBody>
-      </p:sp>
-      <p:sp>
-        <p:nvSpPr>
-          <p:cNvPr id="337" name="Google Shape;337;g2d7838d52d4_0_302:notes"/>
-          <p:cNvSpPr/>
-          <p:nvPr>
-            <p:ph idx="2" type="sldImg"/>
-          </p:nvPr>
-        </p:nvSpPr>
-        <p:spPr>
-          <a:xfrm>
-            <a:off x="917575" y="744537"/>
-            <a:ext cx="4964100" cy="3722700"/>
-          </a:xfrm>
-          <a:custGeom>
-            <a:rect b="b" l="l" r="r" t="t"/>
-            <a:pathLst>
-              <a:path extrusionOk="0" h="120000" w="120000">
-                <a:moveTo>
-                  <a:pt x="0" y="0"/>
-                </a:moveTo>
-                <a:lnTo>
-                  <a:pt x="120000" y="0"/>
-                </a:lnTo>
-                <a:lnTo>
-                  <a:pt x="120000" y="120000"/>
-                </a:lnTo>
-                <a:lnTo>
-                  <a:pt x="0" y="120000"/>
-                </a:lnTo>
-                <a:close/>
-              </a:path>
-            </a:pathLst>
-          </a:custGeom>
-        </p:spPr>
-      </p:sp>
-    </p:spTree>
-  </p:cSld>
-  <p:clrMapOvr>
-    <a:masterClrMapping/>
-  </p:clrMapOvr>
-</p:notes>
-</file>
-
-<file path=ppt/notesSlides/notesSlide46.xml><?xml version="1.0" encoding="utf-8"?>
-<p:notes xmlns:a="http://schemas.openxmlformats.org/drawingml/2006/main" xmlns:r="http://schemas.openxmlformats.org/officeDocument/2006/relationships" xmlns:mc="http://schemas.openxmlformats.org/markup-compatibility/2006" xmlns:mv="urn:schemas-microsoft-com:mac:vml" xmlns:p="http://schemas.openxmlformats.org/presentationml/2006/main" xmlns:c="http://schemas.openxmlformats.org/drawingml/2006/chart" xmlns:dgm="http://schemas.openxmlformats.org/drawingml/2006/diagram" xmlns:o="urn:schemas-microsoft-com:office:office" xmlns:v="urn:schemas-microsoft-com:vml" xmlns:pvml="urn:schemas-microsoft-com:office:powerpoint" xmlns:com="http://schemas.openxmlformats.org/drawingml/2006/compatibility" xmlns:p14="http://schemas.microsoft.com/office/powerpoint/2010/main" xmlns:p15="http://schemas.microsoft.com/office/powerpoint/2012/main" xmlns:ahyp="http://schemas.microsoft.com/office/drawing/2018/hyperlinkcolor" showMasterPhAnim="0" showMasterSp="0">
-  <p:cSld>
-    <p:spTree>
-      <p:nvGrpSpPr>
-        <p:cNvPr id="341" name="Shape 341"/>
-        <p:cNvGrpSpPr/>
-        <p:nvPr/>
-      </p:nvGrpSpPr>
-      <p:grpSpPr>
-        <a:xfrm>
-          <a:off x="0" y="0"/>
-          <a:ext cx="0" cy="0"/>
-          <a:chOff x="0" y="0"/>
-          <a:chExt cx="0" cy="0"/>
-        </a:xfrm>
-      </p:grpSpPr>
-      <p:sp>
-        <p:nvSpPr>
-          <p:cNvPr id="342" name="Google Shape;342;p8:notes"/>
+          <p:cNvPr id="336" name="Google Shape;336;p8:notes"/>
           <p:cNvSpPr txBox="1"/>
           <p:nvPr>
             <p:ph idx="1" type="body"/>
@@ -5483,7 +5383,7 @@
       </p:sp>
       <p:sp>
         <p:nvSpPr>
-          <p:cNvPr id="343" name="Google Shape;343;p8:notes"/>
+          <p:cNvPr id="337" name="Google Shape;337;p8:notes"/>
           <p:cNvSpPr/>
           <p:nvPr>
             <p:ph idx="2" type="sldImg"/>
@@ -19856,7 +19756,7 @@
                   <a:schemeClr val="dk1"/>
                 </a:solidFill>
               </a:rPr>
-              <a:t>only 3 vendors</a:t>
+              <a:t>only 4 vendors</a:t>
             </a:r>
             <a:r>
               <a:rPr lang="en-US" sz="1800">
@@ -23190,7 +23090,10 @@
           </a:bodyPr>
           <a:lstStyle/>
           <a:p>
-            <a:pPr indent="0" lvl="0" marL="0" rtl="0" algn="ctr">
+            <a:pPr indent="0" lvl="0" marL="0" marR="0" rtl="0" algn="ctr">
+              <a:lnSpc>
+                <a:spcPct val="100000"/>
+              </a:lnSpc>
               <a:spcBef>
                 <a:spcPts val="0"/>
               </a:spcBef>
@@ -23198,18 +23101,22 @@
                 <a:spcPts val="0"/>
               </a:spcAft>
               <a:buClr>
-                <a:schemeClr val="dk1"/>
+                <a:schemeClr val="dk2"/>
               </a:buClr>
               <a:buFont typeface="Arial"/>
               <a:buNone/>
             </a:pPr>
             <a:r>
-              <a:rPr lang="en-US">
-                <a:solidFill>
-                  <a:schemeClr val="dk1"/>
-                </a:solidFill>
-              </a:rPr>
-              <a:t>Conclusions</a:t>
+              <a:rPr b="0" i="0" lang="en-US" sz="4000" u="none" cap="none" strike="noStrike">
+                <a:solidFill>
+                  <a:schemeClr val="dk2"/>
+                </a:solidFill>
+                <a:latin typeface="Arial"/>
+                <a:ea typeface="Arial"/>
+                <a:cs typeface="Arial"/>
+                <a:sym typeface="Arial"/>
+              </a:rPr>
+              <a:t>References</a:t>
             </a:r>
             <a:endParaRPr/>
           </a:p>
@@ -23218,372 +23125,6 @@
       <p:sp>
         <p:nvSpPr>
           <p:cNvPr id="340" name="Google Shape;340;p52"/>
-          <p:cNvSpPr txBox="1"/>
-          <p:nvPr>
-            <p:ph idx="1" type="body"/>
-          </p:nvPr>
-        </p:nvSpPr>
-        <p:spPr>
-          <a:xfrm>
-            <a:off x="457200" y="904875"/>
-            <a:ext cx="8229600" cy="5145000"/>
-          </a:xfrm>
-          <a:prstGeom prst="rect">
-            <a:avLst/>
-          </a:prstGeom>
-          <a:noFill/>
-          <a:ln>
-            <a:noFill/>
-          </a:ln>
-        </p:spPr>
-        <p:txBody>
-          <a:bodyPr anchorCtr="0" anchor="t" bIns="45700" lIns="91425" spcFirstLastPara="1" rIns="91425" wrap="square" tIns="45700">
-            <a:noAutofit/>
-          </a:bodyPr>
-          <a:lstStyle/>
-          <a:p>
-            <a:pPr indent="0" lvl="0" marL="0" marR="0" rtl="0" algn="l">
-              <a:lnSpc>
-                <a:spcPct val="115000"/>
-              </a:lnSpc>
-              <a:spcBef>
-                <a:spcPts val="0"/>
-              </a:spcBef>
-              <a:spcAft>
-                <a:spcPts val="0"/>
-              </a:spcAft>
-              <a:buNone/>
-            </a:pPr>
-            <a:r>
-              <a:rPr lang="en-US" sz="2000">
-                <a:solidFill>
-                  <a:schemeClr val="dk1"/>
-                </a:solidFill>
-              </a:rPr>
-              <a:t>In addition to this shift, the concept of </a:t>
-            </a:r>
-            <a:r>
-              <a:rPr b="1" lang="en-US" sz="2000">
-                <a:solidFill>
-                  <a:schemeClr val="dk1"/>
-                </a:solidFill>
-              </a:rPr>
-              <a:t>data commoditization</a:t>
-            </a:r>
-            <a:r>
-              <a:rPr lang="en-US" sz="2000">
-                <a:solidFill>
-                  <a:schemeClr val="dk1"/>
-                </a:solidFill>
-              </a:rPr>
-              <a:t> comes into play, especially when considering the two groups of data consumers: those seeking </a:t>
-            </a:r>
-            <a:r>
-              <a:rPr b="1" lang="en-US" sz="2000">
-                <a:solidFill>
-                  <a:schemeClr val="dk1"/>
-                </a:solidFill>
-              </a:rPr>
-              <a:t>highly specific</a:t>
-            </a:r>
-            <a:r>
-              <a:rPr lang="en-US" sz="2000">
-                <a:solidFill>
-                  <a:schemeClr val="dk1"/>
-                </a:solidFill>
-              </a:rPr>
-              <a:t>, </a:t>
-            </a:r>
-            <a:r>
-              <a:rPr b="1" lang="en-US" sz="2000">
-                <a:solidFill>
-                  <a:schemeClr val="dk1"/>
-                </a:solidFill>
-              </a:rPr>
-              <a:t>individualized</a:t>
-            </a:r>
-            <a:r>
-              <a:rPr lang="en-US" sz="2000">
-                <a:solidFill>
-                  <a:schemeClr val="dk1"/>
-                </a:solidFill>
-              </a:rPr>
-              <a:t> </a:t>
-            </a:r>
-            <a:r>
-              <a:rPr b="1" lang="en-US" sz="2000">
-                <a:solidFill>
-                  <a:schemeClr val="dk1"/>
-                </a:solidFill>
-              </a:rPr>
-              <a:t>data</a:t>
-            </a:r>
-            <a:r>
-              <a:rPr lang="en-US" sz="2000">
-                <a:solidFill>
-                  <a:schemeClr val="dk1"/>
-                </a:solidFill>
-              </a:rPr>
-              <a:t>, and those requiring </a:t>
-            </a:r>
-            <a:r>
-              <a:rPr b="1" lang="en-US" sz="2000">
-                <a:solidFill>
-                  <a:schemeClr val="dk1"/>
-                </a:solidFill>
-              </a:rPr>
-              <a:t>data of consistent quality</a:t>
-            </a:r>
-            <a:r>
-              <a:rPr lang="en-US" sz="2000">
-                <a:solidFill>
-                  <a:schemeClr val="dk1"/>
-                </a:solidFill>
-              </a:rPr>
-              <a:t>. </a:t>
-            </a:r>
-            <a:endParaRPr sz="2000">
-              <a:solidFill>
-                <a:schemeClr val="dk1"/>
-              </a:solidFill>
-            </a:endParaRPr>
-          </a:p>
-          <a:p>
-            <a:pPr indent="0" lvl="0" marL="0" marR="0" rtl="0" algn="l">
-              <a:lnSpc>
-                <a:spcPct val="115000"/>
-              </a:lnSpc>
-              <a:spcBef>
-                <a:spcPts val="0"/>
-              </a:spcBef>
-              <a:spcAft>
-                <a:spcPts val="0"/>
-              </a:spcAft>
-              <a:buNone/>
-            </a:pPr>
-            <a:r>
-              <a:t/>
-            </a:r>
-            <a:endParaRPr sz="2000">
-              <a:solidFill>
-                <a:schemeClr val="dk1"/>
-              </a:solidFill>
-            </a:endParaRPr>
-          </a:p>
-          <a:p>
-            <a:pPr indent="0" lvl="0" marL="0" marR="0" rtl="0" algn="l">
-              <a:lnSpc>
-                <a:spcPct val="115000"/>
-              </a:lnSpc>
-              <a:spcBef>
-                <a:spcPts val="0"/>
-              </a:spcBef>
-              <a:spcAft>
-                <a:spcPts val="0"/>
-              </a:spcAft>
-              <a:buNone/>
-            </a:pPr>
-            <a:r>
-              <a:rPr lang="en-US" sz="2000">
-                <a:solidFill>
-                  <a:schemeClr val="dk1"/>
-                </a:solidFill>
-              </a:rPr>
-              <a:t>For the former group, commoditization may not be desirable, as highly specialized data is unlikely to follow a standardization path. </a:t>
-            </a:r>
-            <a:endParaRPr sz="2000">
-              <a:solidFill>
-                <a:schemeClr val="dk1"/>
-              </a:solidFill>
-            </a:endParaRPr>
-          </a:p>
-          <a:p>
-            <a:pPr indent="0" lvl="0" marL="0" marR="0" rtl="0" algn="l">
-              <a:lnSpc>
-                <a:spcPct val="115000"/>
-              </a:lnSpc>
-              <a:spcBef>
-                <a:spcPts val="0"/>
-              </a:spcBef>
-              <a:spcAft>
-                <a:spcPts val="0"/>
-              </a:spcAft>
-              <a:buNone/>
-            </a:pPr>
-            <a:r>
-              <a:t/>
-            </a:r>
-            <a:endParaRPr sz="2000">
-              <a:solidFill>
-                <a:schemeClr val="dk1"/>
-              </a:solidFill>
-            </a:endParaRPr>
-          </a:p>
-          <a:p>
-            <a:pPr indent="0" lvl="0" marL="0" marR="0" rtl="0" algn="l">
-              <a:lnSpc>
-                <a:spcPct val="115000"/>
-              </a:lnSpc>
-              <a:spcBef>
-                <a:spcPts val="0"/>
-              </a:spcBef>
-              <a:spcAft>
-                <a:spcPts val="0"/>
-              </a:spcAft>
-              <a:buNone/>
-            </a:pPr>
-            <a:r>
-              <a:rPr lang="en-US" sz="2000">
-                <a:solidFill>
-                  <a:schemeClr val="dk1"/>
-                </a:solidFill>
-              </a:rPr>
-              <a:t>On the other hand, for the latter group, data that is more standardized and consistent would be more conducive to commoditization, likely increasing its exchange on marketplaces. </a:t>
-            </a:r>
-            <a:endParaRPr sz="2000">
-              <a:solidFill>
-                <a:schemeClr val="dk1"/>
-              </a:solidFill>
-            </a:endParaRPr>
-          </a:p>
-          <a:p>
-            <a:pPr indent="0" lvl="0" marL="0" marR="0" rtl="0" algn="l">
-              <a:lnSpc>
-                <a:spcPct val="115000"/>
-              </a:lnSpc>
-              <a:spcBef>
-                <a:spcPts val="0"/>
-              </a:spcBef>
-              <a:spcAft>
-                <a:spcPts val="0"/>
-              </a:spcAft>
-              <a:buNone/>
-            </a:pPr>
-            <a:r>
-              <a:t/>
-            </a:r>
-            <a:endParaRPr sz="2000">
-              <a:solidFill>
-                <a:schemeClr val="dk1"/>
-              </a:solidFill>
-            </a:endParaRPr>
-          </a:p>
-          <a:p>
-            <a:pPr indent="0" lvl="0" marL="0" marR="0" rtl="0" algn="l">
-              <a:lnSpc>
-                <a:spcPct val="115000"/>
-              </a:lnSpc>
-              <a:spcBef>
-                <a:spcPts val="0"/>
-              </a:spcBef>
-              <a:spcAft>
-                <a:spcPts val="0"/>
-              </a:spcAft>
-              <a:buNone/>
-            </a:pPr>
-            <a:r>
-              <a:rPr lang="en-US" sz="2000">
-                <a:solidFill>
-                  <a:schemeClr val="dk1"/>
-                </a:solidFill>
-              </a:rPr>
-              <a:t>This could lead to a more competitive market for standardized data, further driving down implementation costs and increasing accessibility.</a:t>
-            </a:r>
-            <a:endParaRPr sz="2000">
-              <a:solidFill>
-                <a:schemeClr val="dk1"/>
-              </a:solidFill>
-            </a:endParaRPr>
-          </a:p>
-        </p:txBody>
-      </p:sp>
-    </p:spTree>
-  </p:cSld>
-  <p:clrMapOvr>
-    <a:masterClrMapping/>
-  </p:clrMapOvr>
-</p:sld>
-</file>
-
-<file path=ppt/slides/slide46.xml><?xml version="1.0" encoding="utf-8"?>
-<p:sld xmlns:a="http://schemas.openxmlformats.org/drawingml/2006/main" xmlns:r="http://schemas.openxmlformats.org/officeDocument/2006/relationships" xmlns:mc="http://schemas.openxmlformats.org/markup-compatibility/2006" xmlns:mv="urn:schemas-microsoft-com:mac:vml" xmlns:p="http://schemas.openxmlformats.org/presentationml/2006/main" xmlns:c="http://schemas.openxmlformats.org/drawingml/2006/chart" xmlns:dgm="http://schemas.openxmlformats.org/drawingml/2006/diagram" xmlns:o="urn:schemas-microsoft-com:office:office" xmlns:v="urn:schemas-microsoft-com:vml" xmlns:pvml="urn:schemas-microsoft-com:office:powerpoint" xmlns:com="http://schemas.openxmlformats.org/drawingml/2006/compatibility" xmlns:p14="http://schemas.microsoft.com/office/powerpoint/2010/main" xmlns:p15="http://schemas.microsoft.com/office/powerpoint/2012/main" xmlns:ahyp="http://schemas.microsoft.com/office/drawing/2018/hyperlinkcolor">
-  <p:cSld>
-    <p:spTree>
-      <p:nvGrpSpPr>
-        <p:cNvPr id="344" name="Shape 344"/>
-        <p:cNvGrpSpPr/>
-        <p:nvPr/>
-      </p:nvGrpSpPr>
-      <p:grpSpPr>
-        <a:xfrm>
-          <a:off x="0" y="0"/>
-          <a:ext cx="0" cy="0"/>
-          <a:chOff x="0" y="0"/>
-          <a:chExt cx="0" cy="0"/>
-        </a:xfrm>
-      </p:grpSpPr>
-      <p:sp>
-        <p:nvSpPr>
-          <p:cNvPr id="345" name="Google Shape;345;p53"/>
-          <p:cNvSpPr txBox="1"/>
-          <p:nvPr>
-            <p:ph type="title"/>
-          </p:nvPr>
-        </p:nvSpPr>
-        <p:spPr>
-          <a:xfrm>
-            <a:off x="457200" y="44450"/>
-            <a:ext cx="8229600" cy="647700"/>
-          </a:xfrm>
-          <a:prstGeom prst="rect">
-            <a:avLst/>
-          </a:prstGeom>
-          <a:noFill/>
-          <a:ln>
-            <a:noFill/>
-          </a:ln>
-        </p:spPr>
-        <p:txBody>
-          <a:bodyPr anchorCtr="0" anchor="t" bIns="45700" lIns="91425" spcFirstLastPara="1" rIns="91425" wrap="square" tIns="45700">
-            <a:noAutofit/>
-          </a:bodyPr>
-          <a:lstStyle/>
-          <a:p>
-            <a:pPr indent="0" lvl="0" marL="0" marR="0" rtl="0" algn="ctr">
-              <a:lnSpc>
-                <a:spcPct val="100000"/>
-              </a:lnSpc>
-              <a:spcBef>
-                <a:spcPts val="0"/>
-              </a:spcBef>
-              <a:spcAft>
-                <a:spcPts val="0"/>
-              </a:spcAft>
-              <a:buClr>
-                <a:schemeClr val="dk2"/>
-              </a:buClr>
-              <a:buFont typeface="Arial"/>
-              <a:buNone/>
-            </a:pPr>
-            <a:r>
-              <a:rPr b="0" i="0" lang="en-US" sz="4000" u="none" cap="none" strike="noStrike">
-                <a:solidFill>
-                  <a:schemeClr val="dk2"/>
-                </a:solidFill>
-                <a:latin typeface="Arial"/>
-                <a:ea typeface="Arial"/>
-                <a:cs typeface="Arial"/>
-                <a:sym typeface="Arial"/>
-              </a:rPr>
-              <a:t>References</a:t>
-            </a:r>
-            <a:endParaRPr/>
-          </a:p>
-        </p:txBody>
-      </p:sp>
-      <p:sp>
-        <p:nvSpPr>
-          <p:cNvPr id="346" name="Google Shape;346;p53"/>
           <p:cNvSpPr txBox="1"/>
           <p:nvPr>
             <p:ph idx="1" type="body"/>
@@ -25455,6 +24996,285 @@
 </file>
 
 <file path=ppt/theme/theme1.xml><?xml version="1.0" encoding="utf-8"?>
+<a:theme xmlns:a="http://schemas.openxmlformats.org/drawingml/2006/main" xmlns:r="http://schemas.openxmlformats.org/officeDocument/2006/relationships" name="2_Personalizza struttura">
+  <a:themeElements>
+    <a:clrScheme name="2_Personalizza struttura 1">
+      <a:dk1>
+        <a:srgbClr val="000000"/>
+      </a:dk1>
+      <a:lt1>
+        <a:srgbClr val="FFFFFF"/>
+      </a:lt1>
+      <a:dk2>
+        <a:srgbClr val="000000"/>
+      </a:dk2>
+      <a:lt2>
+        <a:srgbClr val="808080"/>
+      </a:lt2>
+      <a:accent1>
+        <a:srgbClr val="BBE0E3"/>
+      </a:accent1>
+      <a:accent2>
+        <a:srgbClr val="333399"/>
+      </a:accent2>
+      <a:accent3>
+        <a:srgbClr val="FFFFFF"/>
+      </a:accent3>
+      <a:accent4>
+        <a:srgbClr val="000000"/>
+      </a:accent4>
+      <a:accent5>
+        <a:srgbClr val="DAEDEF"/>
+      </a:accent5>
+      <a:accent6>
+        <a:srgbClr val="2D2D8A"/>
+      </a:accent6>
+      <a:hlink>
+        <a:srgbClr val="009999"/>
+      </a:hlink>
+      <a:folHlink>
+        <a:srgbClr val="99CC00"/>
+      </a:folHlink>
+    </a:clrScheme>
+    <a:fontScheme name="Office">
+      <a:majorFont>
+        <a:latin typeface="Arial"/>
+        <a:ea typeface=""/>
+        <a:cs typeface=""/>
+        <a:font script="Jpan" typeface="ＭＳ Ｐゴシック"/>
+        <a:font script="Hang" typeface="맑은 고딕"/>
+        <a:font script="Hans" typeface="宋体"/>
+        <a:font script="Hant" typeface="新細明體"/>
+        <a:font script="Arab" typeface="Times New Roman"/>
+        <a:font script="Hebr" typeface="Times New Roman"/>
+        <a:font script="Thai" typeface="Angsana New"/>
+        <a:font script="Ethi" typeface="Nyala"/>
+        <a:font script="Beng" typeface="Vrinda"/>
+        <a:font script="Gujr" typeface="Shruti"/>
+        <a:font script="Khmr" typeface="MoolBoran"/>
+        <a:font script="Knda" typeface="Tunga"/>
+        <a:font script="Guru" typeface="Raavi"/>
+        <a:font script="Cans" typeface="Euphemia"/>
+        <a:font script="Cher" typeface="Plantagenet Cherokee"/>
+        <a:font script="Yiii" typeface="Microsoft Yi Baiti"/>
+        <a:font script="Tibt" typeface="Microsoft Himalaya"/>
+        <a:font script="Thaa" typeface="MV Boli"/>
+        <a:font script="Deva" typeface="Mangal"/>
+        <a:font script="Telu" typeface="Gautami"/>
+        <a:font script="Taml" typeface="Latha"/>
+        <a:font script="Syrc" typeface="Estrangelo Edessa"/>
+        <a:font script="Orya" typeface="Kalinga"/>
+        <a:font script="Mlym" typeface="Kartika"/>
+        <a:font script="Laoo" typeface="DokChampa"/>
+        <a:font script="Sinh" typeface="Iskoola Pota"/>
+        <a:font script="Mong" typeface="Mongolian Baiti"/>
+        <a:font script="Viet" typeface="Times New Roman"/>
+        <a:font script="Uigh" typeface="Microsoft Uighur"/>
+        <a:font script="Geor" typeface="Sylfaen"/>
+      </a:majorFont>
+      <a:minorFont>
+        <a:latin typeface="Arial"/>
+        <a:ea typeface=""/>
+        <a:cs typeface=""/>
+        <a:font script="Jpan" typeface="ＭＳ Ｐゴシック"/>
+        <a:font script="Hang" typeface="맑은 고딕"/>
+        <a:font script="Hans" typeface="宋体"/>
+        <a:font script="Hant" typeface="新細明體"/>
+        <a:font script="Arab" typeface="Arial"/>
+        <a:font script="Hebr" typeface="Arial"/>
+        <a:font script="Thai" typeface="Cordia New"/>
+        <a:font script="Ethi" typeface="Nyala"/>
+        <a:font script="Beng" typeface="Vrinda"/>
+        <a:font script="Gujr" typeface="Shruti"/>
+        <a:font script="Khmr" typeface="DaunPenh"/>
+        <a:font script="Knda" typeface="Tunga"/>
+        <a:font script="Guru" typeface="Raavi"/>
+        <a:font script="Cans" typeface="Euphemia"/>
+        <a:font script="Cher" typeface="Plantagenet Cherokee"/>
+        <a:font script="Yiii" typeface="Microsoft Yi Baiti"/>
+        <a:font script="Tibt" typeface="Microsoft Himalaya"/>
+        <a:font script="Thaa" typeface="MV Boli"/>
+        <a:font script="Deva" typeface="Mangal"/>
+        <a:font script="Telu" typeface="Gautami"/>
+        <a:font script="Taml" typeface="Latha"/>
+        <a:font script="Syrc" typeface="Estrangelo Edessa"/>
+        <a:font script="Orya" typeface="Kalinga"/>
+        <a:font script="Mlym" typeface="Kartika"/>
+        <a:font script="Laoo" typeface="DokChampa"/>
+        <a:font script="Sinh" typeface="Iskoola Pota"/>
+        <a:font script="Mong" typeface="Mongolian Baiti"/>
+        <a:font script="Viet" typeface="Arial"/>
+        <a:font script="Uigh" typeface="Microsoft Uighur"/>
+        <a:font script="Geor" typeface="Sylfaen"/>
+      </a:minorFont>
+    </a:fontScheme>
+    <a:fmtScheme name="Office">
+      <a:fillStyleLst>
+        <a:solidFill>
+          <a:schemeClr val="phClr"/>
+        </a:solidFill>
+        <a:gradFill rotWithShape="1">
+          <a:gsLst>
+            <a:gs pos="0">
+              <a:schemeClr val="phClr">
+                <a:tint val="50000"/>
+                <a:satMod val="300000"/>
+              </a:schemeClr>
+            </a:gs>
+            <a:gs pos="35000">
+              <a:schemeClr val="phClr">
+                <a:tint val="37000"/>
+                <a:satMod val="300000"/>
+              </a:schemeClr>
+            </a:gs>
+            <a:gs pos="100000">
+              <a:schemeClr val="phClr">
+                <a:tint val="15000"/>
+                <a:satMod val="350000"/>
+              </a:schemeClr>
+            </a:gs>
+          </a:gsLst>
+          <a:lin ang="16200000" scaled="1"/>
+        </a:gradFill>
+        <a:gradFill rotWithShape="1">
+          <a:gsLst>
+            <a:gs pos="0">
+              <a:schemeClr val="phClr">
+                <a:tint val="100000"/>
+                <a:shade val="100000"/>
+                <a:satMod val="130000"/>
+              </a:schemeClr>
+            </a:gs>
+            <a:gs pos="100000">
+              <a:schemeClr val="phClr">
+                <a:tint val="50000"/>
+                <a:shade val="100000"/>
+                <a:satMod val="350000"/>
+              </a:schemeClr>
+            </a:gs>
+          </a:gsLst>
+          <a:lin ang="16200000" scaled="0"/>
+        </a:gradFill>
+      </a:fillStyleLst>
+      <a:lnStyleLst>
+        <a:ln w="9525" cap="flat" cmpd="sng" algn="ctr">
+          <a:solidFill>
+            <a:schemeClr val="phClr">
+              <a:shade val="95000"/>
+              <a:satMod val="105000"/>
+            </a:schemeClr>
+          </a:solidFill>
+          <a:prstDash val="solid"/>
+        </a:ln>
+        <a:ln w="25400" cap="flat" cmpd="sng" algn="ctr">
+          <a:solidFill>
+            <a:schemeClr val="phClr"/>
+          </a:solidFill>
+          <a:prstDash val="solid"/>
+        </a:ln>
+        <a:ln w="38100" cap="flat" cmpd="sng" algn="ctr">
+          <a:solidFill>
+            <a:schemeClr val="phClr"/>
+          </a:solidFill>
+          <a:prstDash val="solid"/>
+        </a:ln>
+      </a:lnStyleLst>
+      <a:effectStyleLst>
+        <a:effectStyle>
+          <a:effectLst>
+            <a:outerShdw blurRad="40000" dist="20000" dir="5400000" rotWithShape="0">
+              <a:srgbClr val="000000">
+                <a:alpha val="38000"/>
+              </a:srgbClr>
+            </a:outerShdw>
+          </a:effectLst>
+        </a:effectStyle>
+        <a:effectStyle>
+          <a:effectLst>
+            <a:outerShdw blurRad="40000" dist="23000" dir="5400000" rotWithShape="0">
+              <a:srgbClr val="000000">
+                <a:alpha val="35000"/>
+              </a:srgbClr>
+            </a:outerShdw>
+          </a:effectLst>
+        </a:effectStyle>
+        <a:effectStyle>
+          <a:effectLst>
+            <a:outerShdw blurRad="40000" dist="23000" dir="5400000" rotWithShape="0">
+              <a:srgbClr val="000000">
+                <a:alpha val="35000"/>
+              </a:srgbClr>
+            </a:outerShdw>
+          </a:effectLst>
+          <a:scene3d>
+            <a:camera prst="orthographicFront">
+              <a:rot lat="0" lon="0" rev="0"/>
+            </a:camera>
+            <a:lightRig rig="threePt" dir="t">
+              <a:rot lat="0" lon="0" rev="1200000"/>
+            </a:lightRig>
+          </a:scene3d>
+          <a:sp3d>
+            <a:bevelT w="63500" h="25400"/>
+          </a:sp3d>
+        </a:effectStyle>
+      </a:effectStyleLst>
+      <a:bgFillStyleLst>
+        <a:solidFill>
+          <a:schemeClr val="phClr"/>
+        </a:solidFill>
+        <a:gradFill rotWithShape="1">
+          <a:gsLst>
+            <a:gs pos="0">
+              <a:schemeClr val="phClr">
+                <a:tint val="40000"/>
+                <a:satMod val="350000"/>
+              </a:schemeClr>
+            </a:gs>
+            <a:gs pos="40000">
+              <a:schemeClr val="phClr">
+                <a:tint val="45000"/>
+                <a:shade val="99000"/>
+                <a:satMod val="350000"/>
+              </a:schemeClr>
+            </a:gs>
+            <a:gs pos="100000">
+              <a:schemeClr val="phClr">
+                <a:shade val="20000"/>
+                <a:satMod val="255000"/>
+              </a:schemeClr>
+            </a:gs>
+          </a:gsLst>
+          <a:path path="circle">
+            <a:fillToRect l="50000" t="-80000" r="50000" b="180000"/>
+          </a:path>
+        </a:gradFill>
+        <a:gradFill rotWithShape="1">
+          <a:gsLst>
+            <a:gs pos="0">
+              <a:schemeClr val="phClr">
+                <a:tint val="80000"/>
+                <a:satMod val="300000"/>
+              </a:schemeClr>
+            </a:gs>
+            <a:gs pos="100000">
+              <a:schemeClr val="phClr">
+                <a:shade val="30000"/>
+                <a:satMod val="200000"/>
+              </a:schemeClr>
+            </a:gs>
+          </a:gsLst>
+          <a:path path="circle">
+            <a:fillToRect l="50000" t="50000" r="50000" b="50000"/>
+          </a:path>
+        </a:gradFill>
+      </a:bgFillStyleLst>
+    </a:fmtScheme>
+  </a:themeElements>
+</a:theme>
+</file>
+
+<file path=ppt/theme/theme2.xml><?xml version="1.0" encoding="utf-8"?>
 <a:theme xmlns:a="http://schemas.openxmlformats.org/drawingml/2006/main" xmlns:r="http://schemas.openxmlformats.org/officeDocument/2006/relationships">
   <a:themeElements>
     <a:clrScheme name="Default">
@@ -25731,283 +25551,4 @@
     </a:fmtScheme>
   </a:themeElements>
 </a:theme>
-</file>
-
-<file path=ppt/theme/theme2.xml><?xml version="1.0" encoding="utf-8"?>
-<a:theme xmlns:a="http://schemas.openxmlformats.org/drawingml/2006/main" xmlns:r="http://schemas.openxmlformats.org/officeDocument/2006/relationships" name="2_Personalizza struttura">
-  <a:themeElements>
-    <a:clrScheme name="2_Personalizza struttura 1">
-      <a:dk1>
-        <a:srgbClr val="000000"/>
-      </a:dk1>
-      <a:lt1>
-        <a:srgbClr val="FFFFFF"/>
-      </a:lt1>
-      <a:dk2>
-        <a:srgbClr val="000000"/>
-      </a:dk2>
-      <a:lt2>
-        <a:srgbClr val="808080"/>
-      </a:lt2>
-      <a:accent1>
-        <a:srgbClr val="BBE0E3"/>
-      </a:accent1>
-      <a:accent2>
-        <a:srgbClr val="333399"/>
-      </a:accent2>
-      <a:accent3>
-        <a:srgbClr val="FFFFFF"/>
-      </a:accent3>
-      <a:accent4>
-        <a:srgbClr val="000000"/>
-      </a:accent4>
-      <a:accent5>
-        <a:srgbClr val="DAEDEF"/>
-      </a:accent5>
-      <a:accent6>
-        <a:srgbClr val="2D2D8A"/>
-      </a:accent6>
-      <a:hlink>
-        <a:srgbClr val="009999"/>
-      </a:hlink>
-      <a:folHlink>
-        <a:srgbClr val="99CC00"/>
-      </a:folHlink>
-    </a:clrScheme>
-    <a:fontScheme name="Office">
-      <a:majorFont>
-        <a:latin typeface="Arial"/>
-        <a:ea typeface=""/>
-        <a:cs typeface=""/>
-        <a:font script="Jpan" typeface="ＭＳ Ｐゴシック"/>
-        <a:font script="Hang" typeface="맑은 고딕"/>
-        <a:font script="Hans" typeface="宋体"/>
-        <a:font script="Hant" typeface="新細明體"/>
-        <a:font script="Arab" typeface="Times New Roman"/>
-        <a:font script="Hebr" typeface="Times New Roman"/>
-        <a:font script="Thai" typeface="Angsana New"/>
-        <a:font script="Ethi" typeface="Nyala"/>
-        <a:font script="Beng" typeface="Vrinda"/>
-        <a:font script="Gujr" typeface="Shruti"/>
-        <a:font script="Khmr" typeface="MoolBoran"/>
-        <a:font script="Knda" typeface="Tunga"/>
-        <a:font script="Guru" typeface="Raavi"/>
-        <a:font script="Cans" typeface="Euphemia"/>
-        <a:font script="Cher" typeface="Plantagenet Cherokee"/>
-        <a:font script="Yiii" typeface="Microsoft Yi Baiti"/>
-        <a:font script="Tibt" typeface="Microsoft Himalaya"/>
-        <a:font script="Thaa" typeface="MV Boli"/>
-        <a:font script="Deva" typeface="Mangal"/>
-        <a:font script="Telu" typeface="Gautami"/>
-        <a:font script="Taml" typeface="Latha"/>
-        <a:font script="Syrc" typeface="Estrangelo Edessa"/>
-        <a:font script="Orya" typeface="Kalinga"/>
-        <a:font script="Mlym" typeface="Kartika"/>
-        <a:font script="Laoo" typeface="DokChampa"/>
-        <a:font script="Sinh" typeface="Iskoola Pota"/>
-        <a:font script="Mong" typeface="Mongolian Baiti"/>
-        <a:font script="Viet" typeface="Times New Roman"/>
-        <a:font script="Uigh" typeface="Microsoft Uighur"/>
-        <a:font script="Geor" typeface="Sylfaen"/>
-      </a:majorFont>
-      <a:minorFont>
-        <a:latin typeface="Arial"/>
-        <a:ea typeface=""/>
-        <a:cs typeface=""/>
-        <a:font script="Jpan" typeface="ＭＳ Ｐゴシック"/>
-        <a:font script="Hang" typeface="맑은 고딕"/>
-        <a:font script="Hans" typeface="宋体"/>
-        <a:font script="Hant" typeface="新細明體"/>
-        <a:font script="Arab" typeface="Arial"/>
-        <a:font script="Hebr" typeface="Arial"/>
-        <a:font script="Thai" typeface="Cordia New"/>
-        <a:font script="Ethi" typeface="Nyala"/>
-        <a:font script="Beng" typeface="Vrinda"/>
-        <a:font script="Gujr" typeface="Shruti"/>
-        <a:font script="Khmr" typeface="DaunPenh"/>
-        <a:font script="Knda" typeface="Tunga"/>
-        <a:font script="Guru" typeface="Raavi"/>
-        <a:font script="Cans" typeface="Euphemia"/>
-        <a:font script="Cher" typeface="Plantagenet Cherokee"/>
-        <a:font script="Yiii" typeface="Microsoft Yi Baiti"/>
-        <a:font script="Tibt" typeface="Microsoft Himalaya"/>
-        <a:font script="Thaa" typeface="MV Boli"/>
-        <a:font script="Deva" typeface="Mangal"/>
-        <a:font script="Telu" typeface="Gautami"/>
-        <a:font script="Taml" typeface="Latha"/>
-        <a:font script="Syrc" typeface="Estrangelo Edessa"/>
-        <a:font script="Orya" typeface="Kalinga"/>
-        <a:font script="Mlym" typeface="Kartika"/>
-        <a:font script="Laoo" typeface="DokChampa"/>
-        <a:font script="Sinh" typeface="Iskoola Pota"/>
-        <a:font script="Mong" typeface="Mongolian Baiti"/>
-        <a:font script="Viet" typeface="Arial"/>
-        <a:font script="Uigh" typeface="Microsoft Uighur"/>
-        <a:font script="Geor" typeface="Sylfaen"/>
-      </a:minorFont>
-    </a:fontScheme>
-    <a:fmtScheme name="Office">
-      <a:fillStyleLst>
-        <a:solidFill>
-          <a:schemeClr val="phClr"/>
-        </a:solidFill>
-        <a:gradFill rotWithShape="1">
-          <a:gsLst>
-            <a:gs pos="0">
-              <a:schemeClr val="phClr">
-                <a:tint val="50000"/>
-                <a:satMod val="300000"/>
-              </a:schemeClr>
-            </a:gs>
-            <a:gs pos="35000">
-              <a:schemeClr val="phClr">
-                <a:tint val="37000"/>
-                <a:satMod val="300000"/>
-              </a:schemeClr>
-            </a:gs>
-            <a:gs pos="100000">
-              <a:schemeClr val="phClr">
-                <a:tint val="15000"/>
-                <a:satMod val="350000"/>
-              </a:schemeClr>
-            </a:gs>
-          </a:gsLst>
-          <a:lin ang="16200000" scaled="1"/>
-        </a:gradFill>
-        <a:gradFill rotWithShape="1">
-          <a:gsLst>
-            <a:gs pos="0">
-              <a:schemeClr val="phClr">
-                <a:tint val="100000"/>
-                <a:shade val="100000"/>
-                <a:satMod val="130000"/>
-              </a:schemeClr>
-            </a:gs>
-            <a:gs pos="100000">
-              <a:schemeClr val="phClr">
-                <a:tint val="50000"/>
-                <a:shade val="100000"/>
-                <a:satMod val="350000"/>
-              </a:schemeClr>
-            </a:gs>
-          </a:gsLst>
-          <a:lin ang="16200000" scaled="0"/>
-        </a:gradFill>
-      </a:fillStyleLst>
-      <a:lnStyleLst>
-        <a:ln w="9525" cap="flat" cmpd="sng" algn="ctr">
-          <a:solidFill>
-            <a:schemeClr val="phClr">
-              <a:shade val="95000"/>
-              <a:satMod val="105000"/>
-            </a:schemeClr>
-          </a:solidFill>
-          <a:prstDash val="solid"/>
-        </a:ln>
-        <a:ln w="25400" cap="flat" cmpd="sng" algn="ctr">
-          <a:solidFill>
-            <a:schemeClr val="phClr"/>
-          </a:solidFill>
-          <a:prstDash val="solid"/>
-        </a:ln>
-        <a:ln w="38100" cap="flat" cmpd="sng" algn="ctr">
-          <a:solidFill>
-            <a:schemeClr val="phClr"/>
-          </a:solidFill>
-          <a:prstDash val="solid"/>
-        </a:ln>
-      </a:lnStyleLst>
-      <a:effectStyleLst>
-        <a:effectStyle>
-          <a:effectLst>
-            <a:outerShdw blurRad="40000" dist="20000" dir="5400000" rotWithShape="0">
-              <a:srgbClr val="000000">
-                <a:alpha val="38000"/>
-              </a:srgbClr>
-            </a:outerShdw>
-          </a:effectLst>
-        </a:effectStyle>
-        <a:effectStyle>
-          <a:effectLst>
-            <a:outerShdw blurRad="40000" dist="23000" dir="5400000" rotWithShape="0">
-              <a:srgbClr val="000000">
-                <a:alpha val="35000"/>
-              </a:srgbClr>
-            </a:outerShdw>
-          </a:effectLst>
-        </a:effectStyle>
-        <a:effectStyle>
-          <a:effectLst>
-            <a:outerShdw blurRad="40000" dist="23000" dir="5400000" rotWithShape="0">
-              <a:srgbClr val="000000">
-                <a:alpha val="35000"/>
-              </a:srgbClr>
-            </a:outerShdw>
-          </a:effectLst>
-          <a:scene3d>
-            <a:camera prst="orthographicFront">
-              <a:rot lat="0" lon="0" rev="0"/>
-            </a:camera>
-            <a:lightRig rig="threePt" dir="t">
-              <a:rot lat="0" lon="0" rev="1200000"/>
-            </a:lightRig>
-          </a:scene3d>
-          <a:sp3d>
-            <a:bevelT w="63500" h="25400"/>
-          </a:sp3d>
-        </a:effectStyle>
-      </a:effectStyleLst>
-      <a:bgFillStyleLst>
-        <a:solidFill>
-          <a:schemeClr val="phClr"/>
-        </a:solidFill>
-        <a:gradFill rotWithShape="1">
-          <a:gsLst>
-            <a:gs pos="0">
-              <a:schemeClr val="phClr">
-                <a:tint val="40000"/>
-                <a:satMod val="350000"/>
-              </a:schemeClr>
-            </a:gs>
-            <a:gs pos="40000">
-              <a:schemeClr val="phClr">
-                <a:tint val="45000"/>
-                <a:shade val="99000"/>
-                <a:satMod val="350000"/>
-              </a:schemeClr>
-            </a:gs>
-            <a:gs pos="100000">
-              <a:schemeClr val="phClr">
-                <a:shade val="20000"/>
-                <a:satMod val="255000"/>
-              </a:schemeClr>
-            </a:gs>
-          </a:gsLst>
-          <a:path path="circle">
-            <a:fillToRect l="50000" t="-80000" r="50000" b="180000"/>
-          </a:path>
-        </a:gradFill>
-        <a:gradFill rotWithShape="1">
-          <a:gsLst>
-            <a:gs pos="0">
-              <a:schemeClr val="phClr">
-                <a:tint val="80000"/>
-                <a:satMod val="300000"/>
-              </a:schemeClr>
-            </a:gs>
-            <a:gs pos="100000">
-              <a:schemeClr val="phClr">
-                <a:shade val="30000"/>
-                <a:satMod val="200000"/>
-              </a:schemeClr>
-            </a:gs>
-          </a:gsLst>
-          <a:path path="circle">
-            <a:fillToRect l="50000" t="50000" r="50000" b="50000"/>
-          </a:path>
-        </a:gradFill>
-      </a:bgFillStyleLst>
-    </a:fmtScheme>
-  </a:themeElements>
-</a:theme>
 </file>